--- a/docs/img/PublicResults/CloudExplained.pptx
+++ b/docs/img/PublicResults/CloudExplained.pptx
@@ -10,6 +10,10 @@
     <p:sldId id="258" r:id="rId4"/>
     <p:sldId id="259" r:id="rId5"/>
     <p:sldId id="260" r:id="rId6"/>
+    <p:sldId id="262" r:id="rId7"/>
+    <p:sldId id="264" r:id="rId8"/>
+    <p:sldId id="263" r:id="rId9"/>
+    <p:sldId id="265" r:id="rId10"/>
   </p:sldIdLst>
   <p:sldSz cx="12192000" cy="6858000"/>
   <p:notesSz cx="6858000" cy="9144000"/>
@@ -276,7 +280,7 @@
           <a:p>
             <a:fld id="{DFF2FBC3-E573-4B2D-B1C4-960EEBA08826}" type="datetimeFigureOut">
               <a:rPr lang="fr-CA" smtClean="0"/>
-              <a:t>2020-07-05</a:t>
+              <a:t>2020-07-31</a:t>
             </a:fld>
             <a:endParaRPr lang="fr-CA"/>
           </a:p>
@@ -476,7 +480,7 @@
           <a:p>
             <a:fld id="{DFF2FBC3-E573-4B2D-B1C4-960EEBA08826}" type="datetimeFigureOut">
               <a:rPr lang="fr-CA" smtClean="0"/>
-              <a:t>2020-07-05</a:t>
+              <a:t>2020-07-31</a:t>
             </a:fld>
             <a:endParaRPr lang="fr-CA"/>
           </a:p>
@@ -686,7 +690,7 @@
           <a:p>
             <a:fld id="{DFF2FBC3-E573-4B2D-B1C4-960EEBA08826}" type="datetimeFigureOut">
               <a:rPr lang="fr-CA" smtClean="0"/>
-              <a:t>2020-07-05</a:t>
+              <a:t>2020-07-31</a:t>
             </a:fld>
             <a:endParaRPr lang="fr-CA"/>
           </a:p>
@@ -886,7 +890,7 @@
           <a:p>
             <a:fld id="{DFF2FBC3-E573-4B2D-B1C4-960EEBA08826}" type="datetimeFigureOut">
               <a:rPr lang="fr-CA" smtClean="0"/>
-              <a:t>2020-07-05</a:t>
+              <a:t>2020-07-31</a:t>
             </a:fld>
             <a:endParaRPr lang="fr-CA"/>
           </a:p>
@@ -1162,7 +1166,7 @@
           <a:p>
             <a:fld id="{DFF2FBC3-E573-4B2D-B1C4-960EEBA08826}" type="datetimeFigureOut">
               <a:rPr lang="fr-CA" smtClean="0"/>
-              <a:t>2020-07-05</a:t>
+              <a:t>2020-07-31</a:t>
             </a:fld>
             <a:endParaRPr lang="fr-CA"/>
           </a:p>
@@ -1430,7 +1434,7 @@
           <a:p>
             <a:fld id="{DFF2FBC3-E573-4B2D-B1C4-960EEBA08826}" type="datetimeFigureOut">
               <a:rPr lang="fr-CA" smtClean="0"/>
-              <a:t>2020-07-05</a:t>
+              <a:t>2020-07-31</a:t>
             </a:fld>
             <a:endParaRPr lang="fr-CA"/>
           </a:p>
@@ -1845,7 +1849,7 @@
           <a:p>
             <a:fld id="{DFF2FBC3-E573-4B2D-B1C4-960EEBA08826}" type="datetimeFigureOut">
               <a:rPr lang="fr-CA" smtClean="0"/>
-              <a:t>2020-07-05</a:t>
+              <a:t>2020-07-31</a:t>
             </a:fld>
             <a:endParaRPr lang="fr-CA"/>
           </a:p>
@@ -1987,7 +1991,7 @@
           <a:p>
             <a:fld id="{DFF2FBC3-E573-4B2D-B1C4-960EEBA08826}" type="datetimeFigureOut">
               <a:rPr lang="fr-CA" smtClean="0"/>
-              <a:t>2020-07-05</a:t>
+              <a:t>2020-07-31</a:t>
             </a:fld>
             <a:endParaRPr lang="fr-CA"/>
           </a:p>
@@ -2100,7 +2104,7 @@
           <a:p>
             <a:fld id="{DFF2FBC3-E573-4B2D-B1C4-960EEBA08826}" type="datetimeFigureOut">
               <a:rPr lang="fr-CA" smtClean="0"/>
-              <a:t>2020-07-05</a:t>
+              <a:t>2020-07-31</a:t>
             </a:fld>
             <a:endParaRPr lang="fr-CA"/>
           </a:p>
@@ -2413,7 +2417,7 @@
           <a:p>
             <a:fld id="{DFF2FBC3-E573-4B2D-B1C4-960EEBA08826}" type="datetimeFigureOut">
               <a:rPr lang="fr-CA" smtClean="0"/>
-              <a:t>2020-07-05</a:t>
+              <a:t>2020-07-31</a:t>
             </a:fld>
             <a:endParaRPr lang="fr-CA"/>
           </a:p>
@@ -2702,7 +2706,7 @@
           <a:p>
             <a:fld id="{DFF2FBC3-E573-4B2D-B1C4-960EEBA08826}" type="datetimeFigureOut">
               <a:rPr lang="fr-CA" smtClean="0"/>
-              <a:t>2020-07-05</a:t>
+              <a:t>2020-07-31</a:t>
             </a:fld>
             <a:endParaRPr lang="fr-CA"/>
           </a:p>
@@ -2945,7 +2949,7 @@
           <a:p>
             <a:fld id="{DFF2FBC3-E573-4B2D-B1C4-960EEBA08826}" type="datetimeFigureOut">
               <a:rPr lang="fr-CA" smtClean="0"/>
-              <a:t>2020-07-05</a:t>
+              <a:t>2020-07-31</a:t>
             </a:fld>
             <a:endParaRPr lang="fr-CA"/>
           </a:p>
@@ -11421,6 +11425,6715 @@
 </p:sld>
 </file>
 
+<file path=ppt/slides/slide6.xml><?xml version="1.0" encoding="utf-8"?>
+<p:sld xmlns:a="http://schemas.openxmlformats.org/drawingml/2006/main" xmlns:r="http://schemas.openxmlformats.org/officeDocument/2006/relationships" xmlns:p="http://schemas.openxmlformats.org/presentationml/2006/main">
+  <p:cSld>
+    <p:spTree>
+      <p:nvGrpSpPr>
+        <p:cNvPr id="1" name=""/>
+        <p:cNvGrpSpPr/>
+        <p:nvPr/>
+      </p:nvGrpSpPr>
+      <p:grpSpPr>
+        <a:xfrm>
+          <a:off x="0" y="0"/>
+          <a:ext cx="0" cy="0"/>
+          <a:chOff x="0" y="0"/>
+          <a:chExt cx="0" cy="0"/>
+        </a:xfrm>
+      </p:grpSpPr>
+      <p:pic>
+        <p:nvPicPr>
+          <p:cNvPr id="5" name="Graphic 4" descr="Laptop">
+            <a:extLst>
+              <a:ext uri="{FF2B5EF4-FFF2-40B4-BE49-F238E27FC236}">
+                <a16:creationId xmlns:a16="http://schemas.microsoft.com/office/drawing/2014/main" id="{76F585B0-FA20-416B-8FEF-C38BC820EB21}"/>
+              </a:ext>
+            </a:extLst>
+          </p:cNvPr>
+          <p:cNvPicPr>
+            <a:picLocks noChangeAspect="1"/>
+          </p:cNvPicPr>
+          <p:nvPr/>
+        </p:nvPicPr>
+        <p:blipFill>
+          <a:blip r:embed="rId2">
+            <a:extLst>
+              <a:ext uri="{28A0092B-C50C-407E-A947-70E740481C1C}">
+                <a14:useLocalDpi xmlns:a14="http://schemas.microsoft.com/office/drawing/2010/main" val="0"/>
+              </a:ext>
+              <a:ext uri="{96DAC541-7B7A-43D3-8B79-37D633B846F1}">
+                <asvg:svgBlip xmlns:asvg="http://schemas.microsoft.com/office/drawing/2016/SVG/main" r:embed="rId3"/>
+              </a:ext>
+            </a:extLst>
+          </a:blip>
+          <a:stretch>
+            <a:fillRect/>
+          </a:stretch>
+        </p:blipFill>
+        <p:spPr>
+          <a:xfrm>
+            <a:off x="651819" y="598906"/>
+            <a:ext cx="914400" cy="914400"/>
+          </a:xfrm>
+          <a:prstGeom prst="rect">
+            <a:avLst/>
+          </a:prstGeom>
+        </p:spPr>
+      </p:pic>
+      <p:pic>
+        <p:nvPicPr>
+          <p:cNvPr id="21" name="Graphic 20" descr="Server">
+            <a:extLst>
+              <a:ext uri="{FF2B5EF4-FFF2-40B4-BE49-F238E27FC236}">
+                <a16:creationId xmlns:a16="http://schemas.microsoft.com/office/drawing/2014/main" id="{5177753F-C49E-491E-81CB-B902FC2C3EBE}"/>
+              </a:ext>
+            </a:extLst>
+          </p:cNvPr>
+          <p:cNvPicPr>
+            <a:picLocks noChangeAspect="1"/>
+          </p:cNvPicPr>
+          <p:nvPr/>
+        </p:nvPicPr>
+        <p:blipFill>
+          <a:blip r:embed="rId4">
+            <a:extLst>
+              <a:ext uri="{28A0092B-C50C-407E-A947-70E740481C1C}">
+                <a14:useLocalDpi xmlns:a14="http://schemas.microsoft.com/office/drawing/2010/main" val="0"/>
+              </a:ext>
+              <a:ext uri="{96DAC541-7B7A-43D3-8B79-37D633B846F1}">
+                <asvg:svgBlip xmlns:asvg="http://schemas.microsoft.com/office/drawing/2016/SVG/main" r:embed="rId5"/>
+              </a:ext>
+            </a:extLst>
+          </a:blip>
+          <a:stretch>
+            <a:fillRect/>
+          </a:stretch>
+        </p:blipFill>
+        <p:spPr>
+          <a:xfrm>
+            <a:off x="4667287" y="3471326"/>
+            <a:ext cx="914400" cy="914400"/>
+          </a:xfrm>
+          <a:prstGeom prst="rect">
+            <a:avLst/>
+          </a:prstGeom>
+        </p:spPr>
+      </p:pic>
+      <p:pic>
+        <p:nvPicPr>
+          <p:cNvPr id="44" name="Graphic 43" descr="Laptop">
+            <a:extLst>
+              <a:ext uri="{FF2B5EF4-FFF2-40B4-BE49-F238E27FC236}">
+                <a16:creationId xmlns:a16="http://schemas.microsoft.com/office/drawing/2014/main" id="{A91E7EE7-10AA-4201-8AC3-48AB9FC0CCCA}"/>
+              </a:ext>
+            </a:extLst>
+          </p:cNvPr>
+          <p:cNvPicPr>
+            <a:picLocks noChangeAspect="1"/>
+          </p:cNvPicPr>
+          <p:nvPr/>
+        </p:nvPicPr>
+        <p:blipFill>
+          <a:blip r:embed="rId2">
+            <a:extLst>
+              <a:ext uri="{28A0092B-C50C-407E-A947-70E740481C1C}">
+                <a14:useLocalDpi xmlns:a14="http://schemas.microsoft.com/office/drawing/2010/main" val="0"/>
+              </a:ext>
+              <a:ext uri="{96DAC541-7B7A-43D3-8B79-37D633B846F1}">
+                <asvg:svgBlip xmlns:asvg="http://schemas.microsoft.com/office/drawing/2016/SVG/main" r:embed="rId3"/>
+              </a:ext>
+            </a:extLst>
+          </a:blip>
+          <a:stretch>
+            <a:fillRect/>
+          </a:stretch>
+        </p:blipFill>
+        <p:spPr>
+          <a:xfrm>
+            <a:off x="1896245" y="603032"/>
+            <a:ext cx="914400" cy="914400"/>
+          </a:xfrm>
+          <a:prstGeom prst="rect">
+            <a:avLst/>
+          </a:prstGeom>
+        </p:spPr>
+      </p:pic>
+      <p:sp>
+        <p:nvSpPr>
+          <p:cNvPr id="35" name="Rectangle 34">
+            <a:extLst>
+              <a:ext uri="{FF2B5EF4-FFF2-40B4-BE49-F238E27FC236}">
+                <a16:creationId xmlns:a16="http://schemas.microsoft.com/office/drawing/2014/main" id="{957DAAC0-F8D2-40CD-B60F-5DBE9A6FD955}"/>
+              </a:ext>
+            </a:extLst>
+          </p:cNvPr>
+          <p:cNvSpPr/>
+          <p:nvPr/>
+        </p:nvSpPr>
+        <p:spPr>
+          <a:xfrm>
+            <a:off x="4382846" y="3471326"/>
+            <a:ext cx="1500597" cy="1109996"/>
+          </a:xfrm>
+          <a:prstGeom prst="rect">
+            <a:avLst/>
+          </a:prstGeom>
+          <a:solidFill>
+            <a:srgbClr val="FFFFFF"/>
+          </a:solidFill>
+          <a:ln>
+            <a:noFill/>
+          </a:ln>
+        </p:spPr>
+        <p:style>
+          <a:lnRef idx="2">
+            <a:schemeClr val="accent1">
+              <a:shade val="50000"/>
+            </a:schemeClr>
+          </a:lnRef>
+          <a:fillRef idx="1">
+            <a:schemeClr val="accent1"/>
+          </a:fillRef>
+          <a:effectRef idx="0">
+            <a:schemeClr val="accent1"/>
+          </a:effectRef>
+          <a:fontRef idx="minor">
+            <a:schemeClr val="lt1"/>
+          </a:fontRef>
+        </p:style>
+        <p:txBody>
+          <a:bodyPr rtlCol="0" anchor="ctr"/>
+          <a:lstStyle/>
+          <a:p>
+            <a:pPr algn="ctr"/>
+            <a:endParaRPr lang="fr-CA"/>
+          </a:p>
+        </p:txBody>
+      </p:sp>
+      <p:pic>
+        <p:nvPicPr>
+          <p:cNvPr id="13" name="Graphic 12" descr="Laptop">
+            <a:extLst>
+              <a:ext uri="{FF2B5EF4-FFF2-40B4-BE49-F238E27FC236}">
+                <a16:creationId xmlns:a16="http://schemas.microsoft.com/office/drawing/2014/main" id="{35FB9175-67C9-40DB-8135-0640A10A3AD3}"/>
+              </a:ext>
+            </a:extLst>
+          </p:cNvPr>
+          <p:cNvPicPr>
+            <a:picLocks noChangeAspect="1"/>
+          </p:cNvPicPr>
+          <p:nvPr/>
+        </p:nvPicPr>
+        <p:blipFill>
+          <a:blip r:embed="rId6">
+            <a:extLst>
+              <a:ext uri="{28A0092B-C50C-407E-A947-70E740481C1C}">
+                <a14:useLocalDpi xmlns:a14="http://schemas.microsoft.com/office/drawing/2010/main" val="0"/>
+              </a:ext>
+              <a:ext uri="{96DAC541-7B7A-43D3-8B79-37D633B846F1}">
+                <asvg:svgBlip xmlns:asvg="http://schemas.microsoft.com/office/drawing/2016/SVG/main" r:embed="rId7"/>
+              </a:ext>
+            </a:extLst>
+          </a:blip>
+          <a:stretch>
+            <a:fillRect/>
+          </a:stretch>
+        </p:blipFill>
+        <p:spPr>
+          <a:xfrm>
+            <a:off x="4675944" y="3560834"/>
+            <a:ext cx="914400" cy="914400"/>
+          </a:xfrm>
+          <a:prstGeom prst="rect">
+            <a:avLst/>
+          </a:prstGeom>
+        </p:spPr>
+      </p:pic>
+      <p:cxnSp>
+        <p:nvCxnSpPr>
+          <p:cNvPr id="121" name="Connector: Curved 120">
+            <a:extLst>
+              <a:ext uri="{FF2B5EF4-FFF2-40B4-BE49-F238E27FC236}">
+                <a16:creationId xmlns:a16="http://schemas.microsoft.com/office/drawing/2014/main" id="{7F9B236A-46B9-4CAA-9E1E-846355322AEF}"/>
+              </a:ext>
+            </a:extLst>
+          </p:cNvPr>
+          <p:cNvCxnSpPr>
+            <a:stCxn id="35" idx="0"/>
+            <a:endCxn id="5" idx="2"/>
+          </p:cNvCxnSpPr>
+          <p:nvPr/>
+        </p:nvCxnSpPr>
+        <p:spPr>
+          <a:xfrm rot="16200000" flipV="1">
+            <a:off x="2142072" y="480253"/>
+            <a:ext cx="1958020" cy="4024126"/>
+          </a:xfrm>
+          <a:prstGeom prst="curvedConnector3">
+            <a:avLst>
+              <a:gd name="adj1" fmla="val 67155"/>
+            </a:avLst>
+          </a:prstGeom>
+          <a:ln>
+            <a:tailEnd type="triangle"/>
+          </a:ln>
+        </p:spPr>
+        <p:style>
+          <a:lnRef idx="1">
+            <a:schemeClr val="accent1"/>
+          </a:lnRef>
+          <a:fillRef idx="0">
+            <a:schemeClr val="accent1"/>
+          </a:fillRef>
+          <a:effectRef idx="0">
+            <a:schemeClr val="accent1"/>
+          </a:effectRef>
+          <a:fontRef idx="minor">
+            <a:schemeClr val="tx1"/>
+          </a:fontRef>
+        </p:style>
+      </p:cxnSp>
+      <p:cxnSp>
+        <p:nvCxnSpPr>
+          <p:cNvPr id="124" name="Connector: Curved 123">
+            <a:extLst>
+              <a:ext uri="{FF2B5EF4-FFF2-40B4-BE49-F238E27FC236}">
+                <a16:creationId xmlns:a16="http://schemas.microsoft.com/office/drawing/2014/main" id="{53FE312B-72AD-4E57-A253-2FFF7B5C59D1}"/>
+              </a:ext>
+            </a:extLst>
+          </p:cNvPr>
+          <p:cNvCxnSpPr>
+            <a:stCxn id="35" idx="0"/>
+            <a:endCxn id="44" idx="2"/>
+          </p:cNvCxnSpPr>
+          <p:nvPr/>
+        </p:nvCxnSpPr>
+        <p:spPr>
+          <a:xfrm rot="16200000" flipV="1">
+            <a:off x="2766348" y="1104529"/>
+            <a:ext cx="1953894" cy="2779700"/>
+          </a:xfrm>
+          <a:prstGeom prst="curvedConnector3">
+            <a:avLst>
+              <a:gd name="adj1" fmla="val 73399"/>
+            </a:avLst>
+          </a:prstGeom>
+          <a:ln>
+            <a:tailEnd type="triangle"/>
+          </a:ln>
+        </p:spPr>
+        <p:style>
+          <a:lnRef idx="1">
+            <a:schemeClr val="accent1"/>
+          </a:lnRef>
+          <a:fillRef idx="0">
+            <a:schemeClr val="accent1"/>
+          </a:fillRef>
+          <a:effectRef idx="0">
+            <a:schemeClr val="accent1"/>
+          </a:effectRef>
+          <a:fontRef idx="minor">
+            <a:schemeClr val="tx1"/>
+          </a:fontRef>
+        </p:style>
+      </p:cxnSp>
+      <p:sp>
+        <p:nvSpPr>
+          <p:cNvPr id="126" name="Rectangle 125">
+            <a:extLst>
+              <a:ext uri="{FF2B5EF4-FFF2-40B4-BE49-F238E27FC236}">
+                <a16:creationId xmlns:a16="http://schemas.microsoft.com/office/drawing/2014/main" id="{F86A6991-9E85-4544-9C96-C2C5125B7152}"/>
+              </a:ext>
+            </a:extLst>
+          </p:cNvPr>
+          <p:cNvSpPr/>
+          <p:nvPr/>
+        </p:nvSpPr>
+        <p:spPr>
+          <a:xfrm>
+            <a:off x="270588" y="501109"/>
+            <a:ext cx="5710334" cy="5927683"/>
+          </a:xfrm>
+          <a:prstGeom prst="rect">
+            <a:avLst/>
+          </a:prstGeom>
+          <a:noFill/>
+        </p:spPr>
+        <p:style>
+          <a:lnRef idx="2">
+            <a:schemeClr val="accent1">
+              <a:shade val="50000"/>
+            </a:schemeClr>
+          </a:lnRef>
+          <a:fillRef idx="1">
+            <a:schemeClr val="accent1"/>
+          </a:fillRef>
+          <a:effectRef idx="0">
+            <a:schemeClr val="accent1"/>
+          </a:effectRef>
+          <a:fontRef idx="minor">
+            <a:schemeClr val="lt1"/>
+          </a:fontRef>
+        </p:style>
+        <p:txBody>
+          <a:bodyPr rtlCol="0" anchor="ctr"/>
+          <a:lstStyle/>
+          <a:p>
+            <a:pPr algn="ctr"/>
+            <a:endParaRPr lang="fr-CA"/>
+          </a:p>
+        </p:txBody>
+      </p:sp>
+      <p:sp>
+        <p:nvSpPr>
+          <p:cNvPr id="127" name="TextBox 126">
+            <a:extLst>
+              <a:ext uri="{FF2B5EF4-FFF2-40B4-BE49-F238E27FC236}">
+                <a16:creationId xmlns:a16="http://schemas.microsoft.com/office/drawing/2014/main" id="{A47218F2-E193-4C56-B84B-B091AAEC9625}"/>
+              </a:ext>
+            </a:extLst>
+          </p:cNvPr>
+          <p:cNvSpPr txBox="1"/>
+          <p:nvPr/>
+        </p:nvSpPr>
+        <p:spPr>
+          <a:xfrm>
+            <a:off x="2865889" y="836497"/>
+            <a:ext cx="1343573" cy="369332"/>
+          </a:xfrm>
+          <a:prstGeom prst="rect">
+            <a:avLst/>
+          </a:prstGeom>
+          <a:noFill/>
+        </p:spPr>
+        <p:txBody>
+          <a:bodyPr wrap="none" rtlCol="0">
+            <a:spAutoFit/>
+          </a:bodyPr>
+          <a:lstStyle/>
+          <a:p>
+            <a:r>
+              <a:rPr lang="fr-CA" dirty="0"/>
+              <a:t>Scoreboards</a:t>
+            </a:r>
+          </a:p>
+        </p:txBody>
+      </p:sp>
+      <p:sp>
+        <p:nvSpPr>
+          <p:cNvPr id="138" name="TextBox 137">
+            <a:extLst>
+              <a:ext uri="{FF2B5EF4-FFF2-40B4-BE49-F238E27FC236}">
+                <a16:creationId xmlns:a16="http://schemas.microsoft.com/office/drawing/2014/main" id="{79F9B87A-2C2D-43BA-8A3D-63A48FBE7D79}"/>
+              </a:ext>
+            </a:extLst>
+          </p:cNvPr>
+          <p:cNvSpPr txBox="1"/>
+          <p:nvPr/>
+        </p:nvSpPr>
+        <p:spPr>
+          <a:xfrm>
+            <a:off x="4706826" y="4246936"/>
+            <a:ext cx="895502" cy="369332"/>
+          </a:xfrm>
+          <a:prstGeom prst="rect">
+            <a:avLst/>
+          </a:prstGeom>
+          <a:noFill/>
+        </p:spPr>
+        <p:txBody>
+          <a:bodyPr wrap="none" rtlCol="0">
+            <a:spAutoFit/>
+          </a:bodyPr>
+          <a:lstStyle/>
+          <a:p>
+            <a:r>
+              <a:rPr lang="fr-CA" dirty="0"/>
+              <a:t>owlcms</a:t>
+            </a:r>
+          </a:p>
+        </p:txBody>
+      </p:sp>
+      <p:pic>
+        <p:nvPicPr>
+          <p:cNvPr id="154" name="Graphic 153" descr="Laptop">
+            <a:extLst>
+              <a:ext uri="{FF2B5EF4-FFF2-40B4-BE49-F238E27FC236}">
+                <a16:creationId xmlns:a16="http://schemas.microsoft.com/office/drawing/2014/main" id="{1FE590CF-F62A-4093-AFAD-AB65C76745CC}"/>
+              </a:ext>
+            </a:extLst>
+          </p:cNvPr>
+          <p:cNvPicPr>
+            <a:picLocks noChangeAspect="1"/>
+          </p:cNvPicPr>
+          <p:nvPr/>
+        </p:nvPicPr>
+        <p:blipFill>
+          <a:blip r:embed="rId6">
+            <a:extLst>
+              <a:ext uri="{28A0092B-C50C-407E-A947-70E740481C1C}">
+                <a14:useLocalDpi xmlns:a14="http://schemas.microsoft.com/office/drawing/2010/main" val="0"/>
+              </a:ext>
+              <a:ext uri="{96DAC541-7B7A-43D3-8B79-37D633B846F1}">
+                <asvg:svgBlip xmlns:asvg="http://schemas.microsoft.com/office/drawing/2016/SVG/main" r:embed="rId7"/>
+              </a:ext>
+            </a:extLst>
+          </a:blip>
+          <a:stretch>
+            <a:fillRect/>
+          </a:stretch>
+        </p:blipFill>
+        <p:spPr>
+          <a:xfrm>
+            <a:off x="1262975" y="5061201"/>
+            <a:ext cx="914400" cy="914400"/>
+          </a:xfrm>
+          <a:prstGeom prst="rect">
+            <a:avLst/>
+          </a:prstGeom>
+        </p:spPr>
+      </p:pic>
+      <p:cxnSp>
+        <p:nvCxnSpPr>
+          <p:cNvPr id="155" name="Connector: Curved 154">
+            <a:extLst>
+              <a:ext uri="{FF2B5EF4-FFF2-40B4-BE49-F238E27FC236}">
+                <a16:creationId xmlns:a16="http://schemas.microsoft.com/office/drawing/2014/main" id="{7A05CA49-62A3-4359-B5D3-C07959EC419C}"/>
+              </a:ext>
+            </a:extLst>
+          </p:cNvPr>
+          <p:cNvCxnSpPr>
+            <a:cxnSpLocks/>
+            <a:stCxn id="154" idx="3"/>
+          </p:cNvCxnSpPr>
+          <p:nvPr/>
+        </p:nvCxnSpPr>
+        <p:spPr>
+          <a:xfrm flipV="1">
+            <a:off x="2177375" y="4616268"/>
+            <a:ext cx="2977202" cy="902133"/>
+          </a:xfrm>
+          <a:prstGeom prst="curvedConnector2">
+            <a:avLst/>
+          </a:prstGeom>
+          <a:ln>
+            <a:headEnd type="triangle"/>
+            <a:tailEnd type="triangle"/>
+          </a:ln>
+        </p:spPr>
+        <p:style>
+          <a:lnRef idx="1">
+            <a:schemeClr val="accent1"/>
+          </a:lnRef>
+          <a:fillRef idx="0">
+            <a:schemeClr val="accent1"/>
+          </a:fillRef>
+          <a:effectRef idx="0">
+            <a:schemeClr val="accent1"/>
+          </a:effectRef>
+          <a:fontRef idx="minor">
+            <a:schemeClr val="tx1"/>
+          </a:fontRef>
+        </p:style>
+      </p:cxnSp>
+      <p:sp>
+        <p:nvSpPr>
+          <p:cNvPr id="156" name="TextBox 155">
+            <a:extLst>
+              <a:ext uri="{FF2B5EF4-FFF2-40B4-BE49-F238E27FC236}">
+                <a16:creationId xmlns:a16="http://schemas.microsoft.com/office/drawing/2014/main" id="{90927868-087C-4D8A-B1BF-9AB6ABBB1128}"/>
+              </a:ext>
+            </a:extLst>
+          </p:cNvPr>
+          <p:cNvSpPr txBox="1"/>
+          <p:nvPr/>
+        </p:nvSpPr>
+        <p:spPr>
+          <a:xfrm>
+            <a:off x="1257349" y="5790935"/>
+            <a:ext cx="996619" cy="369332"/>
+          </a:xfrm>
+          <a:prstGeom prst="rect">
+            <a:avLst/>
+          </a:prstGeom>
+          <a:noFill/>
+        </p:spPr>
+        <p:txBody>
+          <a:bodyPr wrap="none" rtlCol="0">
+            <a:spAutoFit/>
+          </a:bodyPr>
+          <a:lstStyle/>
+          <a:p>
+            <a:r>
+              <a:rPr lang="fr-CA" dirty="0"/>
+              <a:t>Marshall</a:t>
+            </a:r>
+          </a:p>
+        </p:txBody>
+      </p:sp>
+      <p:sp>
+        <p:nvSpPr>
+          <p:cNvPr id="157" name="TextBox 156">
+            <a:extLst>
+              <a:ext uri="{FF2B5EF4-FFF2-40B4-BE49-F238E27FC236}">
+                <a16:creationId xmlns:a16="http://schemas.microsoft.com/office/drawing/2014/main" id="{328DAE8A-90B8-4485-89BD-50A942871BEA}"/>
+              </a:ext>
+            </a:extLst>
+          </p:cNvPr>
+          <p:cNvSpPr txBox="1"/>
+          <p:nvPr/>
+        </p:nvSpPr>
+        <p:spPr>
+          <a:xfrm>
+            <a:off x="3160061" y="5997408"/>
+            <a:ext cx="1220206" cy="369332"/>
+          </a:xfrm>
+          <a:prstGeom prst="rect">
+            <a:avLst/>
+          </a:prstGeom>
+          <a:noFill/>
+        </p:spPr>
+        <p:txBody>
+          <a:bodyPr wrap="none" rtlCol="0">
+            <a:spAutoFit/>
+          </a:bodyPr>
+          <a:lstStyle/>
+          <a:p>
+            <a:r>
+              <a:rPr lang="fr-CA" dirty="0" err="1"/>
+              <a:t>Announcer</a:t>
+            </a:r>
+            <a:endParaRPr lang="fr-CA" dirty="0"/>
+          </a:p>
+        </p:txBody>
+      </p:sp>
+      <p:pic>
+        <p:nvPicPr>
+          <p:cNvPr id="158" name="Graphic 157" descr="Laptop">
+            <a:extLst>
+              <a:ext uri="{FF2B5EF4-FFF2-40B4-BE49-F238E27FC236}">
+                <a16:creationId xmlns:a16="http://schemas.microsoft.com/office/drawing/2014/main" id="{2D7F9F30-85CD-4DD8-9573-B16DB4E0AE1B}"/>
+              </a:ext>
+            </a:extLst>
+          </p:cNvPr>
+          <p:cNvPicPr>
+            <a:picLocks noChangeAspect="1"/>
+          </p:cNvPicPr>
+          <p:nvPr/>
+        </p:nvPicPr>
+        <p:blipFill>
+          <a:blip r:embed="rId6">
+            <a:extLst>
+              <a:ext uri="{28A0092B-C50C-407E-A947-70E740481C1C}">
+                <a14:useLocalDpi xmlns:a14="http://schemas.microsoft.com/office/drawing/2010/main" val="0"/>
+              </a:ext>
+              <a:ext uri="{96DAC541-7B7A-43D3-8B79-37D633B846F1}">
+                <asvg:svgBlip xmlns:asvg="http://schemas.microsoft.com/office/drawing/2016/SVG/main" r:embed="rId7"/>
+              </a:ext>
+            </a:extLst>
+          </a:blip>
+          <a:stretch>
+            <a:fillRect/>
+          </a:stretch>
+        </p:blipFill>
+        <p:spPr>
+          <a:xfrm>
+            <a:off x="3286094" y="5343835"/>
+            <a:ext cx="914400" cy="914400"/>
+          </a:xfrm>
+          <a:prstGeom prst="rect">
+            <a:avLst/>
+          </a:prstGeom>
+        </p:spPr>
+      </p:pic>
+      <p:cxnSp>
+        <p:nvCxnSpPr>
+          <p:cNvPr id="159" name="Connector: Curved 158">
+            <a:extLst>
+              <a:ext uri="{FF2B5EF4-FFF2-40B4-BE49-F238E27FC236}">
+                <a16:creationId xmlns:a16="http://schemas.microsoft.com/office/drawing/2014/main" id="{B18880F1-F4B2-41E9-A430-E4A62708BD6E}"/>
+              </a:ext>
+            </a:extLst>
+          </p:cNvPr>
+          <p:cNvCxnSpPr>
+            <a:stCxn id="158" idx="3"/>
+          </p:cNvCxnSpPr>
+          <p:nvPr/>
+        </p:nvCxnSpPr>
+        <p:spPr>
+          <a:xfrm flipV="1">
+            <a:off x="4200494" y="4616268"/>
+            <a:ext cx="954083" cy="1184767"/>
+          </a:xfrm>
+          <a:prstGeom prst="curvedConnector2">
+            <a:avLst/>
+          </a:prstGeom>
+          <a:ln>
+            <a:headEnd type="triangle"/>
+            <a:tailEnd type="triangle"/>
+          </a:ln>
+        </p:spPr>
+        <p:style>
+          <a:lnRef idx="1">
+            <a:schemeClr val="accent1"/>
+          </a:lnRef>
+          <a:fillRef idx="0">
+            <a:schemeClr val="accent1"/>
+          </a:fillRef>
+          <a:effectRef idx="0">
+            <a:schemeClr val="accent1"/>
+          </a:effectRef>
+          <a:fontRef idx="minor">
+            <a:schemeClr val="tx1"/>
+          </a:fontRef>
+        </p:style>
+      </p:cxnSp>
+      <p:sp>
+        <p:nvSpPr>
+          <p:cNvPr id="161" name="TextBox 160">
+            <a:extLst>
+              <a:ext uri="{FF2B5EF4-FFF2-40B4-BE49-F238E27FC236}">
+                <a16:creationId xmlns:a16="http://schemas.microsoft.com/office/drawing/2014/main" id="{753F4CA7-1D24-4779-80FB-FEBE1B16FFEB}"/>
+              </a:ext>
+            </a:extLst>
+          </p:cNvPr>
+          <p:cNvSpPr txBox="1"/>
+          <p:nvPr/>
+        </p:nvSpPr>
+        <p:spPr>
+          <a:xfrm>
+            <a:off x="223805" y="438538"/>
+            <a:ext cx="1387239" cy="307777"/>
+          </a:xfrm>
+          <a:prstGeom prst="rect">
+            <a:avLst/>
+          </a:prstGeom>
+          <a:noFill/>
+        </p:spPr>
+        <p:txBody>
+          <a:bodyPr wrap="none" rtlCol="0">
+            <a:spAutoFit/>
+          </a:bodyPr>
+          <a:lstStyle/>
+          <a:p>
+            <a:r>
+              <a:rPr lang="fr-CA" sz="1400" i="1" dirty="0" err="1"/>
+              <a:t>Competition</a:t>
+            </a:r>
+            <a:r>
+              <a:rPr lang="fr-CA" sz="1400" i="1" dirty="0"/>
+              <a:t> Site</a:t>
+            </a:r>
+          </a:p>
+        </p:txBody>
+      </p:sp>
+      <p:pic>
+        <p:nvPicPr>
+          <p:cNvPr id="31" name="Graphic 14" descr="Smart Phone">
+            <a:extLst>
+              <a:ext uri="{FF2B5EF4-FFF2-40B4-BE49-F238E27FC236}">
+                <a16:creationId xmlns:a16="http://schemas.microsoft.com/office/drawing/2014/main" id="{978FFDC3-BEBA-4C5C-A7B6-40AFE3C47A1F}"/>
+              </a:ext>
+            </a:extLst>
+          </p:cNvPr>
+          <p:cNvPicPr>
+            <a:picLocks noChangeAspect="1" noChangeArrowheads="1"/>
+          </p:cNvPicPr>
+          <p:nvPr/>
+        </p:nvPicPr>
+        <p:blipFill>
+          <a:blip r:embed="rId8">
+            <a:extLst>
+              <a:ext uri="{28A0092B-C50C-407E-A947-70E740481C1C}">
+                <a14:useLocalDpi xmlns:a14="http://schemas.microsoft.com/office/drawing/2010/main" val="0"/>
+              </a:ext>
+            </a:extLst>
+          </a:blip>
+          <a:srcRect/>
+          <a:stretch>
+            <a:fillRect/>
+          </a:stretch>
+        </p:blipFill>
+        <p:spPr bwMode="auto">
+          <a:xfrm>
+            <a:off x="1054100" y="2778125"/>
+            <a:ext cx="457200" cy="457200"/>
+          </a:xfrm>
+          <a:prstGeom prst="rect">
+            <a:avLst/>
+          </a:prstGeom>
+          <a:noFill/>
+          <a:ln>
+            <a:noFill/>
+          </a:ln>
+          <a:extLst>
+            <a:ext uri="{909E8E84-426E-40DD-AFC4-6F175D3DCCD1}">
+              <a14:hiddenFill xmlns:a14="http://schemas.microsoft.com/office/drawing/2010/main">
+                <a:solidFill>
+                  <a:srgbClr val="FFFFFF"/>
+                </a:solidFill>
+              </a14:hiddenFill>
+            </a:ext>
+            <a:ext uri="{91240B29-F687-4F45-9708-019B960494DF}">
+              <a14:hiddenLine xmlns:a14="http://schemas.microsoft.com/office/drawing/2010/main" w="9525">
+                <a:solidFill>
+                  <a:srgbClr val="000000"/>
+                </a:solidFill>
+                <a:miter lim="800000"/>
+                <a:headEnd/>
+                <a:tailEnd/>
+              </a14:hiddenLine>
+            </a:ext>
+          </a:extLst>
+        </p:spPr>
+      </p:pic>
+      <p:pic>
+        <p:nvPicPr>
+          <p:cNvPr id="32" name="Graphic 17" descr="Smart Phone">
+            <a:extLst>
+              <a:ext uri="{FF2B5EF4-FFF2-40B4-BE49-F238E27FC236}">
+                <a16:creationId xmlns:a16="http://schemas.microsoft.com/office/drawing/2014/main" id="{1E163763-746D-4E40-89AD-E079AE55F07C}"/>
+              </a:ext>
+            </a:extLst>
+          </p:cNvPr>
+          <p:cNvPicPr>
+            <a:picLocks noChangeAspect="1" noChangeArrowheads="1"/>
+          </p:cNvPicPr>
+          <p:nvPr/>
+        </p:nvPicPr>
+        <p:blipFill>
+          <a:blip r:embed="rId8">
+            <a:extLst>
+              <a:ext uri="{28A0092B-C50C-407E-A947-70E740481C1C}">
+                <a14:useLocalDpi xmlns:a14="http://schemas.microsoft.com/office/drawing/2010/main" val="0"/>
+              </a:ext>
+            </a:extLst>
+          </a:blip>
+          <a:srcRect/>
+          <a:stretch>
+            <a:fillRect/>
+          </a:stretch>
+        </p:blipFill>
+        <p:spPr bwMode="auto">
+          <a:xfrm>
+            <a:off x="1728788" y="2778125"/>
+            <a:ext cx="457200" cy="457200"/>
+          </a:xfrm>
+          <a:prstGeom prst="rect">
+            <a:avLst/>
+          </a:prstGeom>
+          <a:noFill/>
+          <a:ln>
+            <a:noFill/>
+          </a:ln>
+          <a:extLst>
+            <a:ext uri="{909E8E84-426E-40DD-AFC4-6F175D3DCCD1}">
+              <a14:hiddenFill xmlns:a14="http://schemas.microsoft.com/office/drawing/2010/main">
+                <a:solidFill>
+                  <a:srgbClr val="FFFFFF"/>
+                </a:solidFill>
+              </a14:hiddenFill>
+            </a:ext>
+            <a:ext uri="{91240B29-F687-4F45-9708-019B960494DF}">
+              <a14:hiddenLine xmlns:a14="http://schemas.microsoft.com/office/drawing/2010/main" w="9525">
+                <a:solidFill>
+                  <a:srgbClr val="000000"/>
+                </a:solidFill>
+                <a:miter lim="800000"/>
+                <a:headEnd/>
+                <a:tailEnd/>
+              </a14:hiddenLine>
+            </a:ext>
+          </a:extLst>
+        </p:spPr>
+      </p:pic>
+      <p:pic>
+        <p:nvPicPr>
+          <p:cNvPr id="33" name="Graphic 18" descr="Smart Phone">
+            <a:extLst>
+              <a:ext uri="{FF2B5EF4-FFF2-40B4-BE49-F238E27FC236}">
+                <a16:creationId xmlns:a16="http://schemas.microsoft.com/office/drawing/2014/main" id="{B815B3C1-C629-4728-8192-03A4C586545D}"/>
+              </a:ext>
+            </a:extLst>
+          </p:cNvPr>
+          <p:cNvPicPr>
+            <a:picLocks noChangeAspect="1" noChangeArrowheads="1"/>
+          </p:cNvPicPr>
+          <p:nvPr/>
+        </p:nvPicPr>
+        <p:blipFill>
+          <a:blip r:embed="rId8">
+            <a:extLst>
+              <a:ext uri="{28A0092B-C50C-407E-A947-70E740481C1C}">
+                <a14:useLocalDpi xmlns:a14="http://schemas.microsoft.com/office/drawing/2010/main" val="0"/>
+              </a:ext>
+            </a:extLst>
+          </a:blip>
+          <a:srcRect/>
+          <a:stretch>
+            <a:fillRect/>
+          </a:stretch>
+        </p:blipFill>
+        <p:spPr bwMode="auto">
+          <a:xfrm>
+            <a:off x="2352675" y="2778125"/>
+            <a:ext cx="457200" cy="457200"/>
+          </a:xfrm>
+          <a:prstGeom prst="rect">
+            <a:avLst/>
+          </a:prstGeom>
+          <a:noFill/>
+          <a:ln>
+            <a:noFill/>
+          </a:ln>
+          <a:extLst>
+            <a:ext uri="{909E8E84-426E-40DD-AFC4-6F175D3DCCD1}">
+              <a14:hiddenFill xmlns:a14="http://schemas.microsoft.com/office/drawing/2010/main">
+                <a:solidFill>
+                  <a:srgbClr val="FFFFFF"/>
+                </a:solidFill>
+              </a14:hiddenFill>
+            </a:ext>
+            <a:ext uri="{91240B29-F687-4F45-9708-019B960494DF}">
+              <a14:hiddenLine xmlns:a14="http://schemas.microsoft.com/office/drawing/2010/main" w="9525">
+                <a:solidFill>
+                  <a:srgbClr val="000000"/>
+                </a:solidFill>
+                <a:miter lim="800000"/>
+                <a:headEnd/>
+                <a:tailEnd/>
+              </a14:hiddenLine>
+            </a:ext>
+          </a:extLst>
+        </p:spPr>
+      </p:pic>
+      <p:cxnSp>
+        <p:nvCxnSpPr>
+          <p:cNvPr id="34" name="Connector: Curved 33">
+            <a:extLst>
+              <a:ext uri="{FF2B5EF4-FFF2-40B4-BE49-F238E27FC236}">
+                <a16:creationId xmlns:a16="http://schemas.microsoft.com/office/drawing/2014/main" id="{D45F9118-F0F5-40EA-9E44-009263DDB17F}"/>
+              </a:ext>
+            </a:extLst>
+          </p:cNvPr>
+          <p:cNvCxnSpPr>
+            <a:cxnSpLocks/>
+            <a:stCxn id="31" idx="1"/>
+            <a:endCxn id="37" idx="1"/>
+          </p:cNvCxnSpPr>
+          <p:nvPr/>
+        </p:nvCxnSpPr>
+        <p:spPr>
+          <a:xfrm rot="10800000" flipH="1" flipV="1">
+            <a:off x="1054100" y="3006725"/>
+            <a:ext cx="1200150" cy="1011238"/>
+          </a:xfrm>
+          <a:prstGeom prst="curvedConnector3">
+            <a:avLst>
+              <a:gd name="adj1" fmla="val -19058"/>
+            </a:avLst>
+          </a:prstGeom>
+          <a:ln>
+            <a:headEnd type="none"/>
+            <a:tailEnd type="triangle"/>
+          </a:ln>
+        </p:spPr>
+        <p:style>
+          <a:lnRef idx="1">
+            <a:schemeClr val="accent1"/>
+          </a:lnRef>
+          <a:fillRef idx="0">
+            <a:schemeClr val="accent1"/>
+          </a:fillRef>
+          <a:effectRef idx="0">
+            <a:schemeClr val="accent1"/>
+          </a:effectRef>
+          <a:fontRef idx="minor">
+            <a:schemeClr val="tx1"/>
+          </a:fontRef>
+        </p:style>
+      </p:cxnSp>
+      <p:sp>
+        <p:nvSpPr>
+          <p:cNvPr id="36" name="TextBox 127">
+            <a:extLst>
+              <a:ext uri="{FF2B5EF4-FFF2-40B4-BE49-F238E27FC236}">
+                <a16:creationId xmlns:a16="http://schemas.microsoft.com/office/drawing/2014/main" id="{9CF766D3-D6E3-414D-A358-D380BCE331EB}"/>
+              </a:ext>
+            </a:extLst>
+          </p:cNvPr>
+          <p:cNvSpPr txBox="1">
+            <a:spLocks noChangeArrowheads="1"/>
+          </p:cNvSpPr>
+          <p:nvPr/>
+        </p:nvSpPr>
+        <p:spPr bwMode="auto">
+          <a:xfrm>
+            <a:off x="2865438" y="2684463"/>
+            <a:ext cx="1454150" cy="646112"/>
+          </a:xfrm>
+          <a:prstGeom prst="rect">
+            <a:avLst/>
+          </a:prstGeom>
+          <a:noFill/>
+          <a:ln>
+            <a:noFill/>
+          </a:ln>
+          <a:extLst>
+            <a:ext uri="{909E8E84-426E-40DD-AFC4-6F175D3DCCD1}">
+              <a14:hiddenFill xmlns:a14="http://schemas.microsoft.com/office/drawing/2010/main">
+                <a:solidFill>
+                  <a:srgbClr val="FFFFFF"/>
+                </a:solidFill>
+              </a14:hiddenFill>
+            </a:ext>
+            <a:ext uri="{91240B29-F687-4F45-9708-019B960494DF}">
+              <a14:hiddenLine xmlns:a14="http://schemas.microsoft.com/office/drawing/2010/main" w="9525">
+                <a:solidFill>
+                  <a:srgbClr val="000000"/>
+                </a:solidFill>
+                <a:miter lim="800000"/>
+                <a:headEnd/>
+                <a:tailEnd/>
+              </a14:hiddenLine>
+            </a:ext>
+          </a:extLst>
+        </p:spPr>
+        <p:txBody>
+          <a:bodyPr wrap="none">
+            <a:spAutoFit/>
+          </a:bodyPr>
+          <a:lstStyle>
+            <a:lvl1pPr>
+              <a:lnSpc>
+                <a:spcPct val="90000"/>
+              </a:lnSpc>
+              <a:spcBef>
+                <a:spcPts val="1000"/>
+              </a:spcBef>
+              <a:buFont typeface="Arial" panose="020B0604020202020204" pitchFamily="34" charset="0"/>
+              <a:buChar char="•"/>
+              <a:defRPr sz="2800">
+                <a:solidFill>
+                  <a:schemeClr val="tx1"/>
+                </a:solidFill>
+                <a:latin typeface="Calibri" panose="020F0502020204030204" pitchFamily="34" charset="0"/>
+              </a:defRPr>
+            </a:lvl1pPr>
+            <a:lvl2pPr marL="742950" indent="-285750">
+              <a:lnSpc>
+                <a:spcPct val="90000"/>
+              </a:lnSpc>
+              <a:spcBef>
+                <a:spcPts val="500"/>
+              </a:spcBef>
+              <a:buFont typeface="Arial" panose="020B0604020202020204" pitchFamily="34" charset="0"/>
+              <a:buChar char="•"/>
+              <a:defRPr sz="2400">
+                <a:solidFill>
+                  <a:schemeClr val="tx1"/>
+                </a:solidFill>
+                <a:latin typeface="Calibri" panose="020F0502020204030204" pitchFamily="34" charset="0"/>
+              </a:defRPr>
+            </a:lvl2pPr>
+            <a:lvl3pPr marL="1143000" indent="-228600">
+              <a:lnSpc>
+                <a:spcPct val="90000"/>
+              </a:lnSpc>
+              <a:spcBef>
+                <a:spcPts val="500"/>
+              </a:spcBef>
+              <a:buFont typeface="Arial" panose="020B0604020202020204" pitchFamily="34" charset="0"/>
+              <a:buChar char="•"/>
+              <a:defRPr sz="2000">
+                <a:solidFill>
+                  <a:schemeClr val="tx1"/>
+                </a:solidFill>
+                <a:latin typeface="Calibri" panose="020F0502020204030204" pitchFamily="34" charset="0"/>
+              </a:defRPr>
+            </a:lvl3pPr>
+            <a:lvl4pPr marL="1600200" indent="-228600">
+              <a:lnSpc>
+                <a:spcPct val="90000"/>
+              </a:lnSpc>
+              <a:spcBef>
+                <a:spcPts val="500"/>
+              </a:spcBef>
+              <a:buFont typeface="Arial" panose="020B0604020202020204" pitchFamily="34" charset="0"/>
+              <a:buChar char="•"/>
+              <a:defRPr>
+                <a:solidFill>
+                  <a:schemeClr val="tx1"/>
+                </a:solidFill>
+                <a:latin typeface="Calibri" panose="020F0502020204030204" pitchFamily="34" charset="0"/>
+              </a:defRPr>
+            </a:lvl4pPr>
+            <a:lvl5pPr marL="2057400" indent="-228600">
+              <a:lnSpc>
+                <a:spcPct val="90000"/>
+              </a:lnSpc>
+              <a:spcBef>
+                <a:spcPts val="500"/>
+              </a:spcBef>
+              <a:buFont typeface="Arial" panose="020B0604020202020204" pitchFamily="34" charset="0"/>
+              <a:buChar char="•"/>
+              <a:defRPr>
+                <a:solidFill>
+                  <a:schemeClr val="tx1"/>
+                </a:solidFill>
+                <a:latin typeface="Calibri" panose="020F0502020204030204" pitchFamily="34" charset="0"/>
+              </a:defRPr>
+            </a:lvl5pPr>
+            <a:lvl6pPr marL="2514600" indent="-228600" eaLnBrk="0" fontAlgn="base" hangingPunct="0">
+              <a:lnSpc>
+                <a:spcPct val="90000"/>
+              </a:lnSpc>
+              <a:spcBef>
+                <a:spcPts val="500"/>
+              </a:spcBef>
+              <a:spcAft>
+                <a:spcPct val="0"/>
+              </a:spcAft>
+              <a:buFont typeface="Arial" panose="020B0604020202020204" pitchFamily="34" charset="0"/>
+              <a:buChar char="•"/>
+              <a:defRPr>
+                <a:solidFill>
+                  <a:schemeClr val="tx1"/>
+                </a:solidFill>
+                <a:latin typeface="Calibri" panose="020F0502020204030204" pitchFamily="34" charset="0"/>
+              </a:defRPr>
+            </a:lvl6pPr>
+            <a:lvl7pPr marL="2971800" indent="-228600" eaLnBrk="0" fontAlgn="base" hangingPunct="0">
+              <a:lnSpc>
+                <a:spcPct val="90000"/>
+              </a:lnSpc>
+              <a:spcBef>
+                <a:spcPts val="500"/>
+              </a:spcBef>
+              <a:spcAft>
+                <a:spcPct val="0"/>
+              </a:spcAft>
+              <a:buFont typeface="Arial" panose="020B0604020202020204" pitchFamily="34" charset="0"/>
+              <a:buChar char="•"/>
+              <a:defRPr>
+                <a:solidFill>
+                  <a:schemeClr val="tx1"/>
+                </a:solidFill>
+                <a:latin typeface="Calibri" panose="020F0502020204030204" pitchFamily="34" charset="0"/>
+              </a:defRPr>
+            </a:lvl7pPr>
+            <a:lvl8pPr marL="3429000" indent="-228600" eaLnBrk="0" fontAlgn="base" hangingPunct="0">
+              <a:lnSpc>
+                <a:spcPct val="90000"/>
+              </a:lnSpc>
+              <a:spcBef>
+                <a:spcPts val="500"/>
+              </a:spcBef>
+              <a:spcAft>
+                <a:spcPct val="0"/>
+              </a:spcAft>
+              <a:buFont typeface="Arial" panose="020B0604020202020204" pitchFamily="34" charset="0"/>
+              <a:buChar char="•"/>
+              <a:defRPr>
+                <a:solidFill>
+                  <a:schemeClr val="tx1"/>
+                </a:solidFill>
+                <a:latin typeface="Calibri" panose="020F0502020204030204" pitchFamily="34" charset="0"/>
+              </a:defRPr>
+            </a:lvl8pPr>
+            <a:lvl9pPr marL="3886200" indent="-228600" eaLnBrk="0" fontAlgn="base" hangingPunct="0">
+              <a:lnSpc>
+                <a:spcPct val="90000"/>
+              </a:lnSpc>
+              <a:spcBef>
+                <a:spcPts val="500"/>
+              </a:spcBef>
+              <a:spcAft>
+                <a:spcPct val="0"/>
+              </a:spcAft>
+              <a:buFont typeface="Arial" panose="020B0604020202020204" pitchFamily="34" charset="0"/>
+              <a:buChar char="•"/>
+              <a:defRPr>
+                <a:solidFill>
+                  <a:schemeClr val="tx1"/>
+                </a:solidFill>
+                <a:latin typeface="Calibri" panose="020F0502020204030204" pitchFamily="34" charset="0"/>
+              </a:defRPr>
+            </a:lvl9pPr>
+          </a:lstStyle>
+          <a:p>
+            <a:pPr eaLnBrk="1" hangingPunct="1">
+              <a:lnSpc>
+                <a:spcPct val="100000"/>
+              </a:lnSpc>
+              <a:spcBef>
+                <a:spcPct val="0"/>
+              </a:spcBef>
+              <a:buFontTx/>
+              <a:buNone/>
+            </a:pPr>
+            <a:r>
+              <a:rPr lang="fr-CA" altLang="fr-FR" sz="1800"/>
+              <a:t>Referee</a:t>
+            </a:r>
+            <a:br>
+              <a:rPr lang="fr-CA" altLang="fr-FR" sz="1800"/>
+            </a:br>
+            <a:r>
+              <a:rPr lang="fr-CA" altLang="fr-FR" sz="1800"/>
+              <a:t>devices (USB)</a:t>
+            </a:r>
+          </a:p>
+        </p:txBody>
+      </p:sp>
+      <p:pic>
+        <p:nvPicPr>
+          <p:cNvPr id="37" name="Graphic 25" descr="Laptop">
+            <a:extLst>
+              <a:ext uri="{FF2B5EF4-FFF2-40B4-BE49-F238E27FC236}">
+                <a16:creationId xmlns:a16="http://schemas.microsoft.com/office/drawing/2014/main" id="{661D759D-35E1-4C10-89F3-01FA11192350}"/>
+              </a:ext>
+            </a:extLst>
+          </p:cNvPr>
+          <p:cNvPicPr>
+            <a:picLocks noChangeAspect="1" noChangeArrowheads="1"/>
+          </p:cNvPicPr>
+          <p:nvPr/>
+        </p:nvPicPr>
+        <p:blipFill>
+          <a:blip r:embed="rId9">
+            <a:extLst>
+              <a:ext uri="{28A0092B-C50C-407E-A947-70E740481C1C}">
+                <a14:useLocalDpi xmlns:a14="http://schemas.microsoft.com/office/drawing/2010/main" val="0"/>
+              </a:ext>
+            </a:extLst>
+          </a:blip>
+          <a:srcRect/>
+          <a:stretch>
+            <a:fillRect/>
+          </a:stretch>
+        </p:blipFill>
+        <p:spPr bwMode="auto">
+          <a:xfrm>
+            <a:off x="2254250" y="3560763"/>
+            <a:ext cx="914400" cy="914400"/>
+          </a:xfrm>
+          <a:prstGeom prst="rect">
+            <a:avLst/>
+          </a:prstGeom>
+          <a:noFill/>
+          <a:ln>
+            <a:noFill/>
+          </a:ln>
+          <a:extLst>
+            <a:ext uri="{909E8E84-426E-40DD-AFC4-6F175D3DCCD1}">
+              <a14:hiddenFill xmlns:a14="http://schemas.microsoft.com/office/drawing/2010/main">
+                <a:solidFill>
+                  <a:srgbClr val="FFFFFF"/>
+                </a:solidFill>
+              </a14:hiddenFill>
+            </a:ext>
+            <a:ext uri="{91240B29-F687-4F45-9708-019B960494DF}">
+              <a14:hiddenLine xmlns:a14="http://schemas.microsoft.com/office/drawing/2010/main" w="9525">
+                <a:solidFill>
+                  <a:srgbClr val="000000"/>
+                </a:solidFill>
+                <a:miter lim="800000"/>
+                <a:headEnd/>
+                <a:tailEnd/>
+              </a14:hiddenLine>
+            </a:ext>
+          </a:extLst>
+        </p:spPr>
+      </p:pic>
+      <p:cxnSp>
+        <p:nvCxnSpPr>
+          <p:cNvPr id="38" name="Connector: Curved 37">
+            <a:extLst>
+              <a:ext uri="{FF2B5EF4-FFF2-40B4-BE49-F238E27FC236}">
+                <a16:creationId xmlns:a16="http://schemas.microsoft.com/office/drawing/2014/main" id="{416EA04D-A236-4559-82A8-DDEDC5C8861D}"/>
+              </a:ext>
+            </a:extLst>
+          </p:cNvPr>
+          <p:cNvCxnSpPr>
+            <a:stCxn id="32" idx="1"/>
+            <a:endCxn id="37" idx="1"/>
+          </p:cNvCxnSpPr>
+          <p:nvPr/>
+        </p:nvCxnSpPr>
+        <p:spPr>
+          <a:xfrm rot="10800000" flipH="1" flipV="1">
+            <a:off x="1728788" y="3006725"/>
+            <a:ext cx="525462" cy="1011238"/>
+          </a:xfrm>
+          <a:prstGeom prst="curvedConnector3">
+            <a:avLst>
+              <a:gd name="adj1" fmla="val -43557"/>
+            </a:avLst>
+          </a:prstGeom>
+          <a:ln>
+            <a:tailEnd type="triangle"/>
+          </a:ln>
+        </p:spPr>
+        <p:style>
+          <a:lnRef idx="1">
+            <a:schemeClr val="accent1"/>
+          </a:lnRef>
+          <a:fillRef idx="0">
+            <a:schemeClr val="accent1"/>
+          </a:fillRef>
+          <a:effectRef idx="0">
+            <a:schemeClr val="accent1"/>
+          </a:effectRef>
+          <a:fontRef idx="minor">
+            <a:schemeClr val="tx1"/>
+          </a:fontRef>
+        </p:style>
+      </p:cxnSp>
+      <p:cxnSp>
+        <p:nvCxnSpPr>
+          <p:cNvPr id="39" name="Connector: Curved 38">
+            <a:extLst>
+              <a:ext uri="{FF2B5EF4-FFF2-40B4-BE49-F238E27FC236}">
+                <a16:creationId xmlns:a16="http://schemas.microsoft.com/office/drawing/2014/main" id="{B8B894CF-AA0C-495E-AF10-BD148C5BC31E}"/>
+              </a:ext>
+            </a:extLst>
+          </p:cNvPr>
+          <p:cNvCxnSpPr>
+            <a:stCxn id="33" idx="1"/>
+            <a:endCxn id="37" idx="1"/>
+          </p:cNvCxnSpPr>
+          <p:nvPr/>
+        </p:nvCxnSpPr>
+        <p:spPr>
+          <a:xfrm rot="10800000" flipV="1">
+            <a:off x="2254250" y="3006725"/>
+            <a:ext cx="98425" cy="1011238"/>
+          </a:xfrm>
+          <a:prstGeom prst="curvedConnector3">
+            <a:avLst>
+              <a:gd name="adj1" fmla="val 329802"/>
+            </a:avLst>
+          </a:prstGeom>
+          <a:ln>
+            <a:tailEnd type="triangle"/>
+          </a:ln>
+        </p:spPr>
+        <p:style>
+          <a:lnRef idx="1">
+            <a:schemeClr val="accent1"/>
+          </a:lnRef>
+          <a:fillRef idx="0">
+            <a:schemeClr val="accent1"/>
+          </a:fillRef>
+          <a:effectRef idx="0">
+            <a:schemeClr val="accent1"/>
+          </a:effectRef>
+          <a:fontRef idx="minor">
+            <a:schemeClr val="tx1"/>
+          </a:fontRef>
+        </p:style>
+      </p:cxnSp>
+      <p:cxnSp>
+        <p:nvCxnSpPr>
+          <p:cNvPr id="40" name="Connector: Curved 39">
+            <a:extLst>
+              <a:ext uri="{FF2B5EF4-FFF2-40B4-BE49-F238E27FC236}">
+                <a16:creationId xmlns:a16="http://schemas.microsoft.com/office/drawing/2014/main" id="{01D46336-9B41-4409-809B-3CF1A2027EE3}"/>
+              </a:ext>
+            </a:extLst>
+          </p:cNvPr>
+          <p:cNvCxnSpPr>
+            <a:cxnSpLocks/>
+            <a:stCxn id="37" idx="3"/>
+            <a:endCxn id="13" idx="1"/>
+          </p:cNvCxnSpPr>
+          <p:nvPr/>
+        </p:nvCxnSpPr>
+        <p:spPr>
+          <a:xfrm>
+            <a:off x="3168650" y="4017963"/>
+            <a:ext cx="1507294" cy="71"/>
+          </a:xfrm>
+          <a:prstGeom prst="curvedConnector3">
+            <a:avLst>
+              <a:gd name="adj1" fmla="val 50000"/>
+            </a:avLst>
+          </a:prstGeom>
+          <a:ln>
+            <a:tailEnd type="triangle"/>
+          </a:ln>
+        </p:spPr>
+        <p:style>
+          <a:lnRef idx="1">
+            <a:schemeClr val="accent1"/>
+          </a:lnRef>
+          <a:fillRef idx="0">
+            <a:schemeClr val="accent1"/>
+          </a:fillRef>
+          <a:effectRef idx="0">
+            <a:schemeClr val="accent1"/>
+          </a:effectRef>
+          <a:fontRef idx="minor">
+            <a:schemeClr val="tx1"/>
+          </a:fontRef>
+        </p:style>
+      </p:cxnSp>
+      <p:sp>
+        <p:nvSpPr>
+          <p:cNvPr id="41" name="TextBox 19">
+            <a:extLst>
+              <a:ext uri="{FF2B5EF4-FFF2-40B4-BE49-F238E27FC236}">
+                <a16:creationId xmlns:a16="http://schemas.microsoft.com/office/drawing/2014/main" id="{29CFA0AF-355D-46F9-9B1A-5F925BC7EBE8}"/>
+              </a:ext>
+            </a:extLst>
+          </p:cNvPr>
+          <p:cNvSpPr txBox="1">
+            <a:spLocks noChangeArrowheads="1"/>
+          </p:cNvSpPr>
+          <p:nvPr/>
+        </p:nvSpPr>
+        <p:spPr bwMode="auto">
+          <a:xfrm>
+            <a:off x="1984375" y="4232275"/>
+            <a:ext cx="1495425" cy="646113"/>
+          </a:xfrm>
+          <a:prstGeom prst="rect">
+            <a:avLst/>
+          </a:prstGeom>
+          <a:noFill/>
+          <a:ln>
+            <a:noFill/>
+          </a:ln>
+          <a:extLst>
+            <a:ext uri="{909E8E84-426E-40DD-AFC4-6F175D3DCCD1}">
+              <a14:hiddenFill xmlns:a14="http://schemas.microsoft.com/office/drawing/2010/main">
+                <a:solidFill>
+                  <a:srgbClr val="FFFFFF"/>
+                </a:solidFill>
+              </a14:hiddenFill>
+            </a:ext>
+            <a:ext uri="{91240B29-F687-4F45-9708-019B960494DF}">
+              <a14:hiddenLine xmlns:a14="http://schemas.microsoft.com/office/drawing/2010/main" w="9525">
+                <a:solidFill>
+                  <a:srgbClr val="000000"/>
+                </a:solidFill>
+                <a:miter lim="800000"/>
+                <a:headEnd/>
+                <a:tailEnd/>
+              </a14:hiddenLine>
+            </a:ext>
+          </a:extLst>
+        </p:spPr>
+        <p:txBody>
+          <a:bodyPr wrap="none">
+            <a:spAutoFit/>
+          </a:bodyPr>
+          <a:lstStyle>
+            <a:lvl1pPr>
+              <a:lnSpc>
+                <a:spcPct val="90000"/>
+              </a:lnSpc>
+              <a:spcBef>
+                <a:spcPts val="1000"/>
+              </a:spcBef>
+              <a:buFont typeface="Arial" panose="020B0604020202020204" pitchFamily="34" charset="0"/>
+              <a:buChar char="•"/>
+              <a:defRPr sz="2800">
+                <a:solidFill>
+                  <a:schemeClr val="tx1"/>
+                </a:solidFill>
+                <a:latin typeface="Calibri" panose="020F0502020204030204" pitchFamily="34" charset="0"/>
+              </a:defRPr>
+            </a:lvl1pPr>
+            <a:lvl2pPr marL="742950" indent="-285750">
+              <a:lnSpc>
+                <a:spcPct val="90000"/>
+              </a:lnSpc>
+              <a:spcBef>
+                <a:spcPts val="500"/>
+              </a:spcBef>
+              <a:buFont typeface="Arial" panose="020B0604020202020204" pitchFamily="34" charset="0"/>
+              <a:buChar char="•"/>
+              <a:defRPr sz="2400">
+                <a:solidFill>
+                  <a:schemeClr val="tx1"/>
+                </a:solidFill>
+                <a:latin typeface="Calibri" panose="020F0502020204030204" pitchFamily="34" charset="0"/>
+              </a:defRPr>
+            </a:lvl2pPr>
+            <a:lvl3pPr marL="1143000" indent="-228600">
+              <a:lnSpc>
+                <a:spcPct val="90000"/>
+              </a:lnSpc>
+              <a:spcBef>
+                <a:spcPts val="500"/>
+              </a:spcBef>
+              <a:buFont typeface="Arial" panose="020B0604020202020204" pitchFamily="34" charset="0"/>
+              <a:buChar char="•"/>
+              <a:defRPr sz="2000">
+                <a:solidFill>
+                  <a:schemeClr val="tx1"/>
+                </a:solidFill>
+                <a:latin typeface="Calibri" panose="020F0502020204030204" pitchFamily="34" charset="0"/>
+              </a:defRPr>
+            </a:lvl3pPr>
+            <a:lvl4pPr marL="1600200" indent="-228600">
+              <a:lnSpc>
+                <a:spcPct val="90000"/>
+              </a:lnSpc>
+              <a:spcBef>
+                <a:spcPts val="500"/>
+              </a:spcBef>
+              <a:buFont typeface="Arial" panose="020B0604020202020204" pitchFamily="34" charset="0"/>
+              <a:buChar char="•"/>
+              <a:defRPr>
+                <a:solidFill>
+                  <a:schemeClr val="tx1"/>
+                </a:solidFill>
+                <a:latin typeface="Calibri" panose="020F0502020204030204" pitchFamily="34" charset="0"/>
+              </a:defRPr>
+            </a:lvl4pPr>
+            <a:lvl5pPr marL="2057400" indent="-228600">
+              <a:lnSpc>
+                <a:spcPct val="90000"/>
+              </a:lnSpc>
+              <a:spcBef>
+                <a:spcPts val="500"/>
+              </a:spcBef>
+              <a:buFont typeface="Arial" panose="020B0604020202020204" pitchFamily="34" charset="0"/>
+              <a:buChar char="•"/>
+              <a:defRPr>
+                <a:solidFill>
+                  <a:schemeClr val="tx1"/>
+                </a:solidFill>
+                <a:latin typeface="Calibri" panose="020F0502020204030204" pitchFamily="34" charset="0"/>
+              </a:defRPr>
+            </a:lvl5pPr>
+            <a:lvl6pPr marL="2514600" indent="-228600" eaLnBrk="0" fontAlgn="base" hangingPunct="0">
+              <a:lnSpc>
+                <a:spcPct val="90000"/>
+              </a:lnSpc>
+              <a:spcBef>
+                <a:spcPts val="500"/>
+              </a:spcBef>
+              <a:spcAft>
+                <a:spcPct val="0"/>
+              </a:spcAft>
+              <a:buFont typeface="Arial" panose="020B0604020202020204" pitchFamily="34" charset="0"/>
+              <a:buChar char="•"/>
+              <a:defRPr>
+                <a:solidFill>
+                  <a:schemeClr val="tx1"/>
+                </a:solidFill>
+                <a:latin typeface="Calibri" panose="020F0502020204030204" pitchFamily="34" charset="0"/>
+              </a:defRPr>
+            </a:lvl6pPr>
+            <a:lvl7pPr marL="2971800" indent="-228600" eaLnBrk="0" fontAlgn="base" hangingPunct="0">
+              <a:lnSpc>
+                <a:spcPct val="90000"/>
+              </a:lnSpc>
+              <a:spcBef>
+                <a:spcPts val="500"/>
+              </a:spcBef>
+              <a:spcAft>
+                <a:spcPct val="0"/>
+              </a:spcAft>
+              <a:buFont typeface="Arial" panose="020B0604020202020204" pitchFamily="34" charset="0"/>
+              <a:buChar char="•"/>
+              <a:defRPr>
+                <a:solidFill>
+                  <a:schemeClr val="tx1"/>
+                </a:solidFill>
+                <a:latin typeface="Calibri" panose="020F0502020204030204" pitchFamily="34" charset="0"/>
+              </a:defRPr>
+            </a:lvl7pPr>
+            <a:lvl8pPr marL="3429000" indent="-228600" eaLnBrk="0" fontAlgn="base" hangingPunct="0">
+              <a:lnSpc>
+                <a:spcPct val="90000"/>
+              </a:lnSpc>
+              <a:spcBef>
+                <a:spcPts val="500"/>
+              </a:spcBef>
+              <a:spcAft>
+                <a:spcPct val="0"/>
+              </a:spcAft>
+              <a:buFont typeface="Arial" panose="020B0604020202020204" pitchFamily="34" charset="0"/>
+              <a:buChar char="•"/>
+              <a:defRPr>
+                <a:solidFill>
+                  <a:schemeClr val="tx1"/>
+                </a:solidFill>
+                <a:latin typeface="Calibri" panose="020F0502020204030204" pitchFamily="34" charset="0"/>
+              </a:defRPr>
+            </a:lvl8pPr>
+            <a:lvl9pPr marL="3886200" indent="-228600" eaLnBrk="0" fontAlgn="base" hangingPunct="0">
+              <a:lnSpc>
+                <a:spcPct val="90000"/>
+              </a:lnSpc>
+              <a:spcBef>
+                <a:spcPts val="500"/>
+              </a:spcBef>
+              <a:spcAft>
+                <a:spcPct val="0"/>
+              </a:spcAft>
+              <a:buFont typeface="Arial" panose="020B0604020202020204" pitchFamily="34" charset="0"/>
+              <a:buChar char="•"/>
+              <a:defRPr>
+                <a:solidFill>
+                  <a:schemeClr val="tx1"/>
+                </a:solidFill>
+                <a:latin typeface="Calibri" panose="020F0502020204030204" pitchFamily="34" charset="0"/>
+              </a:defRPr>
+            </a:lvl9pPr>
+          </a:lstStyle>
+          <a:p>
+            <a:pPr algn="ctr" eaLnBrk="1" hangingPunct="1">
+              <a:lnSpc>
+                <a:spcPct val="100000"/>
+              </a:lnSpc>
+              <a:spcBef>
+                <a:spcPct val="0"/>
+              </a:spcBef>
+              <a:buFontTx/>
+              <a:buNone/>
+            </a:pPr>
+            <a:r>
+              <a:rPr lang="fr-CA" altLang="fr-FR" sz="1800"/>
+              <a:t>Athlete-facing</a:t>
+            </a:r>
+            <a:br>
+              <a:rPr lang="fr-CA" altLang="fr-FR" sz="1800"/>
+            </a:br>
+            <a:r>
+              <a:rPr lang="fr-CA" altLang="fr-FR" sz="1800"/>
+              <a:t>display</a:t>
+            </a:r>
+          </a:p>
+        </p:txBody>
+      </p:sp>
+    </p:spTree>
+    <p:extLst>
+      <p:ext uri="{BB962C8B-B14F-4D97-AF65-F5344CB8AC3E}">
+        <p14:creationId xmlns:p14="http://schemas.microsoft.com/office/powerpoint/2010/main" val="2559522750"/>
+      </p:ext>
+    </p:extLst>
+  </p:cSld>
+  <p:clrMapOvr>
+    <a:masterClrMapping/>
+  </p:clrMapOvr>
+</p:sld>
+</file>
+
+<file path=ppt/slides/slide7.xml><?xml version="1.0" encoding="utf-8"?>
+<p:sld xmlns:a="http://schemas.openxmlformats.org/drawingml/2006/main" xmlns:r="http://schemas.openxmlformats.org/officeDocument/2006/relationships" xmlns:p="http://schemas.openxmlformats.org/presentationml/2006/main">
+  <p:cSld>
+    <p:spTree>
+      <p:nvGrpSpPr>
+        <p:cNvPr id="1" name=""/>
+        <p:cNvGrpSpPr/>
+        <p:nvPr/>
+      </p:nvGrpSpPr>
+      <p:grpSpPr>
+        <a:xfrm>
+          <a:off x="0" y="0"/>
+          <a:ext cx="0" cy="0"/>
+          <a:chOff x="0" y="0"/>
+          <a:chExt cx="0" cy="0"/>
+        </a:xfrm>
+      </p:grpSpPr>
+      <p:pic>
+        <p:nvPicPr>
+          <p:cNvPr id="5" name="Graphic 4" descr="Laptop">
+            <a:extLst>
+              <a:ext uri="{FF2B5EF4-FFF2-40B4-BE49-F238E27FC236}">
+                <a16:creationId xmlns:a16="http://schemas.microsoft.com/office/drawing/2014/main" id="{76F585B0-FA20-416B-8FEF-C38BC820EB21}"/>
+              </a:ext>
+            </a:extLst>
+          </p:cNvPr>
+          <p:cNvPicPr>
+            <a:picLocks noChangeAspect="1"/>
+          </p:cNvPicPr>
+          <p:nvPr/>
+        </p:nvPicPr>
+        <p:blipFill>
+          <a:blip r:embed="rId2">
+            <a:extLst>
+              <a:ext uri="{28A0092B-C50C-407E-A947-70E740481C1C}">
+                <a14:useLocalDpi xmlns:a14="http://schemas.microsoft.com/office/drawing/2010/main" val="0"/>
+              </a:ext>
+              <a:ext uri="{96DAC541-7B7A-43D3-8B79-37D633B846F1}">
+                <asvg:svgBlip xmlns:asvg="http://schemas.microsoft.com/office/drawing/2016/SVG/main" r:embed="rId3"/>
+              </a:ext>
+            </a:extLst>
+          </a:blip>
+          <a:stretch>
+            <a:fillRect/>
+          </a:stretch>
+        </p:blipFill>
+        <p:spPr>
+          <a:xfrm>
+            <a:off x="651819" y="598906"/>
+            <a:ext cx="914400" cy="914400"/>
+          </a:xfrm>
+          <a:prstGeom prst="rect">
+            <a:avLst/>
+          </a:prstGeom>
+        </p:spPr>
+      </p:pic>
+      <p:pic>
+        <p:nvPicPr>
+          <p:cNvPr id="21" name="Graphic 20" descr="Server">
+            <a:extLst>
+              <a:ext uri="{FF2B5EF4-FFF2-40B4-BE49-F238E27FC236}">
+                <a16:creationId xmlns:a16="http://schemas.microsoft.com/office/drawing/2014/main" id="{5177753F-C49E-491E-81CB-B902FC2C3EBE}"/>
+              </a:ext>
+            </a:extLst>
+          </p:cNvPr>
+          <p:cNvPicPr>
+            <a:picLocks noChangeAspect="1"/>
+          </p:cNvPicPr>
+          <p:nvPr/>
+        </p:nvPicPr>
+        <p:blipFill>
+          <a:blip r:embed="rId4">
+            <a:extLst>
+              <a:ext uri="{28A0092B-C50C-407E-A947-70E740481C1C}">
+                <a14:useLocalDpi xmlns:a14="http://schemas.microsoft.com/office/drawing/2010/main" val="0"/>
+              </a:ext>
+              <a:ext uri="{96DAC541-7B7A-43D3-8B79-37D633B846F1}">
+                <asvg:svgBlip xmlns:asvg="http://schemas.microsoft.com/office/drawing/2016/SVG/main" r:embed="rId5"/>
+              </a:ext>
+            </a:extLst>
+          </a:blip>
+          <a:stretch>
+            <a:fillRect/>
+          </a:stretch>
+        </p:blipFill>
+        <p:spPr>
+          <a:xfrm>
+            <a:off x="4667287" y="3471326"/>
+            <a:ext cx="914400" cy="914400"/>
+          </a:xfrm>
+          <a:prstGeom prst="rect">
+            <a:avLst/>
+          </a:prstGeom>
+        </p:spPr>
+      </p:pic>
+      <p:pic>
+        <p:nvPicPr>
+          <p:cNvPr id="44" name="Graphic 43" descr="Laptop">
+            <a:extLst>
+              <a:ext uri="{FF2B5EF4-FFF2-40B4-BE49-F238E27FC236}">
+                <a16:creationId xmlns:a16="http://schemas.microsoft.com/office/drawing/2014/main" id="{A91E7EE7-10AA-4201-8AC3-48AB9FC0CCCA}"/>
+              </a:ext>
+            </a:extLst>
+          </p:cNvPr>
+          <p:cNvPicPr>
+            <a:picLocks noChangeAspect="1"/>
+          </p:cNvPicPr>
+          <p:nvPr/>
+        </p:nvPicPr>
+        <p:blipFill>
+          <a:blip r:embed="rId2">
+            <a:extLst>
+              <a:ext uri="{28A0092B-C50C-407E-A947-70E740481C1C}">
+                <a14:useLocalDpi xmlns:a14="http://schemas.microsoft.com/office/drawing/2010/main" val="0"/>
+              </a:ext>
+              <a:ext uri="{96DAC541-7B7A-43D3-8B79-37D633B846F1}">
+                <asvg:svgBlip xmlns:asvg="http://schemas.microsoft.com/office/drawing/2016/SVG/main" r:embed="rId3"/>
+              </a:ext>
+            </a:extLst>
+          </a:blip>
+          <a:stretch>
+            <a:fillRect/>
+          </a:stretch>
+        </p:blipFill>
+        <p:spPr>
+          <a:xfrm>
+            <a:off x="1896245" y="603032"/>
+            <a:ext cx="914400" cy="914400"/>
+          </a:xfrm>
+          <a:prstGeom prst="rect">
+            <a:avLst/>
+          </a:prstGeom>
+        </p:spPr>
+      </p:pic>
+      <p:sp>
+        <p:nvSpPr>
+          <p:cNvPr id="35" name="Rectangle 34">
+            <a:extLst>
+              <a:ext uri="{FF2B5EF4-FFF2-40B4-BE49-F238E27FC236}">
+                <a16:creationId xmlns:a16="http://schemas.microsoft.com/office/drawing/2014/main" id="{957DAAC0-F8D2-40CD-B60F-5DBE9A6FD955}"/>
+              </a:ext>
+            </a:extLst>
+          </p:cNvPr>
+          <p:cNvSpPr/>
+          <p:nvPr/>
+        </p:nvSpPr>
+        <p:spPr>
+          <a:xfrm>
+            <a:off x="4382846" y="3471326"/>
+            <a:ext cx="1500597" cy="1109996"/>
+          </a:xfrm>
+          <a:prstGeom prst="rect">
+            <a:avLst/>
+          </a:prstGeom>
+          <a:solidFill>
+            <a:srgbClr val="FFFFFF"/>
+          </a:solidFill>
+          <a:ln>
+            <a:noFill/>
+          </a:ln>
+        </p:spPr>
+        <p:style>
+          <a:lnRef idx="2">
+            <a:schemeClr val="accent1">
+              <a:shade val="50000"/>
+            </a:schemeClr>
+          </a:lnRef>
+          <a:fillRef idx="1">
+            <a:schemeClr val="accent1"/>
+          </a:fillRef>
+          <a:effectRef idx="0">
+            <a:schemeClr val="accent1"/>
+          </a:effectRef>
+          <a:fontRef idx="minor">
+            <a:schemeClr val="lt1"/>
+          </a:fontRef>
+        </p:style>
+        <p:txBody>
+          <a:bodyPr rtlCol="0" anchor="ctr"/>
+          <a:lstStyle/>
+          <a:p>
+            <a:pPr algn="ctr"/>
+            <a:endParaRPr lang="fr-CA"/>
+          </a:p>
+        </p:txBody>
+      </p:sp>
+      <p:pic>
+        <p:nvPicPr>
+          <p:cNvPr id="13" name="Graphic 12" descr="Laptop">
+            <a:extLst>
+              <a:ext uri="{FF2B5EF4-FFF2-40B4-BE49-F238E27FC236}">
+                <a16:creationId xmlns:a16="http://schemas.microsoft.com/office/drawing/2014/main" id="{35FB9175-67C9-40DB-8135-0640A10A3AD3}"/>
+              </a:ext>
+            </a:extLst>
+          </p:cNvPr>
+          <p:cNvPicPr>
+            <a:picLocks noChangeAspect="1"/>
+          </p:cNvPicPr>
+          <p:nvPr/>
+        </p:nvPicPr>
+        <p:blipFill>
+          <a:blip r:embed="rId6">
+            <a:extLst>
+              <a:ext uri="{28A0092B-C50C-407E-A947-70E740481C1C}">
+                <a14:useLocalDpi xmlns:a14="http://schemas.microsoft.com/office/drawing/2010/main" val="0"/>
+              </a:ext>
+              <a:ext uri="{96DAC541-7B7A-43D3-8B79-37D633B846F1}">
+                <asvg:svgBlip xmlns:asvg="http://schemas.microsoft.com/office/drawing/2016/SVG/main" r:embed="rId7"/>
+              </a:ext>
+            </a:extLst>
+          </a:blip>
+          <a:stretch>
+            <a:fillRect/>
+          </a:stretch>
+        </p:blipFill>
+        <p:spPr>
+          <a:xfrm>
+            <a:off x="4675944" y="3560834"/>
+            <a:ext cx="914400" cy="914400"/>
+          </a:xfrm>
+          <a:prstGeom prst="rect">
+            <a:avLst/>
+          </a:prstGeom>
+        </p:spPr>
+      </p:pic>
+      <p:cxnSp>
+        <p:nvCxnSpPr>
+          <p:cNvPr id="121" name="Connector: Curved 120">
+            <a:extLst>
+              <a:ext uri="{FF2B5EF4-FFF2-40B4-BE49-F238E27FC236}">
+                <a16:creationId xmlns:a16="http://schemas.microsoft.com/office/drawing/2014/main" id="{7F9B236A-46B9-4CAA-9E1E-846355322AEF}"/>
+              </a:ext>
+            </a:extLst>
+          </p:cNvPr>
+          <p:cNvCxnSpPr>
+            <a:stCxn id="35" idx="0"/>
+            <a:endCxn id="5" idx="2"/>
+          </p:cNvCxnSpPr>
+          <p:nvPr/>
+        </p:nvCxnSpPr>
+        <p:spPr>
+          <a:xfrm rot="16200000" flipV="1">
+            <a:off x="2142072" y="480253"/>
+            <a:ext cx="1958020" cy="4024126"/>
+          </a:xfrm>
+          <a:prstGeom prst="curvedConnector3">
+            <a:avLst>
+              <a:gd name="adj1" fmla="val 67155"/>
+            </a:avLst>
+          </a:prstGeom>
+          <a:ln>
+            <a:tailEnd type="triangle"/>
+          </a:ln>
+        </p:spPr>
+        <p:style>
+          <a:lnRef idx="1">
+            <a:schemeClr val="accent1"/>
+          </a:lnRef>
+          <a:fillRef idx="0">
+            <a:schemeClr val="accent1"/>
+          </a:fillRef>
+          <a:effectRef idx="0">
+            <a:schemeClr val="accent1"/>
+          </a:effectRef>
+          <a:fontRef idx="minor">
+            <a:schemeClr val="tx1"/>
+          </a:fontRef>
+        </p:style>
+      </p:cxnSp>
+      <p:cxnSp>
+        <p:nvCxnSpPr>
+          <p:cNvPr id="124" name="Connector: Curved 123">
+            <a:extLst>
+              <a:ext uri="{FF2B5EF4-FFF2-40B4-BE49-F238E27FC236}">
+                <a16:creationId xmlns:a16="http://schemas.microsoft.com/office/drawing/2014/main" id="{53FE312B-72AD-4E57-A253-2FFF7B5C59D1}"/>
+              </a:ext>
+            </a:extLst>
+          </p:cNvPr>
+          <p:cNvCxnSpPr>
+            <a:stCxn id="35" idx="0"/>
+            <a:endCxn id="44" idx="2"/>
+          </p:cNvCxnSpPr>
+          <p:nvPr/>
+        </p:nvCxnSpPr>
+        <p:spPr>
+          <a:xfrm rot="16200000" flipV="1">
+            <a:off x="2766348" y="1104529"/>
+            <a:ext cx="1953894" cy="2779700"/>
+          </a:xfrm>
+          <a:prstGeom prst="curvedConnector3">
+            <a:avLst>
+              <a:gd name="adj1" fmla="val 73399"/>
+            </a:avLst>
+          </a:prstGeom>
+          <a:ln>
+            <a:tailEnd type="triangle"/>
+          </a:ln>
+        </p:spPr>
+        <p:style>
+          <a:lnRef idx="1">
+            <a:schemeClr val="accent1"/>
+          </a:lnRef>
+          <a:fillRef idx="0">
+            <a:schemeClr val="accent1"/>
+          </a:fillRef>
+          <a:effectRef idx="0">
+            <a:schemeClr val="accent1"/>
+          </a:effectRef>
+          <a:fontRef idx="minor">
+            <a:schemeClr val="tx1"/>
+          </a:fontRef>
+        </p:style>
+      </p:cxnSp>
+      <p:sp>
+        <p:nvSpPr>
+          <p:cNvPr id="126" name="Rectangle 125">
+            <a:extLst>
+              <a:ext uri="{FF2B5EF4-FFF2-40B4-BE49-F238E27FC236}">
+                <a16:creationId xmlns:a16="http://schemas.microsoft.com/office/drawing/2014/main" id="{F86A6991-9E85-4544-9C96-C2C5125B7152}"/>
+              </a:ext>
+            </a:extLst>
+          </p:cNvPr>
+          <p:cNvSpPr/>
+          <p:nvPr/>
+        </p:nvSpPr>
+        <p:spPr>
+          <a:xfrm>
+            <a:off x="270588" y="501109"/>
+            <a:ext cx="5710334" cy="5927683"/>
+          </a:xfrm>
+          <a:prstGeom prst="rect">
+            <a:avLst/>
+          </a:prstGeom>
+          <a:noFill/>
+        </p:spPr>
+        <p:style>
+          <a:lnRef idx="2">
+            <a:schemeClr val="accent1">
+              <a:shade val="50000"/>
+            </a:schemeClr>
+          </a:lnRef>
+          <a:fillRef idx="1">
+            <a:schemeClr val="accent1"/>
+          </a:fillRef>
+          <a:effectRef idx="0">
+            <a:schemeClr val="accent1"/>
+          </a:effectRef>
+          <a:fontRef idx="minor">
+            <a:schemeClr val="lt1"/>
+          </a:fontRef>
+        </p:style>
+        <p:txBody>
+          <a:bodyPr rtlCol="0" anchor="ctr"/>
+          <a:lstStyle/>
+          <a:p>
+            <a:pPr algn="ctr"/>
+            <a:endParaRPr lang="fr-CA"/>
+          </a:p>
+        </p:txBody>
+      </p:sp>
+      <p:sp>
+        <p:nvSpPr>
+          <p:cNvPr id="127" name="TextBox 126">
+            <a:extLst>
+              <a:ext uri="{FF2B5EF4-FFF2-40B4-BE49-F238E27FC236}">
+                <a16:creationId xmlns:a16="http://schemas.microsoft.com/office/drawing/2014/main" id="{A47218F2-E193-4C56-B84B-B091AAEC9625}"/>
+              </a:ext>
+            </a:extLst>
+          </p:cNvPr>
+          <p:cNvSpPr txBox="1"/>
+          <p:nvPr/>
+        </p:nvSpPr>
+        <p:spPr>
+          <a:xfrm>
+            <a:off x="2865889" y="836497"/>
+            <a:ext cx="1343573" cy="369332"/>
+          </a:xfrm>
+          <a:prstGeom prst="rect">
+            <a:avLst/>
+          </a:prstGeom>
+          <a:noFill/>
+        </p:spPr>
+        <p:txBody>
+          <a:bodyPr wrap="none" rtlCol="0">
+            <a:spAutoFit/>
+          </a:bodyPr>
+          <a:lstStyle/>
+          <a:p>
+            <a:r>
+              <a:rPr lang="fr-CA" dirty="0"/>
+              <a:t>Scoreboards</a:t>
+            </a:r>
+          </a:p>
+        </p:txBody>
+      </p:sp>
+      <p:sp>
+        <p:nvSpPr>
+          <p:cNvPr id="138" name="TextBox 137">
+            <a:extLst>
+              <a:ext uri="{FF2B5EF4-FFF2-40B4-BE49-F238E27FC236}">
+                <a16:creationId xmlns:a16="http://schemas.microsoft.com/office/drawing/2014/main" id="{79F9B87A-2C2D-43BA-8A3D-63A48FBE7D79}"/>
+              </a:ext>
+            </a:extLst>
+          </p:cNvPr>
+          <p:cNvSpPr txBox="1"/>
+          <p:nvPr/>
+        </p:nvSpPr>
+        <p:spPr>
+          <a:xfrm>
+            <a:off x="4706826" y="4246936"/>
+            <a:ext cx="895502" cy="369332"/>
+          </a:xfrm>
+          <a:prstGeom prst="rect">
+            <a:avLst/>
+          </a:prstGeom>
+          <a:noFill/>
+        </p:spPr>
+        <p:txBody>
+          <a:bodyPr wrap="none" rtlCol="0">
+            <a:spAutoFit/>
+          </a:bodyPr>
+          <a:lstStyle/>
+          <a:p>
+            <a:r>
+              <a:rPr lang="fr-CA" dirty="0"/>
+              <a:t>owlcms</a:t>
+            </a:r>
+          </a:p>
+        </p:txBody>
+      </p:sp>
+      <p:pic>
+        <p:nvPicPr>
+          <p:cNvPr id="154" name="Graphic 153" descr="Laptop">
+            <a:extLst>
+              <a:ext uri="{FF2B5EF4-FFF2-40B4-BE49-F238E27FC236}">
+                <a16:creationId xmlns:a16="http://schemas.microsoft.com/office/drawing/2014/main" id="{1FE590CF-F62A-4093-AFAD-AB65C76745CC}"/>
+              </a:ext>
+            </a:extLst>
+          </p:cNvPr>
+          <p:cNvPicPr>
+            <a:picLocks noChangeAspect="1"/>
+          </p:cNvPicPr>
+          <p:nvPr/>
+        </p:nvPicPr>
+        <p:blipFill>
+          <a:blip r:embed="rId6">
+            <a:extLst>
+              <a:ext uri="{28A0092B-C50C-407E-A947-70E740481C1C}">
+                <a14:useLocalDpi xmlns:a14="http://schemas.microsoft.com/office/drawing/2010/main" val="0"/>
+              </a:ext>
+              <a:ext uri="{96DAC541-7B7A-43D3-8B79-37D633B846F1}">
+                <asvg:svgBlip xmlns:asvg="http://schemas.microsoft.com/office/drawing/2016/SVG/main" r:embed="rId7"/>
+              </a:ext>
+            </a:extLst>
+          </a:blip>
+          <a:stretch>
+            <a:fillRect/>
+          </a:stretch>
+        </p:blipFill>
+        <p:spPr>
+          <a:xfrm>
+            <a:off x="1262975" y="5061201"/>
+            <a:ext cx="914400" cy="914400"/>
+          </a:xfrm>
+          <a:prstGeom prst="rect">
+            <a:avLst/>
+          </a:prstGeom>
+        </p:spPr>
+      </p:pic>
+      <p:cxnSp>
+        <p:nvCxnSpPr>
+          <p:cNvPr id="155" name="Connector: Curved 154">
+            <a:extLst>
+              <a:ext uri="{FF2B5EF4-FFF2-40B4-BE49-F238E27FC236}">
+                <a16:creationId xmlns:a16="http://schemas.microsoft.com/office/drawing/2014/main" id="{7A05CA49-62A3-4359-B5D3-C07959EC419C}"/>
+              </a:ext>
+            </a:extLst>
+          </p:cNvPr>
+          <p:cNvCxnSpPr>
+            <a:cxnSpLocks/>
+            <a:stCxn id="154" idx="3"/>
+          </p:cNvCxnSpPr>
+          <p:nvPr/>
+        </p:nvCxnSpPr>
+        <p:spPr>
+          <a:xfrm flipV="1">
+            <a:off x="2177375" y="4616268"/>
+            <a:ext cx="2977202" cy="902133"/>
+          </a:xfrm>
+          <a:prstGeom prst="curvedConnector2">
+            <a:avLst/>
+          </a:prstGeom>
+          <a:ln>
+            <a:headEnd type="triangle"/>
+            <a:tailEnd type="triangle"/>
+          </a:ln>
+        </p:spPr>
+        <p:style>
+          <a:lnRef idx="1">
+            <a:schemeClr val="accent1"/>
+          </a:lnRef>
+          <a:fillRef idx="0">
+            <a:schemeClr val="accent1"/>
+          </a:fillRef>
+          <a:effectRef idx="0">
+            <a:schemeClr val="accent1"/>
+          </a:effectRef>
+          <a:fontRef idx="minor">
+            <a:schemeClr val="tx1"/>
+          </a:fontRef>
+        </p:style>
+      </p:cxnSp>
+      <p:sp>
+        <p:nvSpPr>
+          <p:cNvPr id="156" name="TextBox 155">
+            <a:extLst>
+              <a:ext uri="{FF2B5EF4-FFF2-40B4-BE49-F238E27FC236}">
+                <a16:creationId xmlns:a16="http://schemas.microsoft.com/office/drawing/2014/main" id="{90927868-087C-4D8A-B1BF-9AB6ABBB1128}"/>
+              </a:ext>
+            </a:extLst>
+          </p:cNvPr>
+          <p:cNvSpPr txBox="1"/>
+          <p:nvPr/>
+        </p:nvSpPr>
+        <p:spPr>
+          <a:xfrm>
+            <a:off x="1257349" y="5790935"/>
+            <a:ext cx="996619" cy="369332"/>
+          </a:xfrm>
+          <a:prstGeom prst="rect">
+            <a:avLst/>
+          </a:prstGeom>
+          <a:noFill/>
+        </p:spPr>
+        <p:txBody>
+          <a:bodyPr wrap="none" rtlCol="0">
+            <a:spAutoFit/>
+          </a:bodyPr>
+          <a:lstStyle/>
+          <a:p>
+            <a:r>
+              <a:rPr lang="fr-CA" dirty="0"/>
+              <a:t>Marshall</a:t>
+            </a:r>
+          </a:p>
+        </p:txBody>
+      </p:sp>
+      <p:sp>
+        <p:nvSpPr>
+          <p:cNvPr id="157" name="TextBox 156">
+            <a:extLst>
+              <a:ext uri="{FF2B5EF4-FFF2-40B4-BE49-F238E27FC236}">
+                <a16:creationId xmlns:a16="http://schemas.microsoft.com/office/drawing/2014/main" id="{328DAE8A-90B8-4485-89BD-50A942871BEA}"/>
+              </a:ext>
+            </a:extLst>
+          </p:cNvPr>
+          <p:cNvSpPr txBox="1"/>
+          <p:nvPr/>
+        </p:nvSpPr>
+        <p:spPr>
+          <a:xfrm>
+            <a:off x="3160061" y="5997408"/>
+            <a:ext cx="1220206" cy="369332"/>
+          </a:xfrm>
+          <a:prstGeom prst="rect">
+            <a:avLst/>
+          </a:prstGeom>
+          <a:noFill/>
+        </p:spPr>
+        <p:txBody>
+          <a:bodyPr wrap="none" rtlCol="0">
+            <a:spAutoFit/>
+          </a:bodyPr>
+          <a:lstStyle/>
+          <a:p>
+            <a:r>
+              <a:rPr lang="fr-CA" dirty="0" err="1"/>
+              <a:t>Announcer</a:t>
+            </a:r>
+            <a:endParaRPr lang="fr-CA" dirty="0"/>
+          </a:p>
+        </p:txBody>
+      </p:sp>
+      <p:pic>
+        <p:nvPicPr>
+          <p:cNvPr id="158" name="Graphic 157" descr="Laptop">
+            <a:extLst>
+              <a:ext uri="{FF2B5EF4-FFF2-40B4-BE49-F238E27FC236}">
+                <a16:creationId xmlns:a16="http://schemas.microsoft.com/office/drawing/2014/main" id="{2D7F9F30-85CD-4DD8-9573-B16DB4E0AE1B}"/>
+              </a:ext>
+            </a:extLst>
+          </p:cNvPr>
+          <p:cNvPicPr>
+            <a:picLocks noChangeAspect="1"/>
+          </p:cNvPicPr>
+          <p:nvPr/>
+        </p:nvPicPr>
+        <p:blipFill>
+          <a:blip r:embed="rId6">
+            <a:extLst>
+              <a:ext uri="{28A0092B-C50C-407E-A947-70E740481C1C}">
+                <a14:useLocalDpi xmlns:a14="http://schemas.microsoft.com/office/drawing/2010/main" val="0"/>
+              </a:ext>
+              <a:ext uri="{96DAC541-7B7A-43D3-8B79-37D633B846F1}">
+                <asvg:svgBlip xmlns:asvg="http://schemas.microsoft.com/office/drawing/2016/SVG/main" r:embed="rId7"/>
+              </a:ext>
+            </a:extLst>
+          </a:blip>
+          <a:stretch>
+            <a:fillRect/>
+          </a:stretch>
+        </p:blipFill>
+        <p:spPr>
+          <a:xfrm>
+            <a:off x="3286094" y="5343835"/>
+            <a:ext cx="914400" cy="914400"/>
+          </a:xfrm>
+          <a:prstGeom prst="rect">
+            <a:avLst/>
+          </a:prstGeom>
+        </p:spPr>
+      </p:pic>
+      <p:cxnSp>
+        <p:nvCxnSpPr>
+          <p:cNvPr id="159" name="Connector: Curved 158">
+            <a:extLst>
+              <a:ext uri="{FF2B5EF4-FFF2-40B4-BE49-F238E27FC236}">
+                <a16:creationId xmlns:a16="http://schemas.microsoft.com/office/drawing/2014/main" id="{B18880F1-F4B2-41E9-A430-E4A62708BD6E}"/>
+              </a:ext>
+            </a:extLst>
+          </p:cNvPr>
+          <p:cNvCxnSpPr>
+            <a:stCxn id="158" idx="3"/>
+          </p:cNvCxnSpPr>
+          <p:nvPr/>
+        </p:nvCxnSpPr>
+        <p:spPr>
+          <a:xfrm flipV="1">
+            <a:off x="4200494" y="4616268"/>
+            <a:ext cx="954083" cy="1184767"/>
+          </a:xfrm>
+          <a:prstGeom prst="curvedConnector2">
+            <a:avLst/>
+          </a:prstGeom>
+          <a:ln>
+            <a:headEnd type="triangle"/>
+            <a:tailEnd type="triangle"/>
+          </a:ln>
+        </p:spPr>
+        <p:style>
+          <a:lnRef idx="1">
+            <a:schemeClr val="accent1"/>
+          </a:lnRef>
+          <a:fillRef idx="0">
+            <a:schemeClr val="accent1"/>
+          </a:fillRef>
+          <a:effectRef idx="0">
+            <a:schemeClr val="accent1"/>
+          </a:effectRef>
+          <a:fontRef idx="minor">
+            <a:schemeClr val="tx1"/>
+          </a:fontRef>
+        </p:style>
+      </p:cxnSp>
+      <p:sp>
+        <p:nvSpPr>
+          <p:cNvPr id="161" name="TextBox 160">
+            <a:extLst>
+              <a:ext uri="{FF2B5EF4-FFF2-40B4-BE49-F238E27FC236}">
+                <a16:creationId xmlns:a16="http://schemas.microsoft.com/office/drawing/2014/main" id="{753F4CA7-1D24-4779-80FB-FEBE1B16FFEB}"/>
+              </a:ext>
+            </a:extLst>
+          </p:cNvPr>
+          <p:cNvSpPr txBox="1"/>
+          <p:nvPr/>
+        </p:nvSpPr>
+        <p:spPr>
+          <a:xfrm>
+            <a:off x="223805" y="438538"/>
+            <a:ext cx="1387239" cy="307777"/>
+          </a:xfrm>
+          <a:prstGeom prst="rect">
+            <a:avLst/>
+          </a:prstGeom>
+          <a:noFill/>
+        </p:spPr>
+        <p:txBody>
+          <a:bodyPr wrap="none" rtlCol="0">
+            <a:spAutoFit/>
+          </a:bodyPr>
+          <a:lstStyle/>
+          <a:p>
+            <a:r>
+              <a:rPr lang="fr-CA" sz="1400" i="1" dirty="0" err="1"/>
+              <a:t>Competition</a:t>
+            </a:r>
+            <a:r>
+              <a:rPr lang="fr-CA" sz="1400" i="1" dirty="0"/>
+              <a:t> Site</a:t>
+            </a:r>
+          </a:p>
+        </p:txBody>
+      </p:sp>
+      <p:pic>
+        <p:nvPicPr>
+          <p:cNvPr id="37" name="Graphic 25" descr="Laptop">
+            <a:extLst>
+              <a:ext uri="{FF2B5EF4-FFF2-40B4-BE49-F238E27FC236}">
+                <a16:creationId xmlns:a16="http://schemas.microsoft.com/office/drawing/2014/main" id="{661D759D-35E1-4C10-89F3-01FA11192350}"/>
+              </a:ext>
+            </a:extLst>
+          </p:cNvPr>
+          <p:cNvPicPr>
+            <a:picLocks noChangeAspect="1" noChangeArrowheads="1"/>
+          </p:cNvPicPr>
+          <p:nvPr/>
+        </p:nvPicPr>
+        <p:blipFill>
+          <a:blip r:embed="rId8">
+            <a:extLst>
+              <a:ext uri="{28A0092B-C50C-407E-A947-70E740481C1C}">
+                <a14:useLocalDpi xmlns:a14="http://schemas.microsoft.com/office/drawing/2010/main" val="0"/>
+              </a:ext>
+            </a:extLst>
+          </a:blip>
+          <a:srcRect/>
+          <a:stretch>
+            <a:fillRect/>
+          </a:stretch>
+        </p:blipFill>
+        <p:spPr bwMode="auto">
+          <a:xfrm>
+            <a:off x="2254250" y="3560763"/>
+            <a:ext cx="914400" cy="914400"/>
+          </a:xfrm>
+          <a:prstGeom prst="rect">
+            <a:avLst/>
+          </a:prstGeom>
+          <a:noFill/>
+          <a:ln>
+            <a:noFill/>
+          </a:ln>
+          <a:extLst>
+            <a:ext uri="{909E8E84-426E-40DD-AFC4-6F175D3DCCD1}">
+              <a14:hiddenFill xmlns:a14="http://schemas.microsoft.com/office/drawing/2010/main">
+                <a:solidFill>
+                  <a:srgbClr val="FFFFFF"/>
+                </a:solidFill>
+              </a14:hiddenFill>
+            </a:ext>
+            <a:ext uri="{91240B29-F687-4F45-9708-019B960494DF}">
+              <a14:hiddenLine xmlns:a14="http://schemas.microsoft.com/office/drawing/2010/main" w="9525">
+                <a:solidFill>
+                  <a:srgbClr val="000000"/>
+                </a:solidFill>
+                <a:miter lim="800000"/>
+                <a:headEnd/>
+                <a:tailEnd/>
+              </a14:hiddenLine>
+            </a:ext>
+          </a:extLst>
+        </p:spPr>
+      </p:pic>
+      <p:cxnSp>
+        <p:nvCxnSpPr>
+          <p:cNvPr id="40" name="Connector: Curved 39">
+            <a:extLst>
+              <a:ext uri="{FF2B5EF4-FFF2-40B4-BE49-F238E27FC236}">
+                <a16:creationId xmlns:a16="http://schemas.microsoft.com/office/drawing/2014/main" id="{01D46336-9B41-4409-809B-3CF1A2027EE3}"/>
+              </a:ext>
+            </a:extLst>
+          </p:cNvPr>
+          <p:cNvCxnSpPr>
+            <a:cxnSpLocks/>
+            <a:stCxn id="37" idx="3"/>
+            <a:endCxn id="13" idx="1"/>
+          </p:cNvCxnSpPr>
+          <p:nvPr/>
+        </p:nvCxnSpPr>
+        <p:spPr>
+          <a:xfrm>
+            <a:off x="3168650" y="4017963"/>
+            <a:ext cx="1507294" cy="71"/>
+          </a:xfrm>
+          <a:prstGeom prst="curvedConnector3">
+            <a:avLst>
+              <a:gd name="adj1" fmla="val 50000"/>
+            </a:avLst>
+          </a:prstGeom>
+          <a:ln>
+            <a:tailEnd type="triangle"/>
+          </a:ln>
+        </p:spPr>
+        <p:style>
+          <a:lnRef idx="1">
+            <a:schemeClr val="accent1"/>
+          </a:lnRef>
+          <a:fillRef idx="0">
+            <a:schemeClr val="accent1"/>
+          </a:fillRef>
+          <a:effectRef idx="0">
+            <a:schemeClr val="accent1"/>
+          </a:effectRef>
+          <a:fontRef idx="minor">
+            <a:schemeClr val="tx1"/>
+          </a:fontRef>
+        </p:style>
+      </p:cxnSp>
+      <p:sp>
+        <p:nvSpPr>
+          <p:cNvPr id="41" name="TextBox 19">
+            <a:extLst>
+              <a:ext uri="{FF2B5EF4-FFF2-40B4-BE49-F238E27FC236}">
+                <a16:creationId xmlns:a16="http://schemas.microsoft.com/office/drawing/2014/main" id="{29CFA0AF-355D-46F9-9B1A-5F925BC7EBE8}"/>
+              </a:ext>
+            </a:extLst>
+          </p:cNvPr>
+          <p:cNvSpPr txBox="1">
+            <a:spLocks noChangeArrowheads="1"/>
+          </p:cNvSpPr>
+          <p:nvPr/>
+        </p:nvSpPr>
+        <p:spPr bwMode="auto">
+          <a:xfrm>
+            <a:off x="1984375" y="4232275"/>
+            <a:ext cx="1495425" cy="646113"/>
+          </a:xfrm>
+          <a:prstGeom prst="rect">
+            <a:avLst/>
+          </a:prstGeom>
+          <a:noFill/>
+          <a:ln>
+            <a:noFill/>
+          </a:ln>
+          <a:extLst>
+            <a:ext uri="{909E8E84-426E-40DD-AFC4-6F175D3DCCD1}">
+              <a14:hiddenFill xmlns:a14="http://schemas.microsoft.com/office/drawing/2010/main">
+                <a:solidFill>
+                  <a:srgbClr val="FFFFFF"/>
+                </a:solidFill>
+              </a14:hiddenFill>
+            </a:ext>
+            <a:ext uri="{91240B29-F687-4F45-9708-019B960494DF}">
+              <a14:hiddenLine xmlns:a14="http://schemas.microsoft.com/office/drawing/2010/main" w="9525">
+                <a:solidFill>
+                  <a:srgbClr val="000000"/>
+                </a:solidFill>
+                <a:miter lim="800000"/>
+                <a:headEnd/>
+                <a:tailEnd/>
+              </a14:hiddenLine>
+            </a:ext>
+          </a:extLst>
+        </p:spPr>
+        <p:txBody>
+          <a:bodyPr wrap="none">
+            <a:spAutoFit/>
+          </a:bodyPr>
+          <a:lstStyle>
+            <a:lvl1pPr>
+              <a:lnSpc>
+                <a:spcPct val="90000"/>
+              </a:lnSpc>
+              <a:spcBef>
+                <a:spcPts val="1000"/>
+              </a:spcBef>
+              <a:buFont typeface="Arial" panose="020B0604020202020204" pitchFamily="34" charset="0"/>
+              <a:buChar char="•"/>
+              <a:defRPr sz="2800">
+                <a:solidFill>
+                  <a:schemeClr val="tx1"/>
+                </a:solidFill>
+                <a:latin typeface="Calibri" panose="020F0502020204030204" pitchFamily="34" charset="0"/>
+              </a:defRPr>
+            </a:lvl1pPr>
+            <a:lvl2pPr marL="742950" indent="-285750">
+              <a:lnSpc>
+                <a:spcPct val="90000"/>
+              </a:lnSpc>
+              <a:spcBef>
+                <a:spcPts val="500"/>
+              </a:spcBef>
+              <a:buFont typeface="Arial" panose="020B0604020202020204" pitchFamily="34" charset="0"/>
+              <a:buChar char="•"/>
+              <a:defRPr sz="2400">
+                <a:solidFill>
+                  <a:schemeClr val="tx1"/>
+                </a:solidFill>
+                <a:latin typeface="Calibri" panose="020F0502020204030204" pitchFamily="34" charset="0"/>
+              </a:defRPr>
+            </a:lvl2pPr>
+            <a:lvl3pPr marL="1143000" indent="-228600">
+              <a:lnSpc>
+                <a:spcPct val="90000"/>
+              </a:lnSpc>
+              <a:spcBef>
+                <a:spcPts val="500"/>
+              </a:spcBef>
+              <a:buFont typeface="Arial" panose="020B0604020202020204" pitchFamily="34" charset="0"/>
+              <a:buChar char="•"/>
+              <a:defRPr sz="2000">
+                <a:solidFill>
+                  <a:schemeClr val="tx1"/>
+                </a:solidFill>
+                <a:latin typeface="Calibri" panose="020F0502020204030204" pitchFamily="34" charset="0"/>
+              </a:defRPr>
+            </a:lvl3pPr>
+            <a:lvl4pPr marL="1600200" indent="-228600">
+              <a:lnSpc>
+                <a:spcPct val="90000"/>
+              </a:lnSpc>
+              <a:spcBef>
+                <a:spcPts val="500"/>
+              </a:spcBef>
+              <a:buFont typeface="Arial" panose="020B0604020202020204" pitchFamily="34" charset="0"/>
+              <a:buChar char="•"/>
+              <a:defRPr>
+                <a:solidFill>
+                  <a:schemeClr val="tx1"/>
+                </a:solidFill>
+                <a:latin typeface="Calibri" panose="020F0502020204030204" pitchFamily="34" charset="0"/>
+              </a:defRPr>
+            </a:lvl4pPr>
+            <a:lvl5pPr marL="2057400" indent="-228600">
+              <a:lnSpc>
+                <a:spcPct val="90000"/>
+              </a:lnSpc>
+              <a:spcBef>
+                <a:spcPts val="500"/>
+              </a:spcBef>
+              <a:buFont typeface="Arial" panose="020B0604020202020204" pitchFamily="34" charset="0"/>
+              <a:buChar char="•"/>
+              <a:defRPr>
+                <a:solidFill>
+                  <a:schemeClr val="tx1"/>
+                </a:solidFill>
+                <a:latin typeface="Calibri" panose="020F0502020204030204" pitchFamily="34" charset="0"/>
+              </a:defRPr>
+            </a:lvl5pPr>
+            <a:lvl6pPr marL="2514600" indent="-228600" eaLnBrk="0" fontAlgn="base" hangingPunct="0">
+              <a:lnSpc>
+                <a:spcPct val="90000"/>
+              </a:lnSpc>
+              <a:spcBef>
+                <a:spcPts val="500"/>
+              </a:spcBef>
+              <a:spcAft>
+                <a:spcPct val="0"/>
+              </a:spcAft>
+              <a:buFont typeface="Arial" panose="020B0604020202020204" pitchFamily="34" charset="0"/>
+              <a:buChar char="•"/>
+              <a:defRPr>
+                <a:solidFill>
+                  <a:schemeClr val="tx1"/>
+                </a:solidFill>
+                <a:latin typeface="Calibri" panose="020F0502020204030204" pitchFamily="34" charset="0"/>
+              </a:defRPr>
+            </a:lvl6pPr>
+            <a:lvl7pPr marL="2971800" indent="-228600" eaLnBrk="0" fontAlgn="base" hangingPunct="0">
+              <a:lnSpc>
+                <a:spcPct val="90000"/>
+              </a:lnSpc>
+              <a:spcBef>
+                <a:spcPts val="500"/>
+              </a:spcBef>
+              <a:spcAft>
+                <a:spcPct val="0"/>
+              </a:spcAft>
+              <a:buFont typeface="Arial" panose="020B0604020202020204" pitchFamily="34" charset="0"/>
+              <a:buChar char="•"/>
+              <a:defRPr>
+                <a:solidFill>
+                  <a:schemeClr val="tx1"/>
+                </a:solidFill>
+                <a:latin typeface="Calibri" panose="020F0502020204030204" pitchFamily="34" charset="0"/>
+              </a:defRPr>
+            </a:lvl7pPr>
+            <a:lvl8pPr marL="3429000" indent="-228600" eaLnBrk="0" fontAlgn="base" hangingPunct="0">
+              <a:lnSpc>
+                <a:spcPct val="90000"/>
+              </a:lnSpc>
+              <a:spcBef>
+                <a:spcPts val="500"/>
+              </a:spcBef>
+              <a:spcAft>
+                <a:spcPct val="0"/>
+              </a:spcAft>
+              <a:buFont typeface="Arial" panose="020B0604020202020204" pitchFamily="34" charset="0"/>
+              <a:buChar char="•"/>
+              <a:defRPr>
+                <a:solidFill>
+                  <a:schemeClr val="tx1"/>
+                </a:solidFill>
+                <a:latin typeface="Calibri" panose="020F0502020204030204" pitchFamily="34" charset="0"/>
+              </a:defRPr>
+            </a:lvl8pPr>
+            <a:lvl9pPr marL="3886200" indent="-228600" eaLnBrk="0" fontAlgn="base" hangingPunct="0">
+              <a:lnSpc>
+                <a:spcPct val="90000"/>
+              </a:lnSpc>
+              <a:spcBef>
+                <a:spcPts val="500"/>
+              </a:spcBef>
+              <a:spcAft>
+                <a:spcPct val="0"/>
+              </a:spcAft>
+              <a:buFont typeface="Arial" panose="020B0604020202020204" pitchFamily="34" charset="0"/>
+              <a:buChar char="•"/>
+              <a:defRPr>
+                <a:solidFill>
+                  <a:schemeClr val="tx1"/>
+                </a:solidFill>
+                <a:latin typeface="Calibri" panose="020F0502020204030204" pitchFamily="34" charset="0"/>
+              </a:defRPr>
+            </a:lvl9pPr>
+          </a:lstStyle>
+          <a:p>
+            <a:pPr algn="ctr" eaLnBrk="1" hangingPunct="1">
+              <a:lnSpc>
+                <a:spcPct val="100000"/>
+              </a:lnSpc>
+              <a:spcBef>
+                <a:spcPct val="0"/>
+              </a:spcBef>
+              <a:buFontTx/>
+              <a:buNone/>
+            </a:pPr>
+            <a:r>
+              <a:rPr lang="fr-CA" altLang="fr-FR" sz="1800"/>
+              <a:t>Athlete-facing</a:t>
+            </a:r>
+            <a:br>
+              <a:rPr lang="fr-CA" altLang="fr-FR" sz="1800"/>
+            </a:br>
+            <a:r>
+              <a:rPr lang="fr-CA" altLang="fr-FR" sz="1800"/>
+              <a:t>display</a:t>
+            </a:r>
+          </a:p>
+        </p:txBody>
+      </p:sp>
+      <p:pic>
+        <p:nvPicPr>
+          <p:cNvPr id="2" name="Graphic 1" descr="Smart Phone">
+            <a:extLst>
+              <a:ext uri="{FF2B5EF4-FFF2-40B4-BE49-F238E27FC236}">
+                <a16:creationId xmlns:a16="http://schemas.microsoft.com/office/drawing/2014/main" id="{84B78DC9-1FEE-4CBE-95A7-0B0FD6227FD3}"/>
+              </a:ext>
+            </a:extLst>
+          </p:cNvPr>
+          <p:cNvPicPr>
+            <a:picLocks noChangeAspect="1"/>
+          </p:cNvPicPr>
+          <p:nvPr/>
+        </p:nvPicPr>
+        <p:blipFill>
+          <a:blip r:embed="rId9">
+            <a:extLst>
+              <a:ext uri="{28A0092B-C50C-407E-A947-70E740481C1C}">
+                <a14:useLocalDpi xmlns:a14="http://schemas.microsoft.com/office/drawing/2010/main" val="0"/>
+              </a:ext>
+              <a:ext uri="{96DAC541-7B7A-43D3-8B79-37D633B846F1}">
+                <asvg:svgBlip xmlns:asvg="http://schemas.microsoft.com/office/drawing/2016/SVG/main" r:embed="rId10"/>
+              </a:ext>
+            </a:extLst>
+          </a:blip>
+          <a:stretch>
+            <a:fillRect/>
+          </a:stretch>
+        </p:blipFill>
+        <p:spPr>
+          <a:xfrm>
+            <a:off x="651819" y="2497283"/>
+            <a:ext cx="457200" cy="457200"/>
+          </a:xfrm>
+          <a:prstGeom prst="rect">
+            <a:avLst/>
+          </a:prstGeom>
+        </p:spPr>
+      </p:pic>
+      <p:pic>
+        <p:nvPicPr>
+          <p:cNvPr id="3" name="Graphic 2" descr="Smart Phone">
+            <a:extLst>
+              <a:ext uri="{FF2B5EF4-FFF2-40B4-BE49-F238E27FC236}">
+                <a16:creationId xmlns:a16="http://schemas.microsoft.com/office/drawing/2014/main" id="{9D5B16F0-DE48-49D6-8A11-AB428489C250}"/>
+              </a:ext>
+            </a:extLst>
+          </p:cNvPr>
+          <p:cNvPicPr>
+            <a:picLocks noChangeAspect="1"/>
+          </p:cNvPicPr>
+          <p:nvPr/>
+        </p:nvPicPr>
+        <p:blipFill>
+          <a:blip r:embed="rId9">
+            <a:extLst>
+              <a:ext uri="{28A0092B-C50C-407E-A947-70E740481C1C}">
+                <a14:useLocalDpi xmlns:a14="http://schemas.microsoft.com/office/drawing/2010/main" val="0"/>
+              </a:ext>
+              <a:ext uri="{96DAC541-7B7A-43D3-8B79-37D633B846F1}">
+                <asvg:svgBlip xmlns:asvg="http://schemas.microsoft.com/office/drawing/2016/SVG/main" r:embed="rId10"/>
+              </a:ext>
+            </a:extLst>
+          </a:blip>
+          <a:stretch>
+            <a:fillRect/>
+          </a:stretch>
+        </p:blipFill>
+        <p:spPr>
+          <a:xfrm>
+            <a:off x="1502632" y="2497283"/>
+            <a:ext cx="457200" cy="457200"/>
+          </a:xfrm>
+          <a:prstGeom prst="rect">
+            <a:avLst/>
+          </a:prstGeom>
+        </p:spPr>
+      </p:pic>
+      <p:pic>
+        <p:nvPicPr>
+          <p:cNvPr id="4" name="Graphic 3" descr="Smart Phone">
+            <a:extLst>
+              <a:ext uri="{FF2B5EF4-FFF2-40B4-BE49-F238E27FC236}">
+                <a16:creationId xmlns:a16="http://schemas.microsoft.com/office/drawing/2014/main" id="{2DD8C1AC-51FE-453E-9022-5399ABB8E2ED}"/>
+              </a:ext>
+            </a:extLst>
+          </p:cNvPr>
+          <p:cNvPicPr>
+            <a:picLocks noChangeAspect="1"/>
+          </p:cNvPicPr>
+          <p:nvPr/>
+        </p:nvPicPr>
+        <p:blipFill>
+          <a:blip r:embed="rId9">
+            <a:extLst>
+              <a:ext uri="{28A0092B-C50C-407E-A947-70E740481C1C}">
+                <a14:useLocalDpi xmlns:a14="http://schemas.microsoft.com/office/drawing/2010/main" val="0"/>
+              </a:ext>
+              <a:ext uri="{96DAC541-7B7A-43D3-8B79-37D633B846F1}">
+                <asvg:svgBlip xmlns:asvg="http://schemas.microsoft.com/office/drawing/2016/SVG/main" r:embed="rId10"/>
+              </a:ext>
+            </a:extLst>
+          </a:blip>
+          <a:stretch>
+            <a:fillRect/>
+          </a:stretch>
+        </p:blipFill>
+        <p:spPr>
+          <a:xfrm>
+            <a:off x="2353445" y="2497283"/>
+            <a:ext cx="457200" cy="457200"/>
+          </a:xfrm>
+          <a:prstGeom prst="rect">
+            <a:avLst/>
+          </a:prstGeom>
+        </p:spPr>
+      </p:pic>
+      <p:sp>
+        <p:nvSpPr>
+          <p:cNvPr id="6" name="TextBox 5">
+            <a:extLst>
+              <a:ext uri="{FF2B5EF4-FFF2-40B4-BE49-F238E27FC236}">
+                <a16:creationId xmlns:a16="http://schemas.microsoft.com/office/drawing/2014/main" id="{7C1F3BCE-34DE-4B8D-994B-1A07774E2DAB}"/>
+              </a:ext>
+            </a:extLst>
+          </p:cNvPr>
+          <p:cNvSpPr txBox="1"/>
+          <p:nvPr/>
+        </p:nvSpPr>
+        <p:spPr>
+          <a:xfrm>
+            <a:off x="2865889" y="2402717"/>
+            <a:ext cx="1444626" cy="646331"/>
+          </a:xfrm>
+          <a:prstGeom prst="rect">
+            <a:avLst/>
+          </a:prstGeom>
+          <a:noFill/>
+        </p:spPr>
+        <p:txBody>
+          <a:bodyPr wrap="none" rtlCol="0">
+            <a:spAutoFit/>
+          </a:bodyPr>
+          <a:lstStyle/>
+          <a:p>
+            <a:r>
+              <a:rPr lang="fr-CA" dirty="0"/>
+              <a:t>Referee</a:t>
+            </a:r>
+            <a:br>
+              <a:rPr lang="fr-CA" dirty="0"/>
+            </a:br>
+            <a:r>
+              <a:rPr lang="fr-CA" dirty="0"/>
+              <a:t>Phone/Tablet</a:t>
+            </a:r>
+          </a:p>
+        </p:txBody>
+      </p:sp>
+      <p:cxnSp>
+        <p:nvCxnSpPr>
+          <p:cNvPr id="46" name="Connector: Curved 45">
+            <a:extLst>
+              <a:ext uri="{FF2B5EF4-FFF2-40B4-BE49-F238E27FC236}">
+                <a16:creationId xmlns:a16="http://schemas.microsoft.com/office/drawing/2014/main" id="{624AB08B-FFF3-4214-BBAF-09429587E8F0}"/>
+              </a:ext>
+            </a:extLst>
+          </p:cNvPr>
+          <p:cNvCxnSpPr>
+            <a:cxnSpLocks/>
+            <a:stCxn id="2" idx="2"/>
+            <a:endCxn id="13" idx="0"/>
+          </p:cNvCxnSpPr>
+          <p:nvPr/>
+        </p:nvCxnSpPr>
+        <p:spPr>
+          <a:xfrm rot="16200000" flipH="1">
+            <a:off x="2703606" y="1131295"/>
+            <a:ext cx="606351" cy="4252725"/>
+          </a:xfrm>
+          <a:prstGeom prst="curvedConnector3">
+            <a:avLst>
+              <a:gd name="adj1" fmla="val 50000"/>
+            </a:avLst>
+          </a:prstGeom>
+          <a:ln>
+            <a:headEnd type="triangle"/>
+            <a:tailEnd type="triangle"/>
+          </a:ln>
+        </p:spPr>
+        <p:style>
+          <a:lnRef idx="1">
+            <a:schemeClr val="accent1"/>
+          </a:lnRef>
+          <a:fillRef idx="0">
+            <a:schemeClr val="accent1"/>
+          </a:fillRef>
+          <a:effectRef idx="0">
+            <a:schemeClr val="accent1"/>
+          </a:effectRef>
+          <a:fontRef idx="minor">
+            <a:schemeClr val="tx1"/>
+          </a:fontRef>
+        </p:style>
+      </p:cxnSp>
+      <p:cxnSp>
+        <p:nvCxnSpPr>
+          <p:cNvPr id="47" name="Connector: Curved 46">
+            <a:extLst>
+              <a:ext uri="{FF2B5EF4-FFF2-40B4-BE49-F238E27FC236}">
+                <a16:creationId xmlns:a16="http://schemas.microsoft.com/office/drawing/2014/main" id="{4860FD3A-393B-460F-B670-5FF387B769CE}"/>
+              </a:ext>
+            </a:extLst>
+          </p:cNvPr>
+          <p:cNvCxnSpPr>
+            <a:cxnSpLocks/>
+            <a:stCxn id="3" idx="2"/>
+            <a:endCxn id="13" idx="0"/>
+          </p:cNvCxnSpPr>
+          <p:nvPr/>
+        </p:nvCxnSpPr>
+        <p:spPr>
+          <a:xfrm rot="16200000" flipH="1">
+            <a:off x="3129013" y="1556702"/>
+            <a:ext cx="606351" cy="3401912"/>
+          </a:xfrm>
+          <a:prstGeom prst="curvedConnector3">
+            <a:avLst>
+              <a:gd name="adj1" fmla="val 50000"/>
+            </a:avLst>
+          </a:prstGeom>
+          <a:ln>
+            <a:headEnd type="triangle"/>
+            <a:tailEnd type="triangle"/>
+          </a:ln>
+        </p:spPr>
+        <p:style>
+          <a:lnRef idx="1">
+            <a:schemeClr val="accent1"/>
+          </a:lnRef>
+          <a:fillRef idx="0">
+            <a:schemeClr val="accent1"/>
+          </a:fillRef>
+          <a:effectRef idx="0">
+            <a:schemeClr val="accent1"/>
+          </a:effectRef>
+          <a:fontRef idx="minor">
+            <a:schemeClr val="tx1"/>
+          </a:fontRef>
+        </p:style>
+      </p:cxnSp>
+      <p:cxnSp>
+        <p:nvCxnSpPr>
+          <p:cNvPr id="48" name="Connector: Curved 47">
+            <a:extLst>
+              <a:ext uri="{FF2B5EF4-FFF2-40B4-BE49-F238E27FC236}">
+                <a16:creationId xmlns:a16="http://schemas.microsoft.com/office/drawing/2014/main" id="{A136972F-CB3A-404E-9216-82B211201753}"/>
+              </a:ext>
+            </a:extLst>
+          </p:cNvPr>
+          <p:cNvCxnSpPr>
+            <a:cxnSpLocks/>
+            <a:stCxn id="4" idx="2"/>
+            <a:endCxn id="13" idx="0"/>
+          </p:cNvCxnSpPr>
+          <p:nvPr/>
+        </p:nvCxnSpPr>
+        <p:spPr>
+          <a:xfrm rot="16200000" flipH="1">
+            <a:off x="3554419" y="1982108"/>
+            <a:ext cx="606351" cy="2551099"/>
+          </a:xfrm>
+          <a:prstGeom prst="curvedConnector3">
+            <a:avLst>
+              <a:gd name="adj1" fmla="val 50000"/>
+            </a:avLst>
+          </a:prstGeom>
+          <a:ln>
+            <a:headEnd type="triangle"/>
+            <a:tailEnd type="triangle"/>
+          </a:ln>
+        </p:spPr>
+        <p:style>
+          <a:lnRef idx="1">
+            <a:schemeClr val="accent1"/>
+          </a:lnRef>
+          <a:fillRef idx="0">
+            <a:schemeClr val="accent1"/>
+          </a:fillRef>
+          <a:effectRef idx="0">
+            <a:schemeClr val="accent1"/>
+          </a:effectRef>
+          <a:fontRef idx="minor">
+            <a:schemeClr val="tx1"/>
+          </a:fontRef>
+        </p:style>
+      </p:cxnSp>
+    </p:spTree>
+    <p:extLst>
+      <p:ext uri="{BB962C8B-B14F-4D97-AF65-F5344CB8AC3E}">
+        <p14:creationId xmlns:p14="http://schemas.microsoft.com/office/powerpoint/2010/main" val="1153001073"/>
+      </p:ext>
+    </p:extLst>
+  </p:cSld>
+  <p:clrMapOvr>
+    <a:masterClrMapping/>
+  </p:clrMapOvr>
+</p:sld>
+</file>
+
+<file path=ppt/slides/slide8.xml><?xml version="1.0" encoding="utf-8"?>
+<p:sld xmlns:a="http://schemas.openxmlformats.org/drawingml/2006/main" xmlns:r="http://schemas.openxmlformats.org/officeDocument/2006/relationships" xmlns:p="http://schemas.openxmlformats.org/presentationml/2006/main">
+  <p:cSld>
+    <p:spTree>
+      <p:nvGrpSpPr>
+        <p:cNvPr id="1" name=""/>
+        <p:cNvGrpSpPr/>
+        <p:nvPr/>
+      </p:nvGrpSpPr>
+      <p:grpSpPr>
+        <a:xfrm>
+          <a:off x="0" y="0"/>
+          <a:ext cx="0" cy="0"/>
+          <a:chOff x="0" y="0"/>
+          <a:chExt cx="0" cy="0"/>
+        </a:xfrm>
+      </p:grpSpPr>
+      <p:pic>
+        <p:nvPicPr>
+          <p:cNvPr id="5" name="Graphic 4" descr="Laptop">
+            <a:extLst>
+              <a:ext uri="{FF2B5EF4-FFF2-40B4-BE49-F238E27FC236}">
+                <a16:creationId xmlns:a16="http://schemas.microsoft.com/office/drawing/2014/main" id="{76F585B0-FA20-416B-8FEF-C38BC820EB21}"/>
+              </a:ext>
+            </a:extLst>
+          </p:cNvPr>
+          <p:cNvPicPr>
+            <a:picLocks noChangeAspect="1"/>
+          </p:cNvPicPr>
+          <p:nvPr/>
+        </p:nvPicPr>
+        <p:blipFill>
+          <a:blip r:embed="rId2">
+            <a:extLst>
+              <a:ext uri="{28A0092B-C50C-407E-A947-70E740481C1C}">
+                <a14:useLocalDpi xmlns:a14="http://schemas.microsoft.com/office/drawing/2010/main" val="0"/>
+              </a:ext>
+              <a:ext uri="{96DAC541-7B7A-43D3-8B79-37D633B846F1}">
+                <asvg:svgBlip xmlns:asvg="http://schemas.microsoft.com/office/drawing/2016/SVG/main" r:embed="rId3"/>
+              </a:ext>
+            </a:extLst>
+          </a:blip>
+          <a:stretch>
+            <a:fillRect/>
+          </a:stretch>
+        </p:blipFill>
+        <p:spPr>
+          <a:xfrm>
+            <a:off x="651819" y="598906"/>
+            <a:ext cx="914400" cy="914400"/>
+          </a:xfrm>
+          <a:prstGeom prst="rect">
+            <a:avLst/>
+          </a:prstGeom>
+        </p:spPr>
+      </p:pic>
+      <p:pic>
+        <p:nvPicPr>
+          <p:cNvPr id="21" name="Graphic 20" descr="Server">
+            <a:extLst>
+              <a:ext uri="{FF2B5EF4-FFF2-40B4-BE49-F238E27FC236}">
+                <a16:creationId xmlns:a16="http://schemas.microsoft.com/office/drawing/2014/main" id="{5177753F-C49E-491E-81CB-B902FC2C3EBE}"/>
+              </a:ext>
+            </a:extLst>
+          </p:cNvPr>
+          <p:cNvPicPr>
+            <a:picLocks noChangeAspect="1"/>
+          </p:cNvPicPr>
+          <p:nvPr/>
+        </p:nvPicPr>
+        <p:blipFill>
+          <a:blip r:embed="rId4">
+            <a:extLst>
+              <a:ext uri="{28A0092B-C50C-407E-A947-70E740481C1C}">
+                <a14:useLocalDpi xmlns:a14="http://schemas.microsoft.com/office/drawing/2010/main" val="0"/>
+              </a:ext>
+              <a:ext uri="{96DAC541-7B7A-43D3-8B79-37D633B846F1}">
+                <asvg:svgBlip xmlns:asvg="http://schemas.microsoft.com/office/drawing/2016/SVG/main" r:embed="rId5"/>
+              </a:ext>
+            </a:extLst>
+          </a:blip>
+          <a:stretch>
+            <a:fillRect/>
+          </a:stretch>
+        </p:blipFill>
+        <p:spPr>
+          <a:xfrm>
+            <a:off x="4667287" y="3471326"/>
+            <a:ext cx="914400" cy="914400"/>
+          </a:xfrm>
+          <a:prstGeom prst="rect">
+            <a:avLst/>
+          </a:prstGeom>
+        </p:spPr>
+      </p:pic>
+      <p:pic>
+        <p:nvPicPr>
+          <p:cNvPr id="44" name="Graphic 43" descr="Laptop">
+            <a:extLst>
+              <a:ext uri="{FF2B5EF4-FFF2-40B4-BE49-F238E27FC236}">
+                <a16:creationId xmlns:a16="http://schemas.microsoft.com/office/drawing/2014/main" id="{A91E7EE7-10AA-4201-8AC3-48AB9FC0CCCA}"/>
+              </a:ext>
+            </a:extLst>
+          </p:cNvPr>
+          <p:cNvPicPr>
+            <a:picLocks noChangeAspect="1"/>
+          </p:cNvPicPr>
+          <p:nvPr/>
+        </p:nvPicPr>
+        <p:blipFill>
+          <a:blip r:embed="rId2">
+            <a:extLst>
+              <a:ext uri="{28A0092B-C50C-407E-A947-70E740481C1C}">
+                <a14:useLocalDpi xmlns:a14="http://schemas.microsoft.com/office/drawing/2010/main" val="0"/>
+              </a:ext>
+              <a:ext uri="{96DAC541-7B7A-43D3-8B79-37D633B846F1}">
+                <asvg:svgBlip xmlns:asvg="http://schemas.microsoft.com/office/drawing/2016/SVG/main" r:embed="rId3"/>
+              </a:ext>
+            </a:extLst>
+          </a:blip>
+          <a:stretch>
+            <a:fillRect/>
+          </a:stretch>
+        </p:blipFill>
+        <p:spPr>
+          <a:xfrm>
+            <a:off x="1896245" y="603032"/>
+            <a:ext cx="914400" cy="914400"/>
+          </a:xfrm>
+          <a:prstGeom prst="rect">
+            <a:avLst/>
+          </a:prstGeom>
+        </p:spPr>
+      </p:pic>
+      <p:sp>
+        <p:nvSpPr>
+          <p:cNvPr id="35" name="Rectangle 34">
+            <a:extLst>
+              <a:ext uri="{FF2B5EF4-FFF2-40B4-BE49-F238E27FC236}">
+                <a16:creationId xmlns:a16="http://schemas.microsoft.com/office/drawing/2014/main" id="{957DAAC0-F8D2-40CD-B60F-5DBE9A6FD955}"/>
+              </a:ext>
+            </a:extLst>
+          </p:cNvPr>
+          <p:cNvSpPr/>
+          <p:nvPr/>
+        </p:nvSpPr>
+        <p:spPr>
+          <a:xfrm>
+            <a:off x="4382846" y="3471326"/>
+            <a:ext cx="1500597" cy="1109996"/>
+          </a:xfrm>
+          <a:prstGeom prst="rect">
+            <a:avLst/>
+          </a:prstGeom>
+          <a:solidFill>
+            <a:srgbClr val="FFFFFF"/>
+          </a:solidFill>
+          <a:ln>
+            <a:noFill/>
+          </a:ln>
+        </p:spPr>
+        <p:style>
+          <a:lnRef idx="2">
+            <a:schemeClr val="accent1">
+              <a:shade val="50000"/>
+            </a:schemeClr>
+          </a:lnRef>
+          <a:fillRef idx="1">
+            <a:schemeClr val="accent1"/>
+          </a:fillRef>
+          <a:effectRef idx="0">
+            <a:schemeClr val="accent1"/>
+          </a:effectRef>
+          <a:fontRef idx="minor">
+            <a:schemeClr val="lt1"/>
+          </a:fontRef>
+        </p:style>
+        <p:txBody>
+          <a:bodyPr rtlCol="0" anchor="ctr"/>
+          <a:lstStyle/>
+          <a:p>
+            <a:pPr algn="ctr"/>
+            <a:endParaRPr lang="fr-CA"/>
+          </a:p>
+        </p:txBody>
+      </p:sp>
+      <p:cxnSp>
+        <p:nvCxnSpPr>
+          <p:cNvPr id="121" name="Connector: Curved 120">
+            <a:extLst>
+              <a:ext uri="{FF2B5EF4-FFF2-40B4-BE49-F238E27FC236}">
+                <a16:creationId xmlns:a16="http://schemas.microsoft.com/office/drawing/2014/main" id="{7F9B236A-46B9-4CAA-9E1E-846355322AEF}"/>
+              </a:ext>
+            </a:extLst>
+          </p:cNvPr>
+          <p:cNvCxnSpPr>
+            <a:stCxn id="35" idx="0"/>
+            <a:endCxn id="5" idx="2"/>
+          </p:cNvCxnSpPr>
+          <p:nvPr/>
+        </p:nvCxnSpPr>
+        <p:spPr>
+          <a:xfrm rot="16200000" flipV="1">
+            <a:off x="2142072" y="480253"/>
+            <a:ext cx="1958020" cy="4024126"/>
+          </a:xfrm>
+          <a:prstGeom prst="curvedConnector3">
+            <a:avLst>
+              <a:gd name="adj1" fmla="val 67155"/>
+            </a:avLst>
+          </a:prstGeom>
+          <a:ln>
+            <a:tailEnd type="triangle"/>
+          </a:ln>
+        </p:spPr>
+        <p:style>
+          <a:lnRef idx="1">
+            <a:schemeClr val="accent1"/>
+          </a:lnRef>
+          <a:fillRef idx="0">
+            <a:schemeClr val="accent1"/>
+          </a:fillRef>
+          <a:effectRef idx="0">
+            <a:schemeClr val="accent1"/>
+          </a:effectRef>
+          <a:fontRef idx="minor">
+            <a:schemeClr val="tx1"/>
+          </a:fontRef>
+        </p:style>
+      </p:cxnSp>
+      <p:cxnSp>
+        <p:nvCxnSpPr>
+          <p:cNvPr id="124" name="Connector: Curved 123">
+            <a:extLst>
+              <a:ext uri="{FF2B5EF4-FFF2-40B4-BE49-F238E27FC236}">
+                <a16:creationId xmlns:a16="http://schemas.microsoft.com/office/drawing/2014/main" id="{53FE312B-72AD-4E57-A253-2FFF7B5C59D1}"/>
+              </a:ext>
+            </a:extLst>
+          </p:cNvPr>
+          <p:cNvCxnSpPr>
+            <a:stCxn id="35" idx="0"/>
+            <a:endCxn id="44" idx="2"/>
+          </p:cNvCxnSpPr>
+          <p:nvPr/>
+        </p:nvCxnSpPr>
+        <p:spPr>
+          <a:xfrm rot="16200000" flipV="1">
+            <a:off x="2766348" y="1104529"/>
+            <a:ext cx="1953894" cy="2779700"/>
+          </a:xfrm>
+          <a:prstGeom prst="curvedConnector3">
+            <a:avLst>
+              <a:gd name="adj1" fmla="val 73399"/>
+            </a:avLst>
+          </a:prstGeom>
+          <a:ln>
+            <a:tailEnd type="triangle"/>
+          </a:ln>
+        </p:spPr>
+        <p:style>
+          <a:lnRef idx="1">
+            <a:schemeClr val="accent1"/>
+          </a:lnRef>
+          <a:fillRef idx="0">
+            <a:schemeClr val="accent1"/>
+          </a:fillRef>
+          <a:effectRef idx="0">
+            <a:schemeClr val="accent1"/>
+          </a:effectRef>
+          <a:fontRef idx="minor">
+            <a:schemeClr val="tx1"/>
+          </a:fontRef>
+        </p:style>
+      </p:cxnSp>
+      <p:sp>
+        <p:nvSpPr>
+          <p:cNvPr id="126" name="Rectangle 125">
+            <a:extLst>
+              <a:ext uri="{FF2B5EF4-FFF2-40B4-BE49-F238E27FC236}">
+                <a16:creationId xmlns:a16="http://schemas.microsoft.com/office/drawing/2014/main" id="{F86A6991-9E85-4544-9C96-C2C5125B7152}"/>
+              </a:ext>
+            </a:extLst>
+          </p:cNvPr>
+          <p:cNvSpPr/>
+          <p:nvPr/>
+        </p:nvSpPr>
+        <p:spPr>
+          <a:xfrm>
+            <a:off x="270588" y="501109"/>
+            <a:ext cx="3978406" cy="6184917"/>
+          </a:xfrm>
+          <a:prstGeom prst="rect">
+            <a:avLst/>
+          </a:prstGeom>
+          <a:noFill/>
+        </p:spPr>
+        <p:style>
+          <a:lnRef idx="2">
+            <a:schemeClr val="accent1">
+              <a:shade val="50000"/>
+            </a:schemeClr>
+          </a:lnRef>
+          <a:fillRef idx="1">
+            <a:schemeClr val="accent1"/>
+          </a:fillRef>
+          <a:effectRef idx="0">
+            <a:schemeClr val="accent1"/>
+          </a:effectRef>
+          <a:fontRef idx="minor">
+            <a:schemeClr val="lt1"/>
+          </a:fontRef>
+        </p:style>
+        <p:txBody>
+          <a:bodyPr rtlCol="0" anchor="ctr"/>
+          <a:lstStyle/>
+          <a:p>
+            <a:pPr algn="ctr"/>
+            <a:endParaRPr lang="fr-CA"/>
+          </a:p>
+        </p:txBody>
+      </p:sp>
+      <p:sp>
+        <p:nvSpPr>
+          <p:cNvPr id="127" name="TextBox 126">
+            <a:extLst>
+              <a:ext uri="{FF2B5EF4-FFF2-40B4-BE49-F238E27FC236}">
+                <a16:creationId xmlns:a16="http://schemas.microsoft.com/office/drawing/2014/main" id="{A47218F2-E193-4C56-B84B-B091AAEC9625}"/>
+              </a:ext>
+            </a:extLst>
+          </p:cNvPr>
+          <p:cNvSpPr txBox="1"/>
+          <p:nvPr/>
+        </p:nvSpPr>
+        <p:spPr>
+          <a:xfrm>
+            <a:off x="2865889" y="836497"/>
+            <a:ext cx="1343573" cy="369332"/>
+          </a:xfrm>
+          <a:prstGeom prst="rect">
+            <a:avLst/>
+          </a:prstGeom>
+          <a:noFill/>
+        </p:spPr>
+        <p:txBody>
+          <a:bodyPr wrap="none" rtlCol="0">
+            <a:spAutoFit/>
+          </a:bodyPr>
+          <a:lstStyle/>
+          <a:p>
+            <a:r>
+              <a:rPr lang="fr-CA" dirty="0"/>
+              <a:t>Scoreboards</a:t>
+            </a:r>
+          </a:p>
+        </p:txBody>
+      </p:sp>
+      <p:pic>
+        <p:nvPicPr>
+          <p:cNvPr id="154" name="Graphic 153" descr="Laptop">
+            <a:extLst>
+              <a:ext uri="{FF2B5EF4-FFF2-40B4-BE49-F238E27FC236}">
+                <a16:creationId xmlns:a16="http://schemas.microsoft.com/office/drawing/2014/main" id="{1FE590CF-F62A-4093-AFAD-AB65C76745CC}"/>
+              </a:ext>
+            </a:extLst>
+          </p:cNvPr>
+          <p:cNvPicPr>
+            <a:picLocks noChangeAspect="1"/>
+          </p:cNvPicPr>
+          <p:nvPr/>
+        </p:nvPicPr>
+        <p:blipFill>
+          <a:blip r:embed="rId6">
+            <a:extLst>
+              <a:ext uri="{28A0092B-C50C-407E-A947-70E740481C1C}">
+                <a14:useLocalDpi xmlns:a14="http://schemas.microsoft.com/office/drawing/2010/main" val="0"/>
+              </a:ext>
+              <a:ext uri="{96DAC541-7B7A-43D3-8B79-37D633B846F1}">
+                <asvg:svgBlip xmlns:asvg="http://schemas.microsoft.com/office/drawing/2016/SVG/main" r:embed="rId7"/>
+              </a:ext>
+            </a:extLst>
+          </a:blip>
+          <a:stretch>
+            <a:fillRect/>
+          </a:stretch>
+        </p:blipFill>
+        <p:spPr>
+          <a:xfrm>
+            <a:off x="1262975" y="5061201"/>
+            <a:ext cx="914400" cy="914400"/>
+          </a:xfrm>
+          <a:prstGeom prst="rect">
+            <a:avLst/>
+          </a:prstGeom>
+        </p:spPr>
+      </p:pic>
+      <p:cxnSp>
+        <p:nvCxnSpPr>
+          <p:cNvPr id="155" name="Connector: Curved 154">
+            <a:extLst>
+              <a:ext uri="{FF2B5EF4-FFF2-40B4-BE49-F238E27FC236}">
+                <a16:creationId xmlns:a16="http://schemas.microsoft.com/office/drawing/2014/main" id="{7A05CA49-62A3-4359-B5D3-C07959EC419C}"/>
+              </a:ext>
+            </a:extLst>
+          </p:cNvPr>
+          <p:cNvCxnSpPr>
+            <a:cxnSpLocks/>
+            <a:stCxn id="154" idx="3"/>
+          </p:cNvCxnSpPr>
+          <p:nvPr/>
+        </p:nvCxnSpPr>
+        <p:spPr>
+          <a:xfrm flipV="1">
+            <a:off x="2177375" y="4616268"/>
+            <a:ext cx="2977202" cy="902133"/>
+          </a:xfrm>
+          <a:prstGeom prst="curvedConnector2">
+            <a:avLst/>
+          </a:prstGeom>
+          <a:ln>
+            <a:headEnd type="triangle"/>
+            <a:tailEnd type="triangle"/>
+          </a:ln>
+        </p:spPr>
+        <p:style>
+          <a:lnRef idx="1">
+            <a:schemeClr val="accent1"/>
+          </a:lnRef>
+          <a:fillRef idx="0">
+            <a:schemeClr val="accent1"/>
+          </a:fillRef>
+          <a:effectRef idx="0">
+            <a:schemeClr val="accent1"/>
+          </a:effectRef>
+          <a:fontRef idx="minor">
+            <a:schemeClr val="tx1"/>
+          </a:fontRef>
+        </p:style>
+      </p:cxnSp>
+      <p:sp>
+        <p:nvSpPr>
+          <p:cNvPr id="156" name="TextBox 155">
+            <a:extLst>
+              <a:ext uri="{FF2B5EF4-FFF2-40B4-BE49-F238E27FC236}">
+                <a16:creationId xmlns:a16="http://schemas.microsoft.com/office/drawing/2014/main" id="{90927868-087C-4D8A-B1BF-9AB6ABBB1128}"/>
+              </a:ext>
+            </a:extLst>
+          </p:cNvPr>
+          <p:cNvSpPr txBox="1"/>
+          <p:nvPr/>
+        </p:nvSpPr>
+        <p:spPr>
+          <a:xfrm>
+            <a:off x="1257349" y="5790935"/>
+            <a:ext cx="996619" cy="369332"/>
+          </a:xfrm>
+          <a:prstGeom prst="rect">
+            <a:avLst/>
+          </a:prstGeom>
+          <a:noFill/>
+        </p:spPr>
+        <p:txBody>
+          <a:bodyPr wrap="none" rtlCol="0">
+            <a:spAutoFit/>
+          </a:bodyPr>
+          <a:lstStyle/>
+          <a:p>
+            <a:r>
+              <a:rPr lang="fr-CA" dirty="0"/>
+              <a:t>Marshall</a:t>
+            </a:r>
+          </a:p>
+        </p:txBody>
+      </p:sp>
+      <p:sp>
+        <p:nvSpPr>
+          <p:cNvPr id="157" name="TextBox 156">
+            <a:extLst>
+              <a:ext uri="{FF2B5EF4-FFF2-40B4-BE49-F238E27FC236}">
+                <a16:creationId xmlns:a16="http://schemas.microsoft.com/office/drawing/2014/main" id="{328DAE8A-90B8-4485-89BD-50A942871BEA}"/>
+              </a:ext>
+            </a:extLst>
+          </p:cNvPr>
+          <p:cNvSpPr txBox="1"/>
+          <p:nvPr/>
+        </p:nvSpPr>
+        <p:spPr>
+          <a:xfrm>
+            <a:off x="3084560" y="5997408"/>
+            <a:ext cx="1220206" cy="369332"/>
+          </a:xfrm>
+          <a:prstGeom prst="rect">
+            <a:avLst/>
+          </a:prstGeom>
+          <a:noFill/>
+        </p:spPr>
+        <p:txBody>
+          <a:bodyPr wrap="none" rtlCol="0">
+            <a:spAutoFit/>
+          </a:bodyPr>
+          <a:lstStyle/>
+          <a:p>
+            <a:r>
+              <a:rPr lang="fr-CA" dirty="0" err="1"/>
+              <a:t>Announcer</a:t>
+            </a:r>
+            <a:endParaRPr lang="fr-CA" dirty="0"/>
+          </a:p>
+        </p:txBody>
+      </p:sp>
+      <p:pic>
+        <p:nvPicPr>
+          <p:cNvPr id="158" name="Graphic 157" descr="Laptop">
+            <a:extLst>
+              <a:ext uri="{FF2B5EF4-FFF2-40B4-BE49-F238E27FC236}">
+                <a16:creationId xmlns:a16="http://schemas.microsoft.com/office/drawing/2014/main" id="{2D7F9F30-85CD-4DD8-9573-B16DB4E0AE1B}"/>
+              </a:ext>
+            </a:extLst>
+          </p:cNvPr>
+          <p:cNvPicPr>
+            <a:picLocks noChangeAspect="1"/>
+          </p:cNvPicPr>
+          <p:nvPr/>
+        </p:nvPicPr>
+        <p:blipFill>
+          <a:blip r:embed="rId6">
+            <a:extLst>
+              <a:ext uri="{28A0092B-C50C-407E-A947-70E740481C1C}">
+                <a14:useLocalDpi xmlns:a14="http://schemas.microsoft.com/office/drawing/2010/main" val="0"/>
+              </a:ext>
+              <a:ext uri="{96DAC541-7B7A-43D3-8B79-37D633B846F1}">
+                <asvg:svgBlip xmlns:asvg="http://schemas.microsoft.com/office/drawing/2016/SVG/main" r:embed="rId7"/>
+              </a:ext>
+            </a:extLst>
+          </a:blip>
+          <a:stretch>
+            <a:fillRect/>
+          </a:stretch>
+        </p:blipFill>
+        <p:spPr>
+          <a:xfrm>
+            <a:off x="3286094" y="5343835"/>
+            <a:ext cx="914400" cy="914400"/>
+          </a:xfrm>
+          <a:prstGeom prst="rect">
+            <a:avLst/>
+          </a:prstGeom>
+        </p:spPr>
+      </p:pic>
+      <p:cxnSp>
+        <p:nvCxnSpPr>
+          <p:cNvPr id="159" name="Connector: Curved 158">
+            <a:extLst>
+              <a:ext uri="{FF2B5EF4-FFF2-40B4-BE49-F238E27FC236}">
+                <a16:creationId xmlns:a16="http://schemas.microsoft.com/office/drawing/2014/main" id="{B18880F1-F4B2-41E9-A430-E4A62708BD6E}"/>
+              </a:ext>
+            </a:extLst>
+          </p:cNvPr>
+          <p:cNvCxnSpPr>
+            <a:stCxn id="158" idx="3"/>
+          </p:cNvCxnSpPr>
+          <p:nvPr/>
+        </p:nvCxnSpPr>
+        <p:spPr>
+          <a:xfrm flipV="1">
+            <a:off x="4200494" y="4616268"/>
+            <a:ext cx="954083" cy="1184767"/>
+          </a:xfrm>
+          <a:prstGeom prst="curvedConnector2">
+            <a:avLst/>
+          </a:prstGeom>
+          <a:ln>
+            <a:headEnd type="triangle"/>
+            <a:tailEnd type="triangle"/>
+          </a:ln>
+        </p:spPr>
+        <p:style>
+          <a:lnRef idx="1">
+            <a:schemeClr val="accent1"/>
+          </a:lnRef>
+          <a:fillRef idx="0">
+            <a:schemeClr val="accent1"/>
+          </a:fillRef>
+          <a:effectRef idx="0">
+            <a:schemeClr val="accent1"/>
+          </a:effectRef>
+          <a:fontRef idx="minor">
+            <a:schemeClr val="tx1"/>
+          </a:fontRef>
+        </p:style>
+      </p:cxnSp>
+      <p:sp>
+        <p:nvSpPr>
+          <p:cNvPr id="161" name="TextBox 160">
+            <a:extLst>
+              <a:ext uri="{FF2B5EF4-FFF2-40B4-BE49-F238E27FC236}">
+                <a16:creationId xmlns:a16="http://schemas.microsoft.com/office/drawing/2014/main" id="{753F4CA7-1D24-4779-80FB-FEBE1B16FFEB}"/>
+              </a:ext>
+            </a:extLst>
+          </p:cNvPr>
+          <p:cNvSpPr txBox="1"/>
+          <p:nvPr/>
+        </p:nvSpPr>
+        <p:spPr>
+          <a:xfrm>
+            <a:off x="223805" y="438538"/>
+            <a:ext cx="1387239" cy="307777"/>
+          </a:xfrm>
+          <a:prstGeom prst="rect">
+            <a:avLst/>
+          </a:prstGeom>
+          <a:noFill/>
+        </p:spPr>
+        <p:txBody>
+          <a:bodyPr wrap="none" rtlCol="0">
+            <a:spAutoFit/>
+          </a:bodyPr>
+          <a:lstStyle/>
+          <a:p>
+            <a:r>
+              <a:rPr lang="fr-CA" sz="1400" i="1" dirty="0" err="1"/>
+              <a:t>Competition</a:t>
+            </a:r>
+            <a:r>
+              <a:rPr lang="fr-CA" sz="1400" i="1" dirty="0"/>
+              <a:t> Site</a:t>
+            </a:r>
+          </a:p>
+        </p:txBody>
+      </p:sp>
+      <p:pic>
+        <p:nvPicPr>
+          <p:cNvPr id="31" name="Graphic 14" descr="Smart Phone">
+            <a:extLst>
+              <a:ext uri="{FF2B5EF4-FFF2-40B4-BE49-F238E27FC236}">
+                <a16:creationId xmlns:a16="http://schemas.microsoft.com/office/drawing/2014/main" id="{978FFDC3-BEBA-4C5C-A7B6-40AFE3C47A1F}"/>
+              </a:ext>
+            </a:extLst>
+          </p:cNvPr>
+          <p:cNvPicPr>
+            <a:picLocks noChangeAspect="1" noChangeArrowheads="1"/>
+          </p:cNvPicPr>
+          <p:nvPr/>
+        </p:nvPicPr>
+        <p:blipFill>
+          <a:blip r:embed="rId8">
+            <a:extLst>
+              <a:ext uri="{28A0092B-C50C-407E-A947-70E740481C1C}">
+                <a14:useLocalDpi xmlns:a14="http://schemas.microsoft.com/office/drawing/2010/main" val="0"/>
+              </a:ext>
+            </a:extLst>
+          </a:blip>
+          <a:srcRect/>
+          <a:stretch>
+            <a:fillRect/>
+          </a:stretch>
+        </p:blipFill>
+        <p:spPr bwMode="auto">
+          <a:xfrm>
+            <a:off x="1054100" y="2778125"/>
+            <a:ext cx="457200" cy="457200"/>
+          </a:xfrm>
+          <a:prstGeom prst="rect">
+            <a:avLst/>
+          </a:prstGeom>
+          <a:noFill/>
+          <a:ln>
+            <a:noFill/>
+          </a:ln>
+          <a:extLst>
+            <a:ext uri="{909E8E84-426E-40DD-AFC4-6F175D3DCCD1}">
+              <a14:hiddenFill xmlns:a14="http://schemas.microsoft.com/office/drawing/2010/main">
+                <a:solidFill>
+                  <a:srgbClr val="FFFFFF"/>
+                </a:solidFill>
+              </a14:hiddenFill>
+            </a:ext>
+            <a:ext uri="{91240B29-F687-4F45-9708-019B960494DF}">
+              <a14:hiddenLine xmlns:a14="http://schemas.microsoft.com/office/drawing/2010/main" w="9525">
+                <a:solidFill>
+                  <a:srgbClr val="000000"/>
+                </a:solidFill>
+                <a:miter lim="800000"/>
+                <a:headEnd/>
+                <a:tailEnd/>
+              </a14:hiddenLine>
+            </a:ext>
+          </a:extLst>
+        </p:spPr>
+      </p:pic>
+      <p:pic>
+        <p:nvPicPr>
+          <p:cNvPr id="32" name="Graphic 17" descr="Smart Phone">
+            <a:extLst>
+              <a:ext uri="{FF2B5EF4-FFF2-40B4-BE49-F238E27FC236}">
+                <a16:creationId xmlns:a16="http://schemas.microsoft.com/office/drawing/2014/main" id="{1E163763-746D-4E40-89AD-E079AE55F07C}"/>
+              </a:ext>
+            </a:extLst>
+          </p:cNvPr>
+          <p:cNvPicPr>
+            <a:picLocks noChangeAspect="1" noChangeArrowheads="1"/>
+          </p:cNvPicPr>
+          <p:nvPr/>
+        </p:nvPicPr>
+        <p:blipFill>
+          <a:blip r:embed="rId8">
+            <a:extLst>
+              <a:ext uri="{28A0092B-C50C-407E-A947-70E740481C1C}">
+                <a14:useLocalDpi xmlns:a14="http://schemas.microsoft.com/office/drawing/2010/main" val="0"/>
+              </a:ext>
+            </a:extLst>
+          </a:blip>
+          <a:srcRect/>
+          <a:stretch>
+            <a:fillRect/>
+          </a:stretch>
+        </p:blipFill>
+        <p:spPr bwMode="auto">
+          <a:xfrm>
+            <a:off x="1728788" y="2778125"/>
+            <a:ext cx="457200" cy="457200"/>
+          </a:xfrm>
+          <a:prstGeom prst="rect">
+            <a:avLst/>
+          </a:prstGeom>
+          <a:noFill/>
+          <a:ln>
+            <a:noFill/>
+          </a:ln>
+          <a:extLst>
+            <a:ext uri="{909E8E84-426E-40DD-AFC4-6F175D3DCCD1}">
+              <a14:hiddenFill xmlns:a14="http://schemas.microsoft.com/office/drawing/2010/main">
+                <a:solidFill>
+                  <a:srgbClr val="FFFFFF"/>
+                </a:solidFill>
+              </a14:hiddenFill>
+            </a:ext>
+            <a:ext uri="{91240B29-F687-4F45-9708-019B960494DF}">
+              <a14:hiddenLine xmlns:a14="http://schemas.microsoft.com/office/drawing/2010/main" w="9525">
+                <a:solidFill>
+                  <a:srgbClr val="000000"/>
+                </a:solidFill>
+                <a:miter lim="800000"/>
+                <a:headEnd/>
+                <a:tailEnd/>
+              </a14:hiddenLine>
+            </a:ext>
+          </a:extLst>
+        </p:spPr>
+      </p:pic>
+      <p:pic>
+        <p:nvPicPr>
+          <p:cNvPr id="33" name="Graphic 18" descr="Smart Phone">
+            <a:extLst>
+              <a:ext uri="{FF2B5EF4-FFF2-40B4-BE49-F238E27FC236}">
+                <a16:creationId xmlns:a16="http://schemas.microsoft.com/office/drawing/2014/main" id="{B815B3C1-C629-4728-8192-03A4C586545D}"/>
+              </a:ext>
+            </a:extLst>
+          </p:cNvPr>
+          <p:cNvPicPr>
+            <a:picLocks noChangeAspect="1" noChangeArrowheads="1"/>
+          </p:cNvPicPr>
+          <p:nvPr/>
+        </p:nvPicPr>
+        <p:blipFill>
+          <a:blip r:embed="rId8">
+            <a:extLst>
+              <a:ext uri="{28A0092B-C50C-407E-A947-70E740481C1C}">
+                <a14:useLocalDpi xmlns:a14="http://schemas.microsoft.com/office/drawing/2010/main" val="0"/>
+              </a:ext>
+            </a:extLst>
+          </a:blip>
+          <a:srcRect/>
+          <a:stretch>
+            <a:fillRect/>
+          </a:stretch>
+        </p:blipFill>
+        <p:spPr bwMode="auto">
+          <a:xfrm>
+            <a:off x="2352675" y="2778125"/>
+            <a:ext cx="457200" cy="457200"/>
+          </a:xfrm>
+          <a:prstGeom prst="rect">
+            <a:avLst/>
+          </a:prstGeom>
+          <a:noFill/>
+          <a:ln>
+            <a:noFill/>
+          </a:ln>
+          <a:extLst>
+            <a:ext uri="{909E8E84-426E-40DD-AFC4-6F175D3DCCD1}">
+              <a14:hiddenFill xmlns:a14="http://schemas.microsoft.com/office/drawing/2010/main">
+                <a:solidFill>
+                  <a:srgbClr val="FFFFFF"/>
+                </a:solidFill>
+              </a14:hiddenFill>
+            </a:ext>
+            <a:ext uri="{91240B29-F687-4F45-9708-019B960494DF}">
+              <a14:hiddenLine xmlns:a14="http://schemas.microsoft.com/office/drawing/2010/main" w="9525">
+                <a:solidFill>
+                  <a:srgbClr val="000000"/>
+                </a:solidFill>
+                <a:miter lim="800000"/>
+                <a:headEnd/>
+                <a:tailEnd/>
+              </a14:hiddenLine>
+            </a:ext>
+          </a:extLst>
+        </p:spPr>
+      </p:pic>
+      <p:cxnSp>
+        <p:nvCxnSpPr>
+          <p:cNvPr id="34" name="Connector: Curved 33">
+            <a:extLst>
+              <a:ext uri="{FF2B5EF4-FFF2-40B4-BE49-F238E27FC236}">
+                <a16:creationId xmlns:a16="http://schemas.microsoft.com/office/drawing/2014/main" id="{D45F9118-F0F5-40EA-9E44-009263DDB17F}"/>
+              </a:ext>
+            </a:extLst>
+          </p:cNvPr>
+          <p:cNvCxnSpPr>
+            <a:cxnSpLocks/>
+            <a:stCxn id="31" idx="1"/>
+            <a:endCxn id="37" idx="1"/>
+          </p:cNvCxnSpPr>
+          <p:nvPr/>
+        </p:nvCxnSpPr>
+        <p:spPr>
+          <a:xfrm rot="10800000" flipH="1" flipV="1">
+            <a:off x="1054100" y="3006725"/>
+            <a:ext cx="1200150" cy="1011238"/>
+          </a:xfrm>
+          <a:prstGeom prst="curvedConnector3">
+            <a:avLst>
+              <a:gd name="adj1" fmla="val -19058"/>
+            </a:avLst>
+          </a:prstGeom>
+          <a:ln>
+            <a:headEnd type="none"/>
+            <a:tailEnd type="triangle"/>
+          </a:ln>
+        </p:spPr>
+        <p:style>
+          <a:lnRef idx="1">
+            <a:schemeClr val="accent1"/>
+          </a:lnRef>
+          <a:fillRef idx="0">
+            <a:schemeClr val="accent1"/>
+          </a:fillRef>
+          <a:effectRef idx="0">
+            <a:schemeClr val="accent1"/>
+          </a:effectRef>
+          <a:fontRef idx="minor">
+            <a:schemeClr val="tx1"/>
+          </a:fontRef>
+        </p:style>
+      </p:cxnSp>
+      <p:sp>
+        <p:nvSpPr>
+          <p:cNvPr id="36" name="TextBox 127">
+            <a:extLst>
+              <a:ext uri="{FF2B5EF4-FFF2-40B4-BE49-F238E27FC236}">
+                <a16:creationId xmlns:a16="http://schemas.microsoft.com/office/drawing/2014/main" id="{9CF766D3-D6E3-414D-A358-D380BCE331EB}"/>
+              </a:ext>
+            </a:extLst>
+          </p:cNvPr>
+          <p:cNvSpPr txBox="1">
+            <a:spLocks noChangeArrowheads="1"/>
+          </p:cNvSpPr>
+          <p:nvPr/>
+        </p:nvSpPr>
+        <p:spPr bwMode="auto">
+          <a:xfrm>
+            <a:off x="2865438" y="2684463"/>
+            <a:ext cx="1454150" cy="646112"/>
+          </a:xfrm>
+          <a:prstGeom prst="rect">
+            <a:avLst/>
+          </a:prstGeom>
+          <a:noFill/>
+          <a:ln>
+            <a:noFill/>
+          </a:ln>
+          <a:extLst>
+            <a:ext uri="{909E8E84-426E-40DD-AFC4-6F175D3DCCD1}">
+              <a14:hiddenFill xmlns:a14="http://schemas.microsoft.com/office/drawing/2010/main">
+                <a:solidFill>
+                  <a:srgbClr val="FFFFFF"/>
+                </a:solidFill>
+              </a14:hiddenFill>
+            </a:ext>
+            <a:ext uri="{91240B29-F687-4F45-9708-019B960494DF}">
+              <a14:hiddenLine xmlns:a14="http://schemas.microsoft.com/office/drawing/2010/main" w="9525">
+                <a:solidFill>
+                  <a:srgbClr val="000000"/>
+                </a:solidFill>
+                <a:miter lim="800000"/>
+                <a:headEnd/>
+                <a:tailEnd/>
+              </a14:hiddenLine>
+            </a:ext>
+          </a:extLst>
+        </p:spPr>
+        <p:txBody>
+          <a:bodyPr wrap="none">
+            <a:spAutoFit/>
+          </a:bodyPr>
+          <a:lstStyle>
+            <a:lvl1pPr>
+              <a:lnSpc>
+                <a:spcPct val="90000"/>
+              </a:lnSpc>
+              <a:spcBef>
+                <a:spcPts val="1000"/>
+              </a:spcBef>
+              <a:buFont typeface="Arial" panose="020B0604020202020204" pitchFamily="34" charset="0"/>
+              <a:buChar char="•"/>
+              <a:defRPr sz="2800">
+                <a:solidFill>
+                  <a:schemeClr val="tx1"/>
+                </a:solidFill>
+                <a:latin typeface="Calibri" panose="020F0502020204030204" pitchFamily="34" charset="0"/>
+              </a:defRPr>
+            </a:lvl1pPr>
+            <a:lvl2pPr marL="742950" indent="-285750">
+              <a:lnSpc>
+                <a:spcPct val="90000"/>
+              </a:lnSpc>
+              <a:spcBef>
+                <a:spcPts val="500"/>
+              </a:spcBef>
+              <a:buFont typeface="Arial" panose="020B0604020202020204" pitchFamily="34" charset="0"/>
+              <a:buChar char="•"/>
+              <a:defRPr sz="2400">
+                <a:solidFill>
+                  <a:schemeClr val="tx1"/>
+                </a:solidFill>
+                <a:latin typeface="Calibri" panose="020F0502020204030204" pitchFamily="34" charset="0"/>
+              </a:defRPr>
+            </a:lvl2pPr>
+            <a:lvl3pPr marL="1143000" indent="-228600">
+              <a:lnSpc>
+                <a:spcPct val="90000"/>
+              </a:lnSpc>
+              <a:spcBef>
+                <a:spcPts val="500"/>
+              </a:spcBef>
+              <a:buFont typeface="Arial" panose="020B0604020202020204" pitchFamily="34" charset="0"/>
+              <a:buChar char="•"/>
+              <a:defRPr sz="2000">
+                <a:solidFill>
+                  <a:schemeClr val="tx1"/>
+                </a:solidFill>
+                <a:latin typeface="Calibri" panose="020F0502020204030204" pitchFamily="34" charset="0"/>
+              </a:defRPr>
+            </a:lvl3pPr>
+            <a:lvl4pPr marL="1600200" indent="-228600">
+              <a:lnSpc>
+                <a:spcPct val="90000"/>
+              </a:lnSpc>
+              <a:spcBef>
+                <a:spcPts val="500"/>
+              </a:spcBef>
+              <a:buFont typeface="Arial" panose="020B0604020202020204" pitchFamily="34" charset="0"/>
+              <a:buChar char="•"/>
+              <a:defRPr>
+                <a:solidFill>
+                  <a:schemeClr val="tx1"/>
+                </a:solidFill>
+                <a:latin typeface="Calibri" panose="020F0502020204030204" pitchFamily="34" charset="0"/>
+              </a:defRPr>
+            </a:lvl4pPr>
+            <a:lvl5pPr marL="2057400" indent="-228600">
+              <a:lnSpc>
+                <a:spcPct val="90000"/>
+              </a:lnSpc>
+              <a:spcBef>
+                <a:spcPts val="500"/>
+              </a:spcBef>
+              <a:buFont typeface="Arial" panose="020B0604020202020204" pitchFamily="34" charset="0"/>
+              <a:buChar char="•"/>
+              <a:defRPr>
+                <a:solidFill>
+                  <a:schemeClr val="tx1"/>
+                </a:solidFill>
+                <a:latin typeface="Calibri" panose="020F0502020204030204" pitchFamily="34" charset="0"/>
+              </a:defRPr>
+            </a:lvl5pPr>
+            <a:lvl6pPr marL="2514600" indent="-228600" eaLnBrk="0" fontAlgn="base" hangingPunct="0">
+              <a:lnSpc>
+                <a:spcPct val="90000"/>
+              </a:lnSpc>
+              <a:spcBef>
+                <a:spcPts val="500"/>
+              </a:spcBef>
+              <a:spcAft>
+                <a:spcPct val="0"/>
+              </a:spcAft>
+              <a:buFont typeface="Arial" panose="020B0604020202020204" pitchFamily="34" charset="0"/>
+              <a:buChar char="•"/>
+              <a:defRPr>
+                <a:solidFill>
+                  <a:schemeClr val="tx1"/>
+                </a:solidFill>
+                <a:latin typeface="Calibri" panose="020F0502020204030204" pitchFamily="34" charset="0"/>
+              </a:defRPr>
+            </a:lvl6pPr>
+            <a:lvl7pPr marL="2971800" indent="-228600" eaLnBrk="0" fontAlgn="base" hangingPunct="0">
+              <a:lnSpc>
+                <a:spcPct val="90000"/>
+              </a:lnSpc>
+              <a:spcBef>
+                <a:spcPts val="500"/>
+              </a:spcBef>
+              <a:spcAft>
+                <a:spcPct val="0"/>
+              </a:spcAft>
+              <a:buFont typeface="Arial" panose="020B0604020202020204" pitchFamily="34" charset="0"/>
+              <a:buChar char="•"/>
+              <a:defRPr>
+                <a:solidFill>
+                  <a:schemeClr val="tx1"/>
+                </a:solidFill>
+                <a:latin typeface="Calibri" panose="020F0502020204030204" pitchFamily="34" charset="0"/>
+              </a:defRPr>
+            </a:lvl7pPr>
+            <a:lvl8pPr marL="3429000" indent="-228600" eaLnBrk="0" fontAlgn="base" hangingPunct="0">
+              <a:lnSpc>
+                <a:spcPct val="90000"/>
+              </a:lnSpc>
+              <a:spcBef>
+                <a:spcPts val="500"/>
+              </a:spcBef>
+              <a:spcAft>
+                <a:spcPct val="0"/>
+              </a:spcAft>
+              <a:buFont typeface="Arial" panose="020B0604020202020204" pitchFamily="34" charset="0"/>
+              <a:buChar char="•"/>
+              <a:defRPr>
+                <a:solidFill>
+                  <a:schemeClr val="tx1"/>
+                </a:solidFill>
+                <a:latin typeface="Calibri" panose="020F0502020204030204" pitchFamily="34" charset="0"/>
+              </a:defRPr>
+            </a:lvl8pPr>
+            <a:lvl9pPr marL="3886200" indent="-228600" eaLnBrk="0" fontAlgn="base" hangingPunct="0">
+              <a:lnSpc>
+                <a:spcPct val="90000"/>
+              </a:lnSpc>
+              <a:spcBef>
+                <a:spcPts val="500"/>
+              </a:spcBef>
+              <a:spcAft>
+                <a:spcPct val="0"/>
+              </a:spcAft>
+              <a:buFont typeface="Arial" panose="020B0604020202020204" pitchFamily="34" charset="0"/>
+              <a:buChar char="•"/>
+              <a:defRPr>
+                <a:solidFill>
+                  <a:schemeClr val="tx1"/>
+                </a:solidFill>
+                <a:latin typeface="Calibri" panose="020F0502020204030204" pitchFamily="34" charset="0"/>
+              </a:defRPr>
+            </a:lvl9pPr>
+          </a:lstStyle>
+          <a:p>
+            <a:pPr eaLnBrk="1" hangingPunct="1">
+              <a:lnSpc>
+                <a:spcPct val="100000"/>
+              </a:lnSpc>
+              <a:spcBef>
+                <a:spcPct val="0"/>
+              </a:spcBef>
+              <a:buFontTx/>
+              <a:buNone/>
+            </a:pPr>
+            <a:r>
+              <a:rPr lang="fr-CA" altLang="fr-FR" sz="1800"/>
+              <a:t>Referee</a:t>
+            </a:r>
+            <a:br>
+              <a:rPr lang="fr-CA" altLang="fr-FR" sz="1800"/>
+            </a:br>
+            <a:r>
+              <a:rPr lang="fr-CA" altLang="fr-FR" sz="1800"/>
+              <a:t>devices (USB)</a:t>
+            </a:r>
+          </a:p>
+        </p:txBody>
+      </p:sp>
+      <p:pic>
+        <p:nvPicPr>
+          <p:cNvPr id="37" name="Graphic 25" descr="Laptop">
+            <a:extLst>
+              <a:ext uri="{FF2B5EF4-FFF2-40B4-BE49-F238E27FC236}">
+                <a16:creationId xmlns:a16="http://schemas.microsoft.com/office/drawing/2014/main" id="{661D759D-35E1-4C10-89F3-01FA11192350}"/>
+              </a:ext>
+            </a:extLst>
+          </p:cNvPr>
+          <p:cNvPicPr>
+            <a:picLocks noChangeAspect="1" noChangeArrowheads="1"/>
+          </p:cNvPicPr>
+          <p:nvPr/>
+        </p:nvPicPr>
+        <p:blipFill>
+          <a:blip r:embed="rId9">
+            <a:extLst>
+              <a:ext uri="{28A0092B-C50C-407E-A947-70E740481C1C}">
+                <a14:useLocalDpi xmlns:a14="http://schemas.microsoft.com/office/drawing/2010/main" val="0"/>
+              </a:ext>
+            </a:extLst>
+          </a:blip>
+          <a:srcRect/>
+          <a:stretch>
+            <a:fillRect/>
+          </a:stretch>
+        </p:blipFill>
+        <p:spPr bwMode="auto">
+          <a:xfrm>
+            <a:off x="2254250" y="3560763"/>
+            <a:ext cx="914400" cy="914400"/>
+          </a:xfrm>
+          <a:prstGeom prst="rect">
+            <a:avLst/>
+          </a:prstGeom>
+          <a:noFill/>
+          <a:ln>
+            <a:noFill/>
+          </a:ln>
+          <a:extLst>
+            <a:ext uri="{909E8E84-426E-40DD-AFC4-6F175D3DCCD1}">
+              <a14:hiddenFill xmlns:a14="http://schemas.microsoft.com/office/drawing/2010/main">
+                <a:solidFill>
+                  <a:srgbClr val="FFFFFF"/>
+                </a:solidFill>
+              </a14:hiddenFill>
+            </a:ext>
+            <a:ext uri="{91240B29-F687-4F45-9708-019B960494DF}">
+              <a14:hiddenLine xmlns:a14="http://schemas.microsoft.com/office/drawing/2010/main" w="9525">
+                <a:solidFill>
+                  <a:srgbClr val="000000"/>
+                </a:solidFill>
+                <a:miter lim="800000"/>
+                <a:headEnd/>
+                <a:tailEnd/>
+              </a14:hiddenLine>
+            </a:ext>
+          </a:extLst>
+        </p:spPr>
+      </p:pic>
+      <p:cxnSp>
+        <p:nvCxnSpPr>
+          <p:cNvPr id="38" name="Connector: Curved 37">
+            <a:extLst>
+              <a:ext uri="{FF2B5EF4-FFF2-40B4-BE49-F238E27FC236}">
+                <a16:creationId xmlns:a16="http://schemas.microsoft.com/office/drawing/2014/main" id="{416EA04D-A236-4559-82A8-DDEDC5C8861D}"/>
+              </a:ext>
+            </a:extLst>
+          </p:cNvPr>
+          <p:cNvCxnSpPr>
+            <a:stCxn id="32" idx="1"/>
+            <a:endCxn id="37" idx="1"/>
+          </p:cNvCxnSpPr>
+          <p:nvPr/>
+        </p:nvCxnSpPr>
+        <p:spPr>
+          <a:xfrm rot="10800000" flipH="1" flipV="1">
+            <a:off x="1728788" y="3006725"/>
+            <a:ext cx="525462" cy="1011238"/>
+          </a:xfrm>
+          <a:prstGeom prst="curvedConnector3">
+            <a:avLst>
+              <a:gd name="adj1" fmla="val -43557"/>
+            </a:avLst>
+          </a:prstGeom>
+          <a:ln>
+            <a:tailEnd type="triangle"/>
+          </a:ln>
+        </p:spPr>
+        <p:style>
+          <a:lnRef idx="1">
+            <a:schemeClr val="accent1"/>
+          </a:lnRef>
+          <a:fillRef idx="0">
+            <a:schemeClr val="accent1"/>
+          </a:fillRef>
+          <a:effectRef idx="0">
+            <a:schemeClr val="accent1"/>
+          </a:effectRef>
+          <a:fontRef idx="minor">
+            <a:schemeClr val="tx1"/>
+          </a:fontRef>
+        </p:style>
+      </p:cxnSp>
+      <p:cxnSp>
+        <p:nvCxnSpPr>
+          <p:cNvPr id="39" name="Connector: Curved 38">
+            <a:extLst>
+              <a:ext uri="{FF2B5EF4-FFF2-40B4-BE49-F238E27FC236}">
+                <a16:creationId xmlns:a16="http://schemas.microsoft.com/office/drawing/2014/main" id="{B8B894CF-AA0C-495E-AF10-BD148C5BC31E}"/>
+              </a:ext>
+            </a:extLst>
+          </p:cNvPr>
+          <p:cNvCxnSpPr>
+            <a:stCxn id="33" idx="1"/>
+            <a:endCxn id="37" idx="1"/>
+          </p:cNvCxnSpPr>
+          <p:nvPr/>
+        </p:nvCxnSpPr>
+        <p:spPr>
+          <a:xfrm rot="10800000" flipV="1">
+            <a:off x="2254250" y="3006725"/>
+            <a:ext cx="98425" cy="1011238"/>
+          </a:xfrm>
+          <a:prstGeom prst="curvedConnector3">
+            <a:avLst>
+              <a:gd name="adj1" fmla="val 329802"/>
+            </a:avLst>
+          </a:prstGeom>
+          <a:ln>
+            <a:tailEnd type="triangle"/>
+          </a:ln>
+        </p:spPr>
+        <p:style>
+          <a:lnRef idx="1">
+            <a:schemeClr val="accent1"/>
+          </a:lnRef>
+          <a:fillRef idx="0">
+            <a:schemeClr val="accent1"/>
+          </a:fillRef>
+          <a:effectRef idx="0">
+            <a:schemeClr val="accent1"/>
+          </a:effectRef>
+          <a:fontRef idx="minor">
+            <a:schemeClr val="tx1"/>
+          </a:fontRef>
+        </p:style>
+      </p:cxnSp>
+      <p:cxnSp>
+        <p:nvCxnSpPr>
+          <p:cNvPr id="40" name="Connector: Curved 39">
+            <a:extLst>
+              <a:ext uri="{FF2B5EF4-FFF2-40B4-BE49-F238E27FC236}">
+                <a16:creationId xmlns:a16="http://schemas.microsoft.com/office/drawing/2014/main" id="{01D46336-9B41-4409-809B-3CF1A2027EE3}"/>
+              </a:ext>
+            </a:extLst>
+          </p:cNvPr>
+          <p:cNvCxnSpPr>
+            <a:cxnSpLocks/>
+            <a:stCxn id="37" idx="3"/>
+          </p:cNvCxnSpPr>
+          <p:nvPr/>
+        </p:nvCxnSpPr>
+        <p:spPr>
+          <a:xfrm>
+            <a:off x="3168650" y="4017963"/>
+            <a:ext cx="1507294" cy="71"/>
+          </a:xfrm>
+          <a:prstGeom prst="curvedConnector3">
+            <a:avLst>
+              <a:gd name="adj1" fmla="val 50000"/>
+            </a:avLst>
+          </a:prstGeom>
+          <a:ln>
+            <a:tailEnd type="triangle"/>
+          </a:ln>
+        </p:spPr>
+        <p:style>
+          <a:lnRef idx="1">
+            <a:schemeClr val="accent1"/>
+          </a:lnRef>
+          <a:fillRef idx="0">
+            <a:schemeClr val="accent1"/>
+          </a:fillRef>
+          <a:effectRef idx="0">
+            <a:schemeClr val="accent1"/>
+          </a:effectRef>
+          <a:fontRef idx="minor">
+            <a:schemeClr val="tx1"/>
+          </a:fontRef>
+        </p:style>
+      </p:cxnSp>
+      <p:sp>
+        <p:nvSpPr>
+          <p:cNvPr id="41" name="TextBox 19">
+            <a:extLst>
+              <a:ext uri="{FF2B5EF4-FFF2-40B4-BE49-F238E27FC236}">
+                <a16:creationId xmlns:a16="http://schemas.microsoft.com/office/drawing/2014/main" id="{29CFA0AF-355D-46F9-9B1A-5F925BC7EBE8}"/>
+              </a:ext>
+            </a:extLst>
+          </p:cNvPr>
+          <p:cNvSpPr txBox="1">
+            <a:spLocks noChangeArrowheads="1"/>
+          </p:cNvSpPr>
+          <p:nvPr/>
+        </p:nvSpPr>
+        <p:spPr bwMode="auto">
+          <a:xfrm>
+            <a:off x="1984375" y="4232275"/>
+            <a:ext cx="1495425" cy="646113"/>
+          </a:xfrm>
+          <a:prstGeom prst="rect">
+            <a:avLst/>
+          </a:prstGeom>
+          <a:noFill/>
+          <a:ln>
+            <a:noFill/>
+          </a:ln>
+          <a:extLst>
+            <a:ext uri="{909E8E84-426E-40DD-AFC4-6F175D3DCCD1}">
+              <a14:hiddenFill xmlns:a14="http://schemas.microsoft.com/office/drawing/2010/main">
+                <a:solidFill>
+                  <a:srgbClr val="FFFFFF"/>
+                </a:solidFill>
+              </a14:hiddenFill>
+            </a:ext>
+            <a:ext uri="{91240B29-F687-4F45-9708-019B960494DF}">
+              <a14:hiddenLine xmlns:a14="http://schemas.microsoft.com/office/drawing/2010/main" w="9525">
+                <a:solidFill>
+                  <a:srgbClr val="000000"/>
+                </a:solidFill>
+                <a:miter lim="800000"/>
+                <a:headEnd/>
+                <a:tailEnd/>
+              </a14:hiddenLine>
+            </a:ext>
+          </a:extLst>
+        </p:spPr>
+        <p:txBody>
+          <a:bodyPr wrap="none">
+            <a:spAutoFit/>
+          </a:bodyPr>
+          <a:lstStyle>
+            <a:lvl1pPr>
+              <a:lnSpc>
+                <a:spcPct val="90000"/>
+              </a:lnSpc>
+              <a:spcBef>
+                <a:spcPts val="1000"/>
+              </a:spcBef>
+              <a:buFont typeface="Arial" panose="020B0604020202020204" pitchFamily="34" charset="0"/>
+              <a:buChar char="•"/>
+              <a:defRPr sz="2800">
+                <a:solidFill>
+                  <a:schemeClr val="tx1"/>
+                </a:solidFill>
+                <a:latin typeface="Calibri" panose="020F0502020204030204" pitchFamily="34" charset="0"/>
+              </a:defRPr>
+            </a:lvl1pPr>
+            <a:lvl2pPr marL="742950" indent="-285750">
+              <a:lnSpc>
+                <a:spcPct val="90000"/>
+              </a:lnSpc>
+              <a:spcBef>
+                <a:spcPts val="500"/>
+              </a:spcBef>
+              <a:buFont typeface="Arial" panose="020B0604020202020204" pitchFamily="34" charset="0"/>
+              <a:buChar char="•"/>
+              <a:defRPr sz="2400">
+                <a:solidFill>
+                  <a:schemeClr val="tx1"/>
+                </a:solidFill>
+                <a:latin typeface="Calibri" panose="020F0502020204030204" pitchFamily="34" charset="0"/>
+              </a:defRPr>
+            </a:lvl2pPr>
+            <a:lvl3pPr marL="1143000" indent="-228600">
+              <a:lnSpc>
+                <a:spcPct val="90000"/>
+              </a:lnSpc>
+              <a:spcBef>
+                <a:spcPts val="500"/>
+              </a:spcBef>
+              <a:buFont typeface="Arial" panose="020B0604020202020204" pitchFamily="34" charset="0"/>
+              <a:buChar char="•"/>
+              <a:defRPr sz="2000">
+                <a:solidFill>
+                  <a:schemeClr val="tx1"/>
+                </a:solidFill>
+                <a:latin typeface="Calibri" panose="020F0502020204030204" pitchFamily="34" charset="0"/>
+              </a:defRPr>
+            </a:lvl3pPr>
+            <a:lvl4pPr marL="1600200" indent="-228600">
+              <a:lnSpc>
+                <a:spcPct val="90000"/>
+              </a:lnSpc>
+              <a:spcBef>
+                <a:spcPts val="500"/>
+              </a:spcBef>
+              <a:buFont typeface="Arial" panose="020B0604020202020204" pitchFamily="34" charset="0"/>
+              <a:buChar char="•"/>
+              <a:defRPr>
+                <a:solidFill>
+                  <a:schemeClr val="tx1"/>
+                </a:solidFill>
+                <a:latin typeface="Calibri" panose="020F0502020204030204" pitchFamily="34" charset="0"/>
+              </a:defRPr>
+            </a:lvl4pPr>
+            <a:lvl5pPr marL="2057400" indent="-228600">
+              <a:lnSpc>
+                <a:spcPct val="90000"/>
+              </a:lnSpc>
+              <a:spcBef>
+                <a:spcPts val="500"/>
+              </a:spcBef>
+              <a:buFont typeface="Arial" panose="020B0604020202020204" pitchFamily="34" charset="0"/>
+              <a:buChar char="•"/>
+              <a:defRPr>
+                <a:solidFill>
+                  <a:schemeClr val="tx1"/>
+                </a:solidFill>
+                <a:latin typeface="Calibri" panose="020F0502020204030204" pitchFamily="34" charset="0"/>
+              </a:defRPr>
+            </a:lvl5pPr>
+            <a:lvl6pPr marL="2514600" indent="-228600" eaLnBrk="0" fontAlgn="base" hangingPunct="0">
+              <a:lnSpc>
+                <a:spcPct val="90000"/>
+              </a:lnSpc>
+              <a:spcBef>
+                <a:spcPts val="500"/>
+              </a:spcBef>
+              <a:spcAft>
+                <a:spcPct val="0"/>
+              </a:spcAft>
+              <a:buFont typeface="Arial" panose="020B0604020202020204" pitchFamily="34" charset="0"/>
+              <a:buChar char="•"/>
+              <a:defRPr>
+                <a:solidFill>
+                  <a:schemeClr val="tx1"/>
+                </a:solidFill>
+                <a:latin typeface="Calibri" panose="020F0502020204030204" pitchFamily="34" charset="0"/>
+              </a:defRPr>
+            </a:lvl6pPr>
+            <a:lvl7pPr marL="2971800" indent="-228600" eaLnBrk="0" fontAlgn="base" hangingPunct="0">
+              <a:lnSpc>
+                <a:spcPct val="90000"/>
+              </a:lnSpc>
+              <a:spcBef>
+                <a:spcPts val="500"/>
+              </a:spcBef>
+              <a:spcAft>
+                <a:spcPct val="0"/>
+              </a:spcAft>
+              <a:buFont typeface="Arial" panose="020B0604020202020204" pitchFamily="34" charset="0"/>
+              <a:buChar char="•"/>
+              <a:defRPr>
+                <a:solidFill>
+                  <a:schemeClr val="tx1"/>
+                </a:solidFill>
+                <a:latin typeface="Calibri" panose="020F0502020204030204" pitchFamily="34" charset="0"/>
+              </a:defRPr>
+            </a:lvl7pPr>
+            <a:lvl8pPr marL="3429000" indent="-228600" eaLnBrk="0" fontAlgn="base" hangingPunct="0">
+              <a:lnSpc>
+                <a:spcPct val="90000"/>
+              </a:lnSpc>
+              <a:spcBef>
+                <a:spcPts val="500"/>
+              </a:spcBef>
+              <a:spcAft>
+                <a:spcPct val="0"/>
+              </a:spcAft>
+              <a:buFont typeface="Arial" panose="020B0604020202020204" pitchFamily="34" charset="0"/>
+              <a:buChar char="•"/>
+              <a:defRPr>
+                <a:solidFill>
+                  <a:schemeClr val="tx1"/>
+                </a:solidFill>
+                <a:latin typeface="Calibri" panose="020F0502020204030204" pitchFamily="34" charset="0"/>
+              </a:defRPr>
+            </a:lvl8pPr>
+            <a:lvl9pPr marL="3886200" indent="-228600" eaLnBrk="0" fontAlgn="base" hangingPunct="0">
+              <a:lnSpc>
+                <a:spcPct val="90000"/>
+              </a:lnSpc>
+              <a:spcBef>
+                <a:spcPts val="500"/>
+              </a:spcBef>
+              <a:spcAft>
+                <a:spcPct val="0"/>
+              </a:spcAft>
+              <a:buFont typeface="Arial" panose="020B0604020202020204" pitchFamily="34" charset="0"/>
+              <a:buChar char="•"/>
+              <a:defRPr>
+                <a:solidFill>
+                  <a:schemeClr val="tx1"/>
+                </a:solidFill>
+                <a:latin typeface="Calibri" panose="020F0502020204030204" pitchFamily="34" charset="0"/>
+              </a:defRPr>
+            </a:lvl9pPr>
+          </a:lstStyle>
+          <a:p>
+            <a:pPr algn="ctr" eaLnBrk="1" hangingPunct="1">
+              <a:lnSpc>
+                <a:spcPct val="100000"/>
+              </a:lnSpc>
+              <a:spcBef>
+                <a:spcPct val="0"/>
+              </a:spcBef>
+              <a:buFontTx/>
+              <a:buNone/>
+            </a:pPr>
+            <a:r>
+              <a:rPr lang="fr-CA" altLang="fr-FR" sz="1800"/>
+              <a:t>Athlete-facing</a:t>
+            </a:r>
+            <a:br>
+              <a:rPr lang="fr-CA" altLang="fr-FR" sz="1800"/>
+            </a:br>
+            <a:r>
+              <a:rPr lang="fr-CA" altLang="fr-FR" sz="1800"/>
+              <a:t>display</a:t>
+            </a:r>
+          </a:p>
+        </p:txBody>
+      </p:sp>
+      <p:pic>
+        <p:nvPicPr>
+          <p:cNvPr id="30" name="Graphic 29" descr="Server">
+            <a:extLst>
+              <a:ext uri="{FF2B5EF4-FFF2-40B4-BE49-F238E27FC236}">
+                <a16:creationId xmlns:a16="http://schemas.microsoft.com/office/drawing/2014/main" id="{59EB8111-8FB7-4162-A94A-8FE94785D823}"/>
+              </a:ext>
+            </a:extLst>
+          </p:cNvPr>
+          <p:cNvPicPr>
+            <a:picLocks noChangeAspect="1"/>
+          </p:cNvPicPr>
+          <p:nvPr/>
+        </p:nvPicPr>
+        <p:blipFill>
+          <a:blip r:embed="rId4">
+            <a:extLst>
+              <a:ext uri="{28A0092B-C50C-407E-A947-70E740481C1C}">
+                <a14:useLocalDpi xmlns:a14="http://schemas.microsoft.com/office/drawing/2010/main" val="0"/>
+              </a:ext>
+              <a:ext uri="{96DAC541-7B7A-43D3-8B79-37D633B846F1}">
+                <asvg:svgBlip xmlns:asvg="http://schemas.microsoft.com/office/drawing/2016/SVG/main" r:embed="rId5"/>
+              </a:ext>
+            </a:extLst>
+          </a:blip>
+          <a:stretch>
+            <a:fillRect/>
+          </a:stretch>
+        </p:blipFill>
+        <p:spPr>
+          <a:xfrm>
+            <a:off x="4745508" y="3556334"/>
+            <a:ext cx="914400" cy="914400"/>
+          </a:xfrm>
+          <a:prstGeom prst="rect">
+            <a:avLst/>
+          </a:prstGeom>
+        </p:spPr>
+      </p:pic>
+      <p:sp>
+        <p:nvSpPr>
+          <p:cNvPr id="42" name="Graphic 45" descr="Cloud">
+            <a:extLst>
+              <a:ext uri="{FF2B5EF4-FFF2-40B4-BE49-F238E27FC236}">
+                <a16:creationId xmlns:a16="http://schemas.microsoft.com/office/drawing/2014/main" id="{ED132F19-AA0D-418D-9487-506C5622770A}"/>
+              </a:ext>
+            </a:extLst>
+          </p:cNvPr>
+          <p:cNvSpPr/>
+          <p:nvPr/>
+        </p:nvSpPr>
+        <p:spPr>
+          <a:xfrm>
+            <a:off x="4306576" y="3006725"/>
+            <a:ext cx="2540356" cy="1631633"/>
+          </a:xfrm>
+          <a:custGeom>
+            <a:avLst/>
+            <a:gdLst>
+              <a:gd name="connsiteX0" fmla="*/ 681898 w 4015594"/>
+              <a:gd name="connsiteY0" fmla="*/ 2281741 h 2285550"/>
+              <a:gd name="connsiteX1" fmla="*/ 870545 w 4015594"/>
+              <a:gd name="connsiteY1" fmla="*/ 2285551 h 2285550"/>
+              <a:gd name="connsiteX2" fmla="*/ 3444286 w 4015594"/>
+              <a:gd name="connsiteY2" fmla="*/ 2285551 h 2285550"/>
+              <a:gd name="connsiteX3" fmla="*/ 4015591 w 4015594"/>
+              <a:gd name="connsiteY3" fmla="*/ 1709703 h 2285550"/>
+              <a:gd name="connsiteX4" fmla="*/ 3449048 w 4015594"/>
+              <a:gd name="connsiteY4" fmla="*/ 1138436 h 2285550"/>
+              <a:gd name="connsiteX5" fmla="*/ 3401423 w 4015594"/>
+              <a:gd name="connsiteY5" fmla="*/ 1138436 h 2285550"/>
+              <a:gd name="connsiteX6" fmla="*/ 3101386 w 4015594"/>
+              <a:gd name="connsiteY6" fmla="*/ 557239 h 2285550"/>
+              <a:gd name="connsiteX7" fmla="*/ 2448890 w 4015594"/>
+              <a:gd name="connsiteY7" fmla="*/ 466752 h 2285550"/>
+              <a:gd name="connsiteX8" fmla="*/ 1296117 w 4015594"/>
+              <a:gd name="connsiteY8" fmla="*/ 94148 h 2285550"/>
+              <a:gd name="connsiteX9" fmla="*/ 829559 w 4015594"/>
+              <a:gd name="connsiteY9" fmla="*/ 852610 h 2285550"/>
+              <a:gd name="connsiteX10" fmla="*/ 829559 w 4015594"/>
+              <a:gd name="connsiteY10" fmla="*/ 862135 h 2285550"/>
+              <a:gd name="connsiteX11" fmla="*/ 716535 w 4015594"/>
+              <a:gd name="connsiteY11" fmla="*/ 852929 h 2285550"/>
+              <a:gd name="connsiteX12" fmla="*/ 0 w 4015594"/>
+              <a:gd name="connsiteY12" fmla="*/ 1567799 h 2285550"/>
+              <a:gd name="connsiteX13" fmla="*/ 67507 w 4015594"/>
+              <a:gd name="connsiteY13" fmla="*/ 1872066 h 2285550"/>
+              <a:gd name="connsiteX14" fmla="*/ 681898 w 4015594"/>
+              <a:gd name="connsiteY14" fmla="*/ 2281741 h 2285550"/>
+              <a:gd name="connsiteX15" fmla="*/ 219826 w 4015594"/>
+              <a:gd name="connsiteY15" fmla="*/ 1195710 h 2285550"/>
+              <a:gd name="connsiteX16" fmla="*/ 716507 w 4015594"/>
+              <a:gd name="connsiteY16" fmla="*/ 948169 h 2285550"/>
+              <a:gd name="connsiteX17" fmla="*/ 814138 w 4015594"/>
+              <a:gd name="connsiteY17" fmla="*/ 956118 h 2285550"/>
+              <a:gd name="connsiteX18" fmla="*/ 924776 w 4015594"/>
+              <a:gd name="connsiteY18" fmla="*/ 974215 h 2285550"/>
+              <a:gd name="connsiteX19" fmla="*/ 924776 w 4015594"/>
+              <a:gd name="connsiteY19" fmla="*/ 852591 h 2285550"/>
+              <a:gd name="connsiteX20" fmla="*/ 1690971 w 4015594"/>
+              <a:gd name="connsiteY20" fmla="*/ 95767 h 2285550"/>
+              <a:gd name="connsiteX21" fmla="*/ 2364137 w 4015594"/>
+              <a:gd name="connsiteY21" fmla="*/ 510238 h 2285550"/>
+              <a:gd name="connsiteX22" fmla="*/ 2401960 w 4015594"/>
+              <a:gd name="connsiteY22" fmla="*/ 583909 h 2285550"/>
+              <a:gd name="connsiteX23" fmla="*/ 2480170 w 4015594"/>
+              <a:gd name="connsiteY23" fmla="*/ 556701 h 2285550"/>
+              <a:gd name="connsiteX24" fmla="*/ 3270097 w 4015594"/>
+              <a:gd name="connsiteY24" fmla="*/ 930548 h 2285550"/>
+              <a:gd name="connsiteX25" fmla="*/ 3306169 w 4015594"/>
+              <a:gd name="connsiteY25" fmla="*/ 1138436 h 2285550"/>
+              <a:gd name="connsiteX26" fmla="*/ 3306169 w 4015594"/>
+              <a:gd name="connsiteY26" fmla="*/ 1233686 h 2285550"/>
+              <a:gd name="connsiteX27" fmla="*/ 3449044 w 4015594"/>
+              <a:gd name="connsiteY27" fmla="*/ 1233686 h 2285550"/>
+              <a:gd name="connsiteX28" fmla="*/ 3920293 w 4015594"/>
+              <a:gd name="connsiteY28" fmla="*/ 1719004 h 2285550"/>
+              <a:gd name="connsiteX29" fmla="*/ 3444286 w 4015594"/>
+              <a:gd name="connsiteY29" fmla="*/ 2190301 h 2285550"/>
+              <a:gd name="connsiteX30" fmla="*/ 771947 w 4015594"/>
+              <a:gd name="connsiteY30" fmla="*/ 2190301 h 2285550"/>
+              <a:gd name="connsiteX31" fmla="*/ 687070 w 4015594"/>
+              <a:gd name="connsiteY31" fmla="*/ 2186629 h 2285550"/>
+              <a:gd name="connsiteX32" fmla="*/ 95530 w 4015594"/>
+              <a:gd name="connsiteY32" fmla="*/ 1541782 h 2285550"/>
+              <a:gd name="connsiteX33" fmla="*/ 219811 w 4015594"/>
+              <a:gd name="connsiteY33" fmla="*/ 1195710 h 2285550"/>
+            </a:gdLst>
+            <a:ahLst/>
+            <a:cxnLst>
+              <a:cxn ang="0">
+                <a:pos x="connsiteX0" y="connsiteY0"/>
+              </a:cxn>
+              <a:cxn ang="0">
+                <a:pos x="connsiteX1" y="connsiteY1"/>
+              </a:cxn>
+              <a:cxn ang="0">
+                <a:pos x="connsiteX2" y="connsiteY2"/>
+              </a:cxn>
+              <a:cxn ang="0">
+                <a:pos x="connsiteX3" y="connsiteY3"/>
+              </a:cxn>
+              <a:cxn ang="0">
+                <a:pos x="connsiteX4" y="connsiteY4"/>
+              </a:cxn>
+              <a:cxn ang="0">
+                <a:pos x="connsiteX5" y="connsiteY5"/>
+              </a:cxn>
+              <a:cxn ang="0">
+                <a:pos x="connsiteX6" y="connsiteY6"/>
+              </a:cxn>
+              <a:cxn ang="0">
+                <a:pos x="connsiteX7" y="connsiteY7"/>
+              </a:cxn>
+              <a:cxn ang="0">
+                <a:pos x="connsiteX8" y="connsiteY8"/>
+              </a:cxn>
+              <a:cxn ang="0">
+                <a:pos x="connsiteX9" y="connsiteY9"/>
+              </a:cxn>
+              <a:cxn ang="0">
+                <a:pos x="connsiteX10" y="connsiteY10"/>
+              </a:cxn>
+              <a:cxn ang="0">
+                <a:pos x="connsiteX11" y="connsiteY11"/>
+              </a:cxn>
+              <a:cxn ang="0">
+                <a:pos x="connsiteX12" y="connsiteY12"/>
+              </a:cxn>
+              <a:cxn ang="0">
+                <a:pos x="connsiteX13" y="connsiteY13"/>
+              </a:cxn>
+              <a:cxn ang="0">
+                <a:pos x="connsiteX14" y="connsiteY14"/>
+              </a:cxn>
+              <a:cxn ang="0">
+                <a:pos x="connsiteX15" y="connsiteY15"/>
+              </a:cxn>
+              <a:cxn ang="0">
+                <a:pos x="connsiteX16" y="connsiteY16"/>
+              </a:cxn>
+              <a:cxn ang="0">
+                <a:pos x="connsiteX17" y="connsiteY17"/>
+              </a:cxn>
+              <a:cxn ang="0">
+                <a:pos x="connsiteX18" y="connsiteY18"/>
+              </a:cxn>
+              <a:cxn ang="0">
+                <a:pos x="connsiteX19" y="connsiteY19"/>
+              </a:cxn>
+              <a:cxn ang="0">
+                <a:pos x="connsiteX20" y="connsiteY20"/>
+              </a:cxn>
+              <a:cxn ang="0">
+                <a:pos x="connsiteX21" y="connsiteY21"/>
+              </a:cxn>
+              <a:cxn ang="0">
+                <a:pos x="connsiteX22" y="connsiteY22"/>
+              </a:cxn>
+              <a:cxn ang="0">
+                <a:pos x="connsiteX23" y="connsiteY23"/>
+              </a:cxn>
+              <a:cxn ang="0">
+                <a:pos x="connsiteX24" y="connsiteY24"/>
+              </a:cxn>
+              <a:cxn ang="0">
+                <a:pos x="connsiteX25" y="connsiteY25"/>
+              </a:cxn>
+              <a:cxn ang="0">
+                <a:pos x="connsiteX26" y="connsiteY26"/>
+              </a:cxn>
+              <a:cxn ang="0">
+                <a:pos x="connsiteX27" y="connsiteY27"/>
+              </a:cxn>
+              <a:cxn ang="0">
+                <a:pos x="connsiteX28" y="connsiteY28"/>
+              </a:cxn>
+              <a:cxn ang="0">
+                <a:pos x="connsiteX29" y="connsiteY29"/>
+              </a:cxn>
+              <a:cxn ang="0">
+                <a:pos x="connsiteX30" y="connsiteY30"/>
+              </a:cxn>
+              <a:cxn ang="0">
+                <a:pos x="connsiteX31" y="connsiteY31"/>
+              </a:cxn>
+              <a:cxn ang="0">
+                <a:pos x="connsiteX32" y="connsiteY32"/>
+              </a:cxn>
+              <a:cxn ang="0">
+                <a:pos x="connsiteX33" y="connsiteY33"/>
+              </a:cxn>
+            </a:cxnLst>
+            <a:rect l="l" t="t" r="r" b="b"/>
+            <a:pathLst>
+              <a:path w="4015594" h="2285550">
+                <a:moveTo>
+                  <a:pt x="681898" y="2281741"/>
+                </a:moveTo>
+                <a:cubicBezTo>
+                  <a:pt x="730051" y="2284365"/>
+                  <a:pt x="870545" y="2285551"/>
+                  <a:pt x="870545" y="2285551"/>
+                </a:cubicBezTo>
+                <a:lnTo>
+                  <a:pt x="3444286" y="2285551"/>
+                </a:lnTo>
+                <a:cubicBezTo>
+                  <a:pt x="3761064" y="2284298"/>
+                  <a:pt x="4016848" y="2026480"/>
+                  <a:pt x="4015591" y="1709703"/>
+                </a:cubicBezTo>
+                <a:cubicBezTo>
+                  <a:pt x="4014352" y="1396554"/>
+                  <a:pt x="3762178" y="1142275"/>
+                  <a:pt x="3449048" y="1138436"/>
+                </a:cubicBezTo>
+                <a:lnTo>
+                  <a:pt x="3401423" y="1138436"/>
+                </a:lnTo>
+                <a:cubicBezTo>
+                  <a:pt x="3400980" y="907655"/>
+                  <a:pt x="3289266" y="691256"/>
+                  <a:pt x="3101386" y="557239"/>
+                </a:cubicBezTo>
+                <a:cubicBezTo>
+                  <a:pt x="2911034" y="424056"/>
+                  <a:pt x="2668303" y="390395"/>
+                  <a:pt x="2448890" y="466752"/>
+                </a:cubicBezTo>
+                <a:cubicBezTo>
+                  <a:pt x="2233454" y="45533"/>
+                  <a:pt x="1717337" y="-121288"/>
+                  <a:pt x="1296117" y="94148"/>
+                </a:cubicBezTo>
+                <a:cubicBezTo>
+                  <a:pt x="1011091" y="239928"/>
+                  <a:pt x="831140" y="532470"/>
+                  <a:pt x="829559" y="852610"/>
+                </a:cubicBezTo>
+                <a:lnTo>
+                  <a:pt x="829559" y="862135"/>
+                </a:lnTo>
+                <a:cubicBezTo>
+                  <a:pt x="792192" y="856020"/>
+                  <a:pt x="754397" y="852943"/>
+                  <a:pt x="716535" y="852929"/>
+                </a:cubicBezTo>
+                <a:cubicBezTo>
+                  <a:pt x="321262" y="852472"/>
+                  <a:pt x="460" y="1172531"/>
+                  <a:pt x="0" y="1567799"/>
+                </a:cubicBezTo>
+                <a:cubicBezTo>
+                  <a:pt x="-121" y="1672950"/>
+                  <a:pt x="22927" y="1776835"/>
+                  <a:pt x="67507" y="1872066"/>
+                </a:cubicBezTo>
+                <a:cubicBezTo>
+                  <a:pt x="183202" y="2109633"/>
+                  <a:pt x="418107" y="2266272"/>
+                  <a:pt x="681898" y="2281741"/>
+                </a:cubicBezTo>
+                <a:close/>
+                <a:moveTo>
+                  <a:pt x="219826" y="1195710"/>
+                </a:moveTo>
+                <a:cubicBezTo>
+                  <a:pt x="338650" y="1041376"/>
+                  <a:pt x="521740" y="950122"/>
+                  <a:pt x="716507" y="948169"/>
+                </a:cubicBezTo>
+                <a:cubicBezTo>
+                  <a:pt x="749211" y="948198"/>
+                  <a:pt x="781858" y="950855"/>
+                  <a:pt x="814138" y="956118"/>
+                </a:cubicBezTo>
+                <a:lnTo>
+                  <a:pt x="924776" y="974215"/>
+                </a:lnTo>
+                <a:lnTo>
+                  <a:pt x="924776" y="852591"/>
+                </a:lnTo>
+                <a:cubicBezTo>
+                  <a:pt x="927362" y="432019"/>
+                  <a:pt x="1270400" y="93181"/>
+                  <a:pt x="1690971" y="95767"/>
+                </a:cubicBezTo>
+                <a:cubicBezTo>
+                  <a:pt x="1975112" y="97515"/>
+                  <a:pt x="2234644" y="257311"/>
+                  <a:pt x="2364137" y="510238"/>
+                </a:cubicBezTo>
+                <a:lnTo>
+                  <a:pt x="2401960" y="583909"/>
+                </a:lnTo>
+                <a:lnTo>
+                  <a:pt x="2480170" y="556701"/>
+                </a:lnTo>
+                <a:cubicBezTo>
+                  <a:pt x="2801539" y="441806"/>
+                  <a:pt x="3155197" y="609179"/>
+                  <a:pt x="3270097" y="930548"/>
+                </a:cubicBezTo>
+                <a:cubicBezTo>
+                  <a:pt x="3293948" y="997261"/>
+                  <a:pt x="3306149" y="1067584"/>
+                  <a:pt x="3306169" y="1138436"/>
+                </a:cubicBezTo>
+                <a:lnTo>
+                  <a:pt x="3306169" y="1233686"/>
+                </a:lnTo>
+                <a:lnTo>
+                  <a:pt x="3449044" y="1233686"/>
+                </a:lnTo>
+                <a:cubicBezTo>
+                  <a:pt x="3713191" y="1237572"/>
+                  <a:pt x="3924179" y="1454856"/>
+                  <a:pt x="3920293" y="1719004"/>
+                </a:cubicBezTo>
+                <a:cubicBezTo>
+                  <a:pt x="3916459" y="1979527"/>
+                  <a:pt x="3704833" y="2189062"/>
+                  <a:pt x="3444286" y="2190301"/>
+                </a:cubicBezTo>
+                <a:lnTo>
+                  <a:pt x="771947" y="2190301"/>
+                </a:lnTo>
+                <a:lnTo>
+                  <a:pt x="687070" y="2186629"/>
+                </a:lnTo>
+                <a:cubicBezTo>
+                  <a:pt x="345651" y="2171908"/>
+                  <a:pt x="80810" y="1883200"/>
+                  <a:pt x="95530" y="1541782"/>
+                </a:cubicBezTo>
+                <a:cubicBezTo>
+                  <a:pt x="100932" y="1416495"/>
+                  <a:pt x="144273" y="1295808"/>
+                  <a:pt x="219811" y="1195710"/>
+                </a:cubicBezTo>
+                <a:close/>
+              </a:path>
+            </a:pathLst>
+          </a:custGeom>
+          <a:noFill/>
+          <a:ln w="6350" cap="flat">
+            <a:solidFill>
+              <a:schemeClr val="accent1"/>
+            </a:solidFill>
+            <a:prstDash val="solid"/>
+            <a:miter/>
+          </a:ln>
+        </p:spPr>
+        <p:txBody>
+          <a:bodyPr rtlCol="0" anchor="ctr"/>
+          <a:lstStyle/>
+          <a:p>
+            <a:endParaRPr lang="fr-CA"/>
+          </a:p>
+        </p:txBody>
+      </p:sp>
+      <p:sp>
+        <p:nvSpPr>
+          <p:cNvPr id="45" name="TextBox 44">
+            <a:extLst>
+              <a:ext uri="{FF2B5EF4-FFF2-40B4-BE49-F238E27FC236}">
+                <a16:creationId xmlns:a16="http://schemas.microsoft.com/office/drawing/2014/main" id="{756C023E-323B-46C5-9AFF-85B049CC090D}"/>
+              </a:ext>
+            </a:extLst>
+          </p:cNvPr>
+          <p:cNvSpPr txBox="1"/>
+          <p:nvPr/>
+        </p:nvSpPr>
+        <p:spPr>
+          <a:xfrm>
+            <a:off x="4706826" y="4246936"/>
+            <a:ext cx="895502" cy="369332"/>
+          </a:xfrm>
+          <a:prstGeom prst="rect">
+            <a:avLst/>
+          </a:prstGeom>
+          <a:noFill/>
+        </p:spPr>
+        <p:txBody>
+          <a:bodyPr wrap="none" rtlCol="0">
+            <a:spAutoFit/>
+          </a:bodyPr>
+          <a:lstStyle/>
+          <a:p>
+            <a:r>
+              <a:rPr lang="fr-CA" dirty="0"/>
+              <a:t>owlcms</a:t>
+            </a:r>
+          </a:p>
+        </p:txBody>
+      </p:sp>
+      <p:sp>
+        <p:nvSpPr>
+          <p:cNvPr id="2" name="TextBox 1">
+            <a:extLst>
+              <a:ext uri="{FF2B5EF4-FFF2-40B4-BE49-F238E27FC236}">
+                <a16:creationId xmlns:a16="http://schemas.microsoft.com/office/drawing/2014/main" id="{BB146020-0FB0-498A-B452-29D631A2BAA5}"/>
+              </a:ext>
+            </a:extLst>
+          </p:cNvPr>
+          <p:cNvSpPr txBox="1"/>
+          <p:nvPr/>
+        </p:nvSpPr>
+        <p:spPr>
+          <a:xfrm>
+            <a:off x="5604195" y="3620749"/>
+            <a:ext cx="704873" cy="523220"/>
+          </a:xfrm>
+          <a:prstGeom prst="rect">
+            <a:avLst/>
+          </a:prstGeom>
+          <a:noFill/>
+        </p:spPr>
+        <p:txBody>
+          <a:bodyPr wrap="none" rtlCol="0">
+            <a:spAutoFit/>
+          </a:bodyPr>
+          <a:lstStyle/>
+          <a:p>
+            <a:r>
+              <a:rPr lang="fr-CA" sz="1400" i="1" dirty="0"/>
+              <a:t>Heroku</a:t>
+            </a:r>
+            <a:br>
+              <a:rPr lang="fr-CA" sz="1400" i="1" dirty="0"/>
+            </a:br>
+            <a:r>
+              <a:rPr lang="fr-CA" sz="1400" i="1" dirty="0"/>
+              <a:t>Cloud</a:t>
+            </a:r>
+          </a:p>
+        </p:txBody>
+      </p:sp>
+    </p:spTree>
+    <p:extLst>
+      <p:ext uri="{BB962C8B-B14F-4D97-AF65-F5344CB8AC3E}">
+        <p14:creationId xmlns:p14="http://schemas.microsoft.com/office/powerpoint/2010/main" val="3487028477"/>
+      </p:ext>
+    </p:extLst>
+  </p:cSld>
+  <p:clrMapOvr>
+    <a:masterClrMapping/>
+  </p:clrMapOvr>
+</p:sld>
+</file>
+
+<file path=ppt/slides/slide9.xml><?xml version="1.0" encoding="utf-8"?>
+<p:sld xmlns:a="http://schemas.openxmlformats.org/drawingml/2006/main" xmlns:r="http://schemas.openxmlformats.org/officeDocument/2006/relationships" xmlns:p="http://schemas.openxmlformats.org/presentationml/2006/main">
+  <p:cSld>
+    <p:spTree>
+      <p:nvGrpSpPr>
+        <p:cNvPr id="1" name=""/>
+        <p:cNvGrpSpPr/>
+        <p:nvPr/>
+      </p:nvGrpSpPr>
+      <p:grpSpPr>
+        <a:xfrm>
+          <a:off x="0" y="0"/>
+          <a:ext cx="0" cy="0"/>
+          <a:chOff x="0" y="0"/>
+          <a:chExt cx="0" cy="0"/>
+        </a:xfrm>
+      </p:grpSpPr>
+      <p:pic>
+        <p:nvPicPr>
+          <p:cNvPr id="5" name="Graphic 4" descr="Laptop">
+            <a:extLst>
+              <a:ext uri="{FF2B5EF4-FFF2-40B4-BE49-F238E27FC236}">
+                <a16:creationId xmlns:a16="http://schemas.microsoft.com/office/drawing/2014/main" id="{76F585B0-FA20-416B-8FEF-C38BC820EB21}"/>
+              </a:ext>
+            </a:extLst>
+          </p:cNvPr>
+          <p:cNvPicPr>
+            <a:picLocks noChangeAspect="1"/>
+          </p:cNvPicPr>
+          <p:nvPr/>
+        </p:nvPicPr>
+        <p:blipFill>
+          <a:blip r:embed="rId2">
+            <a:extLst>
+              <a:ext uri="{28A0092B-C50C-407E-A947-70E740481C1C}">
+                <a14:useLocalDpi xmlns:a14="http://schemas.microsoft.com/office/drawing/2010/main" val="0"/>
+              </a:ext>
+              <a:ext uri="{96DAC541-7B7A-43D3-8B79-37D633B846F1}">
+                <asvg:svgBlip xmlns:asvg="http://schemas.microsoft.com/office/drawing/2016/SVG/main" r:embed="rId3"/>
+              </a:ext>
+            </a:extLst>
+          </a:blip>
+          <a:stretch>
+            <a:fillRect/>
+          </a:stretch>
+        </p:blipFill>
+        <p:spPr>
+          <a:xfrm>
+            <a:off x="651819" y="598906"/>
+            <a:ext cx="914400" cy="914400"/>
+          </a:xfrm>
+          <a:prstGeom prst="rect">
+            <a:avLst/>
+          </a:prstGeom>
+        </p:spPr>
+      </p:pic>
+      <p:pic>
+        <p:nvPicPr>
+          <p:cNvPr id="21" name="Graphic 20" descr="Server">
+            <a:extLst>
+              <a:ext uri="{FF2B5EF4-FFF2-40B4-BE49-F238E27FC236}">
+                <a16:creationId xmlns:a16="http://schemas.microsoft.com/office/drawing/2014/main" id="{5177753F-C49E-491E-81CB-B902FC2C3EBE}"/>
+              </a:ext>
+            </a:extLst>
+          </p:cNvPr>
+          <p:cNvPicPr>
+            <a:picLocks noChangeAspect="1"/>
+          </p:cNvPicPr>
+          <p:nvPr/>
+        </p:nvPicPr>
+        <p:blipFill>
+          <a:blip r:embed="rId4">
+            <a:extLst>
+              <a:ext uri="{28A0092B-C50C-407E-A947-70E740481C1C}">
+                <a14:useLocalDpi xmlns:a14="http://schemas.microsoft.com/office/drawing/2010/main" val="0"/>
+              </a:ext>
+              <a:ext uri="{96DAC541-7B7A-43D3-8B79-37D633B846F1}">
+                <asvg:svgBlip xmlns:asvg="http://schemas.microsoft.com/office/drawing/2016/SVG/main" r:embed="rId5"/>
+              </a:ext>
+            </a:extLst>
+          </a:blip>
+          <a:stretch>
+            <a:fillRect/>
+          </a:stretch>
+        </p:blipFill>
+        <p:spPr>
+          <a:xfrm>
+            <a:off x="4667287" y="3471326"/>
+            <a:ext cx="914400" cy="914400"/>
+          </a:xfrm>
+          <a:prstGeom prst="rect">
+            <a:avLst/>
+          </a:prstGeom>
+        </p:spPr>
+      </p:pic>
+      <p:pic>
+        <p:nvPicPr>
+          <p:cNvPr id="44" name="Graphic 43" descr="Laptop">
+            <a:extLst>
+              <a:ext uri="{FF2B5EF4-FFF2-40B4-BE49-F238E27FC236}">
+                <a16:creationId xmlns:a16="http://schemas.microsoft.com/office/drawing/2014/main" id="{A91E7EE7-10AA-4201-8AC3-48AB9FC0CCCA}"/>
+              </a:ext>
+            </a:extLst>
+          </p:cNvPr>
+          <p:cNvPicPr>
+            <a:picLocks noChangeAspect="1"/>
+          </p:cNvPicPr>
+          <p:nvPr/>
+        </p:nvPicPr>
+        <p:blipFill>
+          <a:blip r:embed="rId2">
+            <a:extLst>
+              <a:ext uri="{28A0092B-C50C-407E-A947-70E740481C1C}">
+                <a14:useLocalDpi xmlns:a14="http://schemas.microsoft.com/office/drawing/2010/main" val="0"/>
+              </a:ext>
+              <a:ext uri="{96DAC541-7B7A-43D3-8B79-37D633B846F1}">
+                <asvg:svgBlip xmlns:asvg="http://schemas.microsoft.com/office/drawing/2016/SVG/main" r:embed="rId3"/>
+              </a:ext>
+            </a:extLst>
+          </a:blip>
+          <a:stretch>
+            <a:fillRect/>
+          </a:stretch>
+        </p:blipFill>
+        <p:spPr>
+          <a:xfrm>
+            <a:off x="1896245" y="603032"/>
+            <a:ext cx="914400" cy="914400"/>
+          </a:xfrm>
+          <a:prstGeom prst="rect">
+            <a:avLst/>
+          </a:prstGeom>
+        </p:spPr>
+      </p:pic>
+      <p:sp>
+        <p:nvSpPr>
+          <p:cNvPr id="35" name="Rectangle 34">
+            <a:extLst>
+              <a:ext uri="{FF2B5EF4-FFF2-40B4-BE49-F238E27FC236}">
+                <a16:creationId xmlns:a16="http://schemas.microsoft.com/office/drawing/2014/main" id="{957DAAC0-F8D2-40CD-B60F-5DBE9A6FD955}"/>
+              </a:ext>
+            </a:extLst>
+          </p:cNvPr>
+          <p:cNvSpPr/>
+          <p:nvPr/>
+        </p:nvSpPr>
+        <p:spPr>
+          <a:xfrm>
+            <a:off x="4382846" y="3471326"/>
+            <a:ext cx="1500597" cy="1109996"/>
+          </a:xfrm>
+          <a:prstGeom prst="rect">
+            <a:avLst/>
+          </a:prstGeom>
+          <a:solidFill>
+            <a:srgbClr val="FFFFFF"/>
+          </a:solidFill>
+          <a:ln>
+            <a:noFill/>
+          </a:ln>
+        </p:spPr>
+        <p:style>
+          <a:lnRef idx="2">
+            <a:schemeClr val="accent1">
+              <a:shade val="50000"/>
+            </a:schemeClr>
+          </a:lnRef>
+          <a:fillRef idx="1">
+            <a:schemeClr val="accent1"/>
+          </a:fillRef>
+          <a:effectRef idx="0">
+            <a:schemeClr val="accent1"/>
+          </a:effectRef>
+          <a:fontRef idx="minor">
+            <a:schemeClr val="lt1"/>
+          </a:fontRef>
+        </p:style>
+        <p:txBody>
+          <a:bodyPr rtlCol="0" anchor="ctr"/>
+          <a:lstStyle/>
+          <a:p>
+            <a:pPr algn="ctr"/>
+            <a:endParaRPr lang="fr-CA"/>
+          </a:p>
+        </p:txBody>
+      </p:sp>
+      <p:cxnSp>
+        <p:nvCxnSpPr>
+          <p:cNvPr id="121" name="Connector: Curved 120">
+            <a:extLst>
+              <a:ext uri="{FF2B5EF4-FFF2-40B4-BE49-F238E27FC236}">
+                <a16:creationId xmlns:a16="http://schemas.microsoft.com/office/drawing/2014/main" id="{7F9B236A-46B9-4CAA-9E1E-846355322AEF}"/>
+              </a:ext>
+            </a:extLst>
+          </p:cNvPr>
+          <p:cNvCxnSpPr>
+            <a:stCxn id="35" idx="0"/>
+            <a:endCxn id="5" idx="2"/>
+          </p:cNvCxnSpPr>
+          <p:nvPr/>
+        </p:nvCxnSpPr>
+        <p:spPr>
+          <a:xfrm rot="16200000" flipV="1">
+            <a:off x="2142072" y="480253"/>
+            <a:ext cx="1958020" cy="4024126"/>
+          </a:xfrm>
+          <a:prstGeom prst="curvedConnector3">
+            <a:avLst>
+              <a:gd name="adj1" fmla="val 67155"/>
+            </a:avLst>
+          </a:prstGeom>
+          <a:ln>
+            <a:tailEnd type="triangle"/>
+          </a:ln>
+        </p:spPr>
+        <p:style>
+          <a:lnRef idx="1">
+            <a:schemeClr val="accent1"/>
+          </a:lnRef>
+          <a:fillRef idx="0">
+            <a:schemeClr val="accent1"/>
+          </a:fillRef>
+          <a:effectRef idx="0">
+            <a:schemeClr val="accent1"/>
+          </a:effectRef>
+          <a:fontRef idx="minor">
+            <a:schemeClr val="tx1"/>
+          </a:fontRef>
+        </p:style>
+      </p:cxnSp>
+      <p:cxnSp>
+        <p:nvCxnSpPr>
+          <p:cNvPr id="124" name="Connector: Curved 123">
+            <a:extLst>
+              <a:ext uri="{FF2B5EF4-FFF2-40B4-BE49-F238E27FC236}">
+                <a16:creationId xmlns:a16="http://schemas.microsoft.com/office/drawing/2014/main" id="{53FE312B-72AD-4E57-A253-2FFF7B5C59D1}"/>
+              </a:ext>
+            </a:extLst>
+          </p:cNvPr>
+          <p:cNvCxnSpPr>
+            <a:stCxn id="35" idx="0"/>
+            <a:endCxn id="44" idx="2"/>
+          </p:cNvCxnSpPr>
+          <p:nvPr/>
+        </p:nvCxnSpPr>
+        <p:spPr>
+          <a:xfrm rot="16200000" flipV="1">
+            <a:off x="2766348" y="1104529"/>
+            <a:ext cx="1953894" cy="2779700"/>
+          </a:xfrm>
+          <a:prstGeom prst="curvedConnector3">
+            <a:avLst>
+              <a:gd name="adj1" fmla="val 73399"/>
+            </a:avLst>
+          </a:prstGeom>
+          <a:ln>
+            <a:tailEnd type="triangle"/>
+          </a:ln>
+        </p:spPr>
+        <p:style>
+          <a:lnRef idx="1">
+            <a:schemeClr val="accent1"/>
+          </a:lnRef>
+          <a:fillRef idx="0">
+            <a:schemeClr val="accent1"/>
+          </a:fillRef>
+          <a:effectRef idx="0">
+            <a:schemeClr val="accent1"/>
+          </a:effectRef>
+          <a:fontRef idx="minor">
+            <a:schemeClr val="tx1"/>
+          </a:fontRef>
+        </p:style>
+      </p:cxnSp>
+      <p:sp>
+        <p:nvSpPr>
+          <p:cNvPr id="126" name="Rectangle 125">
+            <a:extLst>
+              <a:ext uri="{FF2B5EF4-FFF2-40B4-BE49-F238E27FC236}">
+                <a16:creationId xmlns:a16="http://schemas.microsoft.com/office/drawing/2014/main" id="{F86A6991-9E85-4544-9C96-C2C5125B7152}"/>
+              </a:ext>
+            </a:extLst>
+          </p:cNvPr>
+          <p:cNvSpPr/>
+          <p:nvPr/>
+        </p:nvSpPr>
+        <p:spPr>
+          <a:xfrm>
+            <a:off x="270588" y="501109"/>
+            <a:ext cx="3978406" cy="6184917"/>
+          </a:xfrm>
+          <a:prstGeom prst="rect">
+            <a:avLst/>
+          </a:prstGeom>
+          <a:noFill/>
+        </p:spPr>
+        <p:style>
+          <a:lnRef idx="2">
+            <a:schemeClr val="accent1">
+              <a:shade val="50000"/>
+            </a:schemeClr>
+          </a:lnRef>
+          <a:fillRef idx="1">
+            <a:schemeClr val="accent1"/>
+          </a:fillRef>
+          <a:effectRef idx="0">
+            <a:schemeClr val="accent1"/>
+          </a:effectRef>
+          <a:fontRef idx="minor">
+            <a:schemeClr val="lt1"/>
+          </a:fontRef>
+        </p:style>
+        <p:txBody>
+          <a:bodyPr rtlCol="0" anchor="ctr"/>
+          <a:lstStyle/>
+          <a:p>
+            <a:pPr algn="ctr"/>
+            <a:endParaRPr lang="fr-CA"/>
+          </a:p>
+        </p:txBody>
+      </p:sp>
+      <p:sp>
+        <p:nvSpPr>
+          <p:cNvPr id="127" name="TextBox 126">
+            <a:extLst>
+              <a:ext uri="{FF2B5EF4-FFF2-40B4-BE49-F238E27FC236}">
+                <a16:creationId xmlns:a16="http://schemas.microsoft.com/office/drawing/2014/main" id="{A47218F2-E193-4C56-B84B-B091AAEC9625}"/>
+              </a:ext>
+            </a:extLst>
+          </p:cNvPr>
+          <p:cNvSpPr txBox="1"/>
+          <p:nvPr/>
+        </p:nvSpPr>
+        <p:spPr>
+          <a:xfrm>
+            <a:off x="2865889" y="836497"/>
+            <a:ext cx="1343573" cy="369332"/>
+          </a:xfrm>
+          <a:prstGeom prst="rect">
+            <a:avLst/>
+          </a:prstGeom>
+          <a:noFill/>
+        </p:spPr>
+        <p:txBody>
+          <a:bodyPr wrap="none" rtlCol="0">
+            <a:spAutoFit/>
+          </a:bodyPr>
+          <a:lstStyle/>
+          <a:p>
+            <a:r>
+              <a:rPr lang="fr-CA" dirty="0"/>
+              <a:t>Scoreboards</a:t>
+            </a:r>
+          </a:p>
+        </p:txBody>
+      </p:sp>
+      <p:pic>
+        <p:nvPicPr>
+          <p:cNvPr id="154" name="Graphic 153" descr="Laptop">
+            <a:extLst>
+              <a:ext uri="{FF2B5EF4-FFF2-40B4-BE49-F238E27FC236}">
+                <a16:creationId xmlns:a16="http://schemas.microsoft.com/office/drawing/2014/main" id="{1FE590CF-F62A-4093-AFAD-AB65C76745CC}"/>
+              </a:ext>
+            </a:extLst>
+          </p:cNvPr>
+          <p:cNvPicPr>
+            <a:picLocks noChangeAspect="1"/>
+          </p:cNvPicPr>
+          <p:nvPr/>
+        </p:nvPicPr>
+        <p:blipFill>
+          <a:blip r:embed="rId6">
+            <a:extLst>
+              <a:ext uri="{28A0092B-C50C-407E-A947-70E740481C1C}">
+                <a14:useLocalDpi xmlns:a14="http://schemas.microsoft.com/office/drawing/2010/main" val="0"/>
+              </a:ext>
+              <a:ext uri="{96DAC541-7B7A-43D3-8B79-37D633B846F1}">
+                <asvg:svgBlip xmlns:asvg="http://schemas.microsoft.com/office/drawing/2016/SVG/main" r:embed="rId7"/>
+              </a:ext>
+            </a:extLst>
+          </a:blip>
+          <a:stretch>
+            <a:fillRect/>
+          </a:stretch>
+        </p:blipFill>
+        <p:spPr>
+          <a:xfrm>
+            <a:off x="1262975" y="5061201"/>
+            <a:ext cx="914400" cy="914400"/>
+          </a:xfrm>
+          <a:prstGeom prst="rect">
+            <a:avLst/>
+          </a:prstGeom>
+        </p:spPr>
+      </p:pic>
+      <p:cxnSp>
+        <p:nvCxnSpPr>
+          <p:cNvPr id="155" name="Connector: Curved 154">
+            <a:extLst>
+              <a:ext uri="{FF2B5EF4-FFF2-40B4-BE49-F238E27FC236}">
+                <a16:creationId xmlns:a16="http://schemas.microsoft.com/office/drawing/2014/main" id="{7A05CA49-62A3-4359-B5D3-C07959EC419C}"/>
+              </a:ext>
+            </a:extLst>
+          </p:cNvPr>
+          <p:cNvCxnSpPr>
+            <a:cxnSpLocks/>
+            <a:stCxn id="154" idx="3"/>
+          </p:cNvCxnSpPr>
+          <p:nvPr/>
+        </p:nvCxnSpPr>
+        <p:spPr>
+          <a:xfrm flipV="1">
+            <a:off x="2177375" y="4616268"/>
+            <a:ext cx="2977202" cy="902133"/>
+          </a:xfrm>
+          <a:prstGeom prst="curvedConnector2">
+            <a:avLst/>
+          </a:prstGeom>
+          <a:ln>
+            <a:headEnd type="triangle"/>
+            <a:tailEnd type="triangle"/>
+          </a:ln>
+        </p:spPr>
+        <p:style>
+          <a:lnRef idx="1">
+            <a:schemeClr val="accent1"/>
+          </a:lnRef>
+          <a:fillRef idx="0">
+            <a:schemeClr val="accent1"/>
+          </a:fillRef>
+          <a:effectRef idx="0">
+            <a:schemeClr val="accent1"/>
+          </a:effectRef>
+          <a:fontRef idx="minor">
+            <a:schemeClr val="tx1"/>
+          </a:fontRef>
+        </p:style>
+      </p:cxnSp>
+      <p:sp>
+        <p:nvSpPr>
+          <p:cNvPr id="156" name="TextBox 155">
+            <a:extLst>
+              <a:ext uri="{FF2B5EF4-FFF2-40B4-BE49-F238E27FC236}">
+                <a16:creationId xmlns:a16="http://schemas.microsoft.com/office/drawing/2014/main" id="{90927868-087C-4D8A-B1BF-9AB6ABBB1128}"/>
+              </a:ext>
+            </a:extLst>
+          </p:cNvPr>
+          <p:cNvSpPr txBox="1"/>
+          <p:nvPr/>
+        </p:nvSpPr>
+        <p:spPr>
+          <a:xfrm>
+            <a:off x="1257349" y="5790935"/>
+            <a:ext cx="996619" cy="369332"/>
+          </a:xfrm>
+          <a:prstGeom prst="rect">
+            <a:avLst/>
+          </a:prstGeom>
+          <a:noFill/>
+        </p:spPr>
+        <p:txBody>
+          <a:bodyPr wrap="none" rtlCol="0">
+            <a:spAutoFit/>
+          </a:bodyPr>
+          <a:lstStyle/>
+          <a:p>
+            <a:r>
+              <a:rPr lang="fr-CA" dirty="0"/>
+              <a:t>Marshall</a:t>
+            </a:r>
+          </a:p>
+        </p:txBody>
+      </p:sp>
+      <p:sp>
+        <p:nvSpPr>
+          <p:cNvPr id="157" name="TextBox 156">
+            <a:extLst>
+              <a:ext uri="{FF2B5EF4-FFF2-40B4-BE49-F238E27FC236}">
+                <a16:creationId xmlns:a16="http://schemas.microsoft.com/office/drawing/2014/main" id="{328DAE8A-90B8-4485-89BD-50A942871BEA}"/>
+              </a:ext>
+            </a:extLst>
+          </p:cNvPr>
+          <p:cNvSpPr txBox="1"/>
+          <p:nvPr/>
+        </p:nvSpPr>
+        <p:spPr>
+          <a:xfrm>
+            <a:off x="3084560" y="5997408"/>
+            <a:ext cx="1220206" cy="369332"/>
+          </a:xfrm>
+          <a:prstGeom prst="rect">
+            <a:avLst/>
+          </a:prstGeom>
+          <a:noFill/>
+        </p:spPr>
+        <p:txBody>
+          <a:bodyPr wrap="none" rtlCol="0">
+            <a:spAutoFit/>
+          </a:bodyPr>
+          <a:lstStyle/>
+          <a:p>
+            <a:r>
+              <a:rPr lang="fr-CA" dirty="0" err="1"/>
+              <a:t>Announcer</a:t>
+            </a:r>
+            <a:endParaRPr lang="fr-CA" dirty="0"/>
+          </a:p>
+        </p:txBody>
+      </p:sp>
+      <p:pic>
+        <p:nvPicPr>
+          <p:cNvPr id="158" name="Graphic 157" descr="Laptop">
+            <a:extLst>
+              <a:ext uri="{FF2B5EF4-FFF2-40B4-BE49-F238E27FC236}">
+                <a16:creationId xmlns:a16="http://schemas.microsoft.com/office/drawing/2014/main" id="{2D7F9F30-85CD-4DD8-9573-B16DB4E0AE1B}"/>
+              </a:ext>
+            </a:extLst>
+          </p:cNvPr>
+          <p:cNvPicPr>
+            <a:picLocks noChangeAspect="1"/>
+          </p:cNvPicPr>
+          <p:nvPr/>
+        </p:nvPicPr>
+        <p:blipFill>
+          <a:blip r:embed="rId6">
+            <a:extLst>
+              <a:ext uri="{28A0092B-C50C-407E-A947-70E740481C1C}">
+                <a14:useLocalDpi xmlns:a14="http://schemas.microsoft.com/office/drawing/2010/main" val="0"/>
+              </a:ext>
+              <a:ext uri="{96DAC541-7B7A-43D3-8B79-37D633B846F1}">
+                <asvg:svgBlip xmlns:asvg="http://schemas.microsoft.com/office/drawing/2016/SVG/main" r:embed="rId7"/>
+              </a:ext>
+            </a:extLst>
+          </a:blip>
+          <a:stretch>
+            <a:fillRect/>
+          </a:stretch>
+        </p:blipFill>
+        <p:spPr>
+          <a:xfrm>
+            <a:off x="3286094" y="5343835"/>
+            <a:ext cx="914400" cy="914400"/>
+          </a:xfrm>
+          <a:prstGeom prst="rect">
+            <a:avLst/>
+          </a:prstGeom>
+        </p:spPr>
+      </p:pic>
+      <p:cxnSp>
+        <p:nvCxnSpPr>
+          <p:cNvPr id="159" name="Connector: Curved 158">
+            <a:extLst>
+              <a:ext uri="{FF2B5EF4-FFF2-40B4-BE49-F238E27FC236}">
+                <a16:creationId xmlns:a16="http://schemas.microsoft.com/office/drawing/2014/main" id="{B18880F1-F4B2-41E9-A430-E4A62708BD6E}"/>
+              </a:ext>
+            </a:extLst>
+          </p:cNvPr>
+          <p:cNvCxnSpPr>
+            <a:stCxn id="158" idx="3"/>
+          </p:cNvCxnSpPr>
+          <p:nvPr/>
+        </p:nvCxnSpPr>
+        <p:spPr>
+          <a:xfrm flipV="1">
+            <a:off x="4200494" y="4616268"/>
+            <a:ext cx="954083" cy="1184767"/>
+          </a:xfrm>
+          <a:prstGeom prst="curvedConnector2">
+            <a:avLst/>
+          </a:prstGeom>
+          <a:ln>
+            <a:headEnd type="triangle"/>
+            <a:tailEnd type="triangle"/>
+          </a:ln>
+        </p:spPr>
+        <p:style>
+          <a:lnRef idx="1">
+            <a:schemeClr val="accent1"/>
+          </a:lnRef>
+          <a:fillRef idx="0">
+            <a:schemeClr val="accent1"/>
+          </a:fillRef>
+          <a:effectRef idx="0">
+            <a:schemeClr val="accent1"/>
+          </a:effectRef>
+          <a:fontRef idx="minor">
+            <a:schemeClr val="tx1"/>
+          </a:fontRef>
+        </p:style>
+      </p:cxnSp>
+      <p:sp>
+        <p:nvSpPr>
+          <p:cNvPr id="161" name="TextBox 160">
+            <a:extLst>
+              <a:ext uri="{FF2B5EF4-FFF2-40B4-BE49-F238E27FC236}">
+                <a16:creationId xmlns:a16="http://schemas.microsoft.com/office/drawing/2014/main" id="{753F4CA7-1D24-4779-80FB-FEBE1B16FFEB}"/>
+              </a:ext>
+            </a:extLst>
+          </p:cNvPr>
+          <p:cNvSpPr txBox="1"/>
+          <p:nvPr/>
+        </p:nvSpPr>
+        <p:spPr>
+          <a:xfrm>
+            <a:off x="223805" y="438538"/>
+            <a:ext cx="1387239" cy="307777"/>
+          </a:xfrm>
+          <a:prstGeom prst="rect">
+            <a:avLst/>
+          </a:prstGeom>
+          <a:noFill/>
+        </p:spPr>
+        <p:txBody>
+          <a:bodyPr wrap="none" rtlCol="0">
+            <a:spAutoFit/>
+          </a:bodyPr>
+          <a:lstStyle/>
+          <a:p>
+            <a:r>
+              <a:rPr lang="fr-CA" sz="1400" i="1" dirty="0" err="1"/>
+              <a:t>Competition</a:t>
+            </a:r>
+            <a:r>
+              <a:rPr lang="fr-CA" sz="1400" i="1" dirty="0"/>
+              <a:t> Site</a:t>
+            </a:r>
+          </a:p>
+        </p:txBody>
+      </p:sp>
+      <p:pic>
+        <p:nvPicPr>
+          <p:cNvPr id="37" name="Graphic 25" descr="Laptop">
+            <a:extLst>
+              <a:ext uri="{FF2B5EF4-FFF2-40B4-BE49-F238E27FC236}">
+                <a16:creationId xmlns:a16="http://schemas.microsoft.com/office/drawing/2014/main" id="{661D759D-35E1-4C10-89F3-01FA11192350}"/>
+              </a:ext>
+            </a:extLst>
+          </p:cNvPr>
+          <p:cNvPicPr>
+            <a:picLocks noChangeAspect="1" noChangeArrowheads="1"/>
+          </p:cNvPicPr>
+          <p:nvPr/>
+        </p:nvPicPr>
+        <p:blipFill>
+          <a:blip r:embed="rId8">
+            <a:extLst>
+              <a:ext uri="{28A0092B-C50C-407E-A947-70E740481C1C}">
+                <a14:useLocalDpi xmlns:a14="http://schemas.microsoft.com/office/drawing/2010/main" val="0"/>
+              </a:ext>
+            </a:extLst>
+          </a:blip>
+          <a:srcRect/>
+          <a:stretch>
+            <a:fillRect/>
+          </a:stretch>
+        </p:blipFill>
+        <p:spPr bwMode="auto">
+          <a:xfrm>
+            <a:off x="2254250" y="3560763"/>
+            <a:ext cx="914400" cy="914400"/>
+          </a:xfrm>
+          <a:prstGeom prst="rect">
+            <a:avLst/>
+          </a:prstGeom>
+          <a:noFill/>
+          <a:ln>
+            <a:noFill/>
+          </a:ln>
+          <a:extLst>
+            <a:ext uri="{909E8E84-426E-40DD-AFC4-6F175D3DCCD1}">
+              <a14:hiddenFill xmlns:a14="http://schemas.microsoft.com/office/drawing/2010/main">
+                <a:solidFill>
+                  <a:srgbClr val="FFFFFF"/>
+                </a:solidFill>
+              </a14:hiddenFill>
+            </a:ext>
+            <a:ext uri="{91240B29-F687-4F45-9708-019B960494DF}">
+              <a14:hiddenLine xmlns:a14="http://schemas.microsoft.com/office/drawing/2010/main" w="9525">
+                <a:solidFill>
+                  <a:srgbClr val="000000"/>
+                </a:solidFill>
+                <a:miter lim="800000"/>
+                <a:headEnd/>
+                <a:tailEnd/>
+              </a14:hiddenLine>
+            </a:ext>
+          </a:extLst>
+        </p:spPr>
+      </p:pic>
+      <p:cxnSp>
+        <p:nvCxnSpPr>
+          <p:cNvPr id="40" name="Connector: Curved 39">
+            <a:extLst>
+              <a:ext uri="{FF2B5EF4-FFF2-40B4-BE49-F238E27FC236}">
+                <a16:creationId xmlns:a16="http://schemas.microsoft.com/office/drawing/2014/main" id="{01D46336-9B41-4409-809B-3CF1A2027EE3}"/>
+              </a:ext>
+            </a:extLst>
+          </p:cNvPr>
+          <p:cNvCxnSpPr>
+            <a:cxnSpLocks/>
+            <a:stCxn id="37" idx="3"/>
+          </p:cNvCxnSpPr>
+          <p:nvPr/>
+        </p:nvCxnSpPr>
+        <p:spPr>
+          <a:xfrm>
+            <a:off x="3168650" y="4017963"/>
+            <a:ext cx="1507294" cy="71"/>
+          </a:xfrm>
+          <a:prstGeom prst="curvedConnector3">
+            <a:avLst>
+              <a:gd name="adj1" fmla="val 50000"/>
+            </a:avLst>
+          </a:prstGeom>
+          <a:ln>
+            <a:tailEnd type="triangle"/>
+          </a:ln>
+        </p:spPr>
+        <p:style>
+          <a:lnRef idx="1">
+            <a:schemeClr val="accent1"/>
+          </a:lnRef>
+          <a:fillRef idx="0">
+            <a:schemeClr val="accent1"/>
+          </a:fillRef>
+          <a:effectRef idx="0">
+            <a:schemeClr val="accent1"/>
+          </a:effectRef>
+          <a:fontRef idx="minor">
+            <a:schemeClr val="tx1"/>
+          </a:fontRef>
+        </p:style>
+      </p:cxnSp>
+      <p:sp>
+        <p:nvSpPr>
+          <p:cNvPr id="41" name="TextBox 19">
+            <a:extLst>
+              <a:ext uri="{FF2B5EF4-FFF2-40B4-BE49-F238E27FC236}">
+                <a16:creationId xmlns:a16="http://schemas.microsoft.com/office/drawing/2014/main" id="{29CFA0AF-355D-46F9-9B1A-5F925BC7EBE8}"/>
+              </a:ext>
+            </a:extLst>
+          </p:cNvPr>
+          <p:cNvSpPr txBox="1">
+            <a:spLocks noChangeArrowheads="1"/>
+          </p:cNvSpPr>
+          <p:nvPr/>
+        </p:nvSpPr>
+        <p:spPr bwMode="auto">
+          <a:xfrm>
+            <a:off x="1984375" y="4232275"/>
+            <a:ext cx="1495425" cy="646113"/>
+          </a:xfrm>
+          <a:prstGeom prst="rect">
+            <a:avLst/>
+          </a:prstGeom>
+          <a:noFill/>
+          <a:ln>
+            <a:noFill/>
+          </a:ln>
+          <a:extLst>
+            <a:ext uri="{909E8E84-426E-40DD-AFC4-6F175D3DCCD1}">
+              <a14:hiddenFill xmlns:a14="http://schemas.microsoft.com/office/drawing/2010/main">
+                <a:solidFill>
+                  <a:srgbClr val="FFFFFF"/>
+                </a:solidFill>
+              </a14:hiddenFill>
+            </a:ext>
+            <a:ext uri="{91240B29-F687-4F45-9708-019B960494DF}">
+              <a14:hiddenLine xmlns:a14="http://schemas.microsoft.com/office/drawing/2010/main" w="9525">
+                <a:solidFill>
+                  <a:srgbClr val="000000"/>
+                </a:solidFill>
+                <a:miter lim="800000"/>
+                <a:headEnd/>
+                <a:tailEnd/>
+              </a14:hiddenLine>
+            </a:ext>
+          </a:extLst>
+        </p:spPr>
+        <p:txBody>
+          <a:bodyPr wrap="none">
+            <a:spAutoFit/>
+          </a:bodyPr>
+          <a:lstStyle>
+            <a:lvl1pPr>
+              <a:lnSpc>
+                <a:spcPct val="90000"/>
+              </a:lnSpc>
+              <a:spcBef>
+                <a:spcPts val="1000"/>
+              </a:spcBef>
+              <a:buFont typeface="Arial" panose="020B0604020202020204" pitchFamily="34" charset="0"/>
+              <a:buChar char="•"/>
+              <a:defRPr sz="2800">
+                <a:solidFill>
+                  <a:schemeClr val="tx1"/>
+                </a:solidFill>
+                <a:latin typeface="Calibri" panose="020F0502020204030204" pitchFamily="34" charset="0"/>
+              </a:defRPr>
+            </a:lvl1pPr>
+            <a:lvl2pPr marL="742950" indent="-285750">
+              <a:lnSpc>
+                <a:spcPct val="90000"/>
+              </a:lnSpc>
+              <a:spcBef>
+                <a:spcPts val="500"/>
+              </a:spcBef>
+              <a:buFont typeface="Arial" panose="020B0604020202020204" pitchFamily="34" charset="0"/>
+              <a:buChar char="•"/>
+              <a:defRPr sz="2400">
+                <a:solidFill>
+                  <a:schemeClr val="tx1"/>
+                </a:solidFill>
+                <a:latin typeface="Calibri" panose="020F0502020204030204" pitchFamily="34" charset="0"/>
+              </a:defRPr>
+            </a:lvl2pPr>
+            <a:lvl3pPr marL="1143000" indent="-228600">
+              <a:lnSpc>
+                <a:spcPct val="90000"/>
+              </a:lnSpc>
+              <a:spcBef>
+                <a:spcPts val="500"/>
+              </a:spcBef>
+              <a:buFont typeface="Arial" panose="020B0604020202020204" pitchFamily="34" charset="0"/>
+              <a:buChar char="•"/>
+              <a:defRPr sz="2000">
+                <a:solidFill>
+                  <a:schemeClr val="tx1"/>
+                </a:solidFill>
+                <a:latin typeface="Calibri" panose="020F0502020204030204" pitchFamily="34" charset="0"/>
+              </a:defRPr>
+            </a:lvl3pPr>
+            <a:lvl4pPr marL="1600200" indent="-228600">
+              <a:lnSpc>
+                <a:spcPct val="90000"/>
+              </a:lnSpc>
+              <a:spcBef>
+                <a:spcPts val="500"/>
+              </a:spcBef>
+              <a:buFont typeface="Arial" panose="020B0604020202020204" pitchFamily="34" charset="0"/>
+              <a:buChar char="•"/>
+              <a:defRPr>
+                <a:solidFill>
+                  <a:schemeClr val="tx1"/>
+                </a:solidFill>
+                <a:latin typeface="Calibri" panose="020F0502020204030204" pitchFamily="34" charset="0"/>
+              </a:defRPr>
+            </a:lvl4pPr>
+            <a:lvl5pPr marL="2057400" indent="-228600">
+              <a:lnSpc>
+                <a:spcPct val="90000"/>
+              </a:lnSpc>
+              <a:spcBef>
+                <a:spcPts val="500"/>
+              </a:spcBef>
+              <a:buFont typeface="Arial" panose="020B0604020202020204" pitchFamily="34" charset="0"/>
+              <a:buChar char="•"/>
+              <a:defRPr>
+                <a:solidFill>
+                  <a:schemeClr val="tx1"/>
+                </a:solidFill>
+                <a:latin typeface="Calibri" panose="020F0502020204030204" pitchFamily="34" charset="0"/>
+              </a:defRPr>
+            </a:lvl5pPr>
+            <a:lvl6pPr marL="2514600" indent="-228600" eaLnBrk="0" fontAlgn="base" hangingPunct="0">
+              <a:lnSpc>
+                <a:spcPct val="90000"/>
+              </a:lnSpc>
+              <a:spcBef>
+                <a:spcPts val="500"/>
+              </a:spcBef>
+              <a:spcAft>
+                <a:spcPct val="0"/>
+              </a:spcAft>
+              <a:buFont typeface="Arial" panose="020B0604020202020204" pitchFamily="34" charset="0"/>
+              <a:buChar char="•"/>
+              <a:defRPr>
+                <a:solidFill>
+                  <a:schemeClr val="tx1"/>
+                </a:solidFill>
+                <a:latin typeface="Calibri" panose="020F0502020204030204" pitchFamily="34" charset="0"/>
+              </a:defRPr>
+            </a:lvl6pPr>
+            <a:lvl7pPr marL="2971800" indent="-228600" eaLnBrk="0" fontAlgn="base" hangingPunct="0">
+              <a:lnSpc>
+                <a:spcPct val="90000"/>
+              </a:lnSpc>
+              <a:spcBef>
+                <a:spcPts val="500"/>
+              </a:spcBef>
+              <a:spcAft>
+                <a:spcPct val="0"/>
+              </a:spcAft>
+              <a:buFont typeface="Arial" panose="020B0604020202020204" pitchFamily="34" charset="0"/>
+              <a:buChar char="•"/>
+              <a:defRPr>
+                <a:solidFill>
+                  <a:schemeClr val="tx1"/>
+                </a:solidFill>
+                <a:latin typeface="Calibri" panose="020F0502020204030204" pitchFamily="34" charset="0"/>
+              </a:defRPr>
+            </a:lvl7pPr>
+            <a:lvl8pPr marL="3429000" indent="-228600" eaLnBrk="0" fontAlgn="base" hangingPunct="0">
+              <a:lnSpc>
+                <a:spcPct val="90000"/>
+              </a:lnSpc>
+              <a:spcBef>
+                <a:spcPts val="500"/>
+              </a:spcBef>
+              <a:spcAft>
+                <a:spcPct val="0"/>
+              </a:spcAft>
+              <a:buFont typeface="Arial" panose="020B0604020202020204" pitchFamily="34" charset="0"/>
+              <a:buChar char="•"/>
+              <a:defRPr>
+                <a:solidFill>
+                  <a:schemeClr val="tx1"/>
+                </a:solidFill>
+                <a:latin typeface="Calibri" panose="020F0502020204030204" pitchFamily="34" charset="0"/>
+              </a:defRPr>
+            </a:lvl8pPr>
+            <a:lvl9pPr marL="3886200" indent="-228600" eaLnBrk="0" fontAlgn="base" hangingPunct="0">
+              <a:lnSpc>
+                <a:spcPct val="90000"/>
+              </a:lnSpc>
+              <a:spcBef>
+                <a:spcPts val="500"/>
+              </a:spcBef>
+              <a:spcAft>
+                <a:spcPct val="0"/>
+              </a:spcAft>
+              <a:buFont typeface="Arial" panose="020B0604020202020204" pitchFamily="34" charset="0"/>
+              <a:buChar char="•"/>
+              <a:defRPr>
+                <a:solidFill>
+                  <a:schemeClr val="tx1"/>
+                </a:solidFill>
+                <a:latin typeface="Calibri" panose="020F0502020204030204" pitchFamily="34" charset="0"/>
+              </a:defRPr>
+            </a:lvl9pPr>
+          </a:lstStyle>
+          <a:p>
+            <a:pPr algn="ctr" eaLnBrk="1" hangingPunct="1">
+              <a:lnSpc>
+                <a:spcPct val="100000"/>
+              </a:lnSpc>
+              <a:spcBef>
+                <a:spcPct val="0"/>
+              </a:spcBef>
+              <a:buFontTx/>
+              <a:buNone/>
+            </a:pPr>
+            <a:r>
+              <a:rPr lang="fr-CA" altLang="fr-FR" sz="1800"/>
+              <a:t>Athlete-facing</a:t>
+            </a:r>
+            <a:br>
+              <a:rPr lang="fr-CA" altLang="fr-FR" sz="1800"/>
+            </a:br>
+            <a:r>
+              <a:rPr lang="fr-CA" altLang="fr-FR" sz="1800"/>
+              <a:t>display</a:t>
+            </a:r>
+          </a:p>
+        </p:txBody>
+      </p:sp>
+      <p:pic>
+        <p:nvPicPr>
+          <p:cNvPr id="30" name="Graphic 29" descr="Server">
+            <a:extLst>
+              <a:ext uri="{FF2B5EF4-FFF2-40B4-BE49-F238E27FC236}">
+                <a16:creationId xmlns:a16="http://schemas.microsoft.com/office/drawing/2014/main" id="{59EB8111-8FB7-4162-A94A-8FE94785D823}"/>
+              </a:ext>
+            </a:extLst>
+          </p:cNvPr>
+          <p:cNvPicPr>
+            <a:picLocks noChangeAspect="1"/>
+          </p:cNvPicPr>
+          <p:nvPr/>
+        </p:nvPicPr>
+        <p:blipFill>
+          <a:blip r:embed="rId4">
+            <a:extLst>
+              <a:ext uri="{28A0092B-C50C-407E-A947-70E740481C1C}">
+                <a14:useLocalDpi xmlns:a14="http://schemas.microsoft.com/office/drawing/2010/main" val="0"/>
+              </a:ext>
+              <a:ext uri="{96DAC541-7B7A-43D3-8B79-37D633B846F1}">
+                <asvg:svgBlip xmlns:asvg="http://schemas.microsoft.com/office/drawing/2016/SVG/main" r:embed="rId5"/>
+              </a:ext>
+            </a:extLst>
+          </a:blip>
+          <a:stretch>
+            <a:fillRect/>
+          </a:stretch>
+        </p:blipFill>
+        <p:spPr>
+          <a:xfrm>
+            <a:off x="4745508" y="3556334"/>
+            <a:ext cx="914400" cy="914400"/>
+          </a:xfrm>
+          <a:prstGeom prst="rect">
+            <a:avLst/>
+          </a:prstGeom>
+        </p:spPr>
+      </p:pic>
+      <p:sp>
+        <p:nvSpPr>
+          <p:cNvPr id="42" name="Graphic 45" descr="Cloud">
+            <a:extLst>
+              <a:ext uri="{FF2B5EF4-FFF2-40B4-BE49-F238E27FC236}">
+                <a16:creationId xmlns:a16="http://schemas.microsoft.com/office/drawing/2014/main" id="{ED132F19-AA0D-418D-9487-506C5622770A}"/>
+              </a:ext>
+            </a:extLst>
+          </p:cNvPr>
+          <p:cNvSpPr/>
+          <p:nvPr/>
+        </p:nvSpPr>
+        <p:spPr>
+          <a:xfrm>
+            <a:off x="4306576" y="3006725"/>
+            <a:ext cx="2540356" cy="1631633"/>
+          </a:xfrm>
+          <a:custGeom>
+            <a:avLst/>
+            <a:gdLst>
+              <a:gd name="connsiteX0" fmla="*/ 681898 w 4015594"/>
+              <a:gd name="connsiteY0" fmla="*/ 2281741 h 2285550"/>
+              <a:gd name="connsiteX1" fmla="*/ 870545 w 4015594"/>
+              <a:gd name="connsiteY1" fmla="*/ 2285551 h 2285550"/>
+              <a:gd name="connsiteX2" fmla="*/ 3444286 w 4015594"/>
+              <a:gd name="connsiteY2" fmla="*/ 2285551 h 2285550"/>
+              <a:gd name="connsiteX3" fmla="*/ 4015591 w 4015594"/>
+              <a:gd name="connsiteY3" fmla="*/ 1709703 h 2285550"/>
+              <a:gd name="connsiteX4" fmla="*/ 3449048 w 4015594"/>
+              <a:gd name="connsiteY4" fmla="*/ 1138436 h 2285550"/>
+              <a:gd name="connsiteX5" fmla="*/ 3401423 w 4015594"/>
+              <a:gd name="connsiteY5" fmla="*/ 1138436 h 2285550"/>
+              <a:gd name="connsiteX6" fmla="*/ 3101386 w 4015594"/>
+              <a:gd name="connsiteY6" fmla="*/ 557239 h 2285550"/>
+              <a:gd name="connsiteX7" fmla="*/ 2448890 w 4015594"/>
+              <a:gd name="connsiteY7" fmla="*/ 466752 h 2285550"/>
+              <a:gd name="connsiteX8" fmla="*/ 1296117 w 4015594"/>
+              <a:gd name="connsiteY8" fmla="*/ 94148 h 2285550"/>
+              <a:gd name="connsiteX9" fmla="*/ 829559 w 4015594"/>
+              <a:gd name="connsiteY9" fmla="*/ 852610 h 2285550"/>
+              <a:gd name="connsiteX10" fmla="*/ 829559 w 4015594"/>
+              <a:gd name="connsiteY10" fmla="*/ 862135 h 2285550"/>
+              <a:gd name="connsiteX11" fmla="*/ 716535 w 4015594"/>
+              <a:gd name="connsiteY11" fmla="*/ 852929 h 2285550"/>
+              <a:gd name="connsiteX12" fmla="*/ 0 w 4015594"/>
+              <a:gd name="connsiteY12" fmla="*/ 1567799 h 2285550"/>
+              <a:gd name="connsiteX13" fmla="*/ 67507 w 4015594"/>
+              <a:gd name="connsiteY13" fmla="*/ 1872066 h 2285550"/>
+              <a:gd name="connsiteX14" fmla="*/ 681898 w 4015594"/>
+              <a:gd name="connsiteY14" fmla="*/ 2281741 h 2285550"/>
+              <a:gd name="connsiteX15" fmla="*/ 219826 w 4015594"/>
+              <a:gd name="connsiteY15" fmla="*/ 1195710 h 2285550"/>
+              <a:gd name="connsiteX16" fmla="*/ 716507 w 4015594"/>
+              <a:gd name="connsiteY16" fmla="*/ 948169 h 2285550"/>
+              <a:gd name="connsiteX17" fmla="*/ 814138 w 4015594"/>
+              <a:gd name="connsiteY17" fmla="*/ 956118 h 2285550"/>
+              <a:gd name="connsiteX18" fmla="*/ 924776 w 4015594"/>
+              <a:gd name="connsiteY18" fmla="*/ 974215 h 2285550"/>
+              <a:gd name="connsiteX19" fmla="*/ 924776 w 4015594"/>
+              <a:gd name="connsiteY19" fmla="*/ 852591 h 2285550"/>
+              <a:gd name="connsiteX20" fmla="*/ 1690971 w 4015594"/>
+              <a:gd name="connsiteY20" fmla="*/ 95767 h 2285550"/>
+              <a:gd name="connsiteX21" fmla="*/ 2364137 w 4015594"/>
+              <a:gd name="connsiteY21" fmla="*/ 510238 h 2285550"/>
+              <a:gd name="connsiteX22" fmla="*/ 2401960 w 4015594"/>
+              <a:gd name="connsiteY22" fmla="*/ 583909 h 2285550"/>
+              <a:gd name="connsiteX23" fmla="*/ 2480170 w 4015594"/>
+              <a:gd name="connsiteY23" fmla="*/ 556701 h 2285550"/>
+              <a:gd name="connsiteX24" fmla="*/ 3270097 w 4015594"/>
+              <a:gd name="connsiteY24" fmla="*/ 930548 h 2285550"/>
+              <a:gd name="connsiteX25" fmla="*/ 3306169 w 4015594"/>
+              <a:gd name="connsiteY25" fmla="*/ 1138436 h 2285550"/>
+              <a:gd name="connsiteX26" fmla="*/ 3306169 w 4015594"/>
+              <a:gd name="connsiteY26" fmla="*/ 1233686 h 2285550"/>
+              <a:gd name="connsiteX27" fmla="*/ 3449044 w 4015594"/>
+              <a:gd name="connsiteY27" fmla="*/ 1233686 h 2285550"/>
+              <a:gd name="connsiteX28" fmla="*/ 3920293 w 4015594"/>
+              <a:gd name="connsiteY28" fmla="*/ 1719004 h 2285550"/>
+              <a:gd name="connsiteX29" fmla="*/ 3444286 w 4015594"/>
+              <a:gd name="connsiteY29" fmla="*/ 2190301 h 2285550"/>
+              <a:gd name="connsiteX30" fmla="*/ 771947 w 4015594"/>
+              <a:gd name="connsiteY30" fmla="*/ 2190301 h 2285550"/>
+              <a:gd name="connsiteX31" fmla="*/ 687070 w 4015594"/>
+              <a:gd name="connsiteY31" fmla="*/ 2186629 h 2285550"/>
+              <a:gd name="connsiteX32" fmla="*/ 95530 w 4015594"/>
+              <a:gd name="connsiteY32" fmla="*/ 1541782 h 2285550"/>
+              <a:gd name="connsiteX33" fmla="*/ 219811 w 4015594"/>
+              <a:gd name="connsiteY33" fmla="*/ 1195710 h 2285550"/>
+            </a:gdLst>
+            <a:ahLst/>
+            <a:cxnLst>
+              <a:cxn ang="0">
+                <a:pos x="connsiteX0" y="connsiteY0"/>
+              </a:cxn>
+              <a:cxn ang="0">
+                <a:pos x="connsiteX1" y="connsiteY1"/>
+              </a:cxn>
+              <a:cxn ang="0">
+                <a:pos x="connsiteX2" y="connsiteY2"/>
+              </a:cxn>
+              <a:cxn ang="0">
+                <a:pos x="connsiteX3" y="connsiteY3"/>
+              </a:cxn>
+              <a:cxn ang="0">
+                <a:pos x="connsiteX4" y="connsiteY4"/>
+              </a:cxn>
+              <a:cxn ang="0">
+                <a:pos x="connsiteX5" y="connsiteY5"/>
+              </a:cxn>
+              <a:cxn ang="0">
+                <a:pos x="connsiteX6" y="connsiteY6"/>
+              </a:cxn>
+              <a:cxn ang="0">
+                <a:pos x="connsiteX7" y="connsiteY7"/>
+              </a:cxn>
+              <a:cxn ang="0">
+                <a:pos x="connsiteX8" y="connsiteY8"/>
+              </a:cxn>
+              <a:cxn ang="0">
+                <a:pos x="connsiteX9" y="connsiteY9"/>
+              </a:cxn>
+              <a:cxn ang="0">
+                <a:pos x="connsiteX10" y="connsiteY10"/>
+              </a:cxn>
+              <a:cxn ang="0">
+                <a:pos x="connsiteX11" y="connsiteY11"/>
+              </a:cxn>
+              <a:cxn ang="0">
+                <a:pos x="connsiteX12" y="connsiteY12"/>
+              </a:cxn>
+              <a:cxn ang="0">
+                <a:pos x="connsiteX13" y="connsiteY13"/>
+              </a:cxn>
+              <a:cxn ang="0">
+                <a:pos x="connsiteX14" y="connsiteY14"/>
+              </a:cxn>
+              <a:cxn ang="0">
+                <a:pos x="connsiteX15" y="connsiteY15"/>
+              </a:cxn>
+              <a:cxn ang="0">
+                <a:pos x="connsiteX16" y="connsiteY16"/>
+              </a:cxn>
+              <a:cxn ang="0">
+                <a:pos x="connsiteX17" y="connsiteY17"/>
+              </a:cxn>
+              <a:cxn ang="0">
+                <a:pos x="connsiteX18" y="connsiteY18"/>
+              </a:cxn>
+              <a:cxn ang="0">
+                <a:pos x="connsiteX19" y="connsiteY19"/>
+              </a:cxn>
+              <a:cxn ang="0">
+                <a:pos x="connsiteX20" y="connsiteY20"/>
+              </a:cxn>
+              <a:cxn ang="0">
+                <a:pos x="connsiteX21" y="connsiteY21"/>
+              </a:cxn>
+              <a:cxn ang="0">
+                <a:pos x="connsiteX22" y="connsiteY22"/>
+              </a:cxn>
+              <a:cxn ang="0">
+                <a:pos x="connsiteX23" y="connsiteY23"/>
+              </a:cxn>
+              <a:cxn ang="0">
+                <a:pos x="connsiteX24" y="connsiteY24"/>
+              </a:cxn>
+              <a:cxn ang="0">
+                <a:pos x="connsiteX25" y="connsiteY25"/>
+              </a:cxn>
+              <a:cxn ang="0">
+                <a:pos x="connsiteX26" y="connsiteY26"/>
+              </a:cxn>
+              <a:cxn ang="0">
+                <a:pos x="connsiteX27" y="connsiteY27"/>
+              </a:cxn>
+              <a:cxn ang="0">
+                <a:pos x="connsiteX28" y="connsiteY28"/>
+              </a:cxn>
+              <a:cxn ang="0">
+                <a:pos x="connsiteX29" y="connsiteY29"/>
+              </a:cxn>
+              <a:cxn ang="0">
+                <a:pos x="connsiteX30" y="connsiteY30"/>
+              </a:cxn>
+              <a:cxn ang="0">
+                <a:pos x="connsiteX31" y="connsiteY31"/>
+              </a:cxn>
+              <a:cxn ang="0">
+                <a:pos x="connsiteX32" y="connsiteY32"/>
+              </a:cxn>
+              <a:cxn ang="0">
+                <a:pos x="connsiteX33" y="connsiteY33"/>
+              </a:cxn>
+            </a:cxnLst>
+            <a:rect l="l" t="t" r="r" b="b"/>
+            <a:pathLst>
+              <a:path w="4015594" h="2285550">
+                <a:moveTo>
+                  <a:pt x="681898" y="2281741"/>
+                </a:moveTo>
+                <a:cubicBezTo>
+                  <a:pt x="730051" y="2284365"/>
+                  <a:pt x="870545" y="2285551"/>
+                  <a:pt x="870545" y="2285551"/>
+                </a:cubicBezTo>
+                <a:lnTo>
+                  <a:pt x="3444286" y="2285551"/>
+                </a:lnTo>
+                <a:cubicBezTo>
+                  <a:pt x="3761064" y="2284298"/>
+                  <a:pt x="4016848" y="2026480"/>
+                  <a:pt x="4015591" y="1709703"/>
+                </a:cubicBezTo>
+                <a:cubicBezTo>
+                  <a:pt x="4014352" y="1396554"/>
+                  <a:pt x="3762178" y="1142275"/>
+                  <a:pt x="3449048" y="1138436"/>
+                </a:cubicBezTo>
+                <a:lnTo>
+                  <a:pt x="3401423" y="1138436"/>
+                </a:lnTo>
+                <a:cubicBezTo>
+                  <a:pt x="3400980" y="907655"/>
+                  <a:pt x="3289266" y="691256"/>
+                  <a:pt x="3101386" y="557239"/>
+                </a:cubicBezTo>
+                <a:cubicBezTo>
+                  <a:pt x="2911034" y="424056"/>
+                  <a:pt x="2668303" y="390395"/>
+                  <a:pt x="2448890" y="466752"/>
+                </a:cubicBezTo>
+                <a:cubicBezTo>
+                  <a:pt x="2233454" y="45533"/>
+                  <a:pt x="1717337" y="-121288"/>
+                  <a:pt x="1296117" y="94148"/>
+                </a:cubicBezTo>
+                <a:cubicBezTo>
+                  <a:pt x="1011091" y="239928"/>
+                  <a:pt x="831140" y="532470"/>
+                  <a:pt x="829559" y="852610"/>
+                </a:cubicBezTo>
+                <a:lnTo>
+                  <a:pt x="829559" y="862135"/>
+                </a:lnTo>
+                <a:cubicBezTo>
+                  <a:pt x="792192" y="856020"/>
+                  <a:pt x="754397" y="852943"/>
+                  <a:pt x="716535" y="852929"/>
+                </a:cubicBezTo>
+                <a:cubicBezTo>
+                  <a:pt x="321262" y="852472"/>
+                  <a:pt x="460" y="1172531"/>
+                  <a:pt x="0" y="1567799"/>
+                </a:cubicBezTo>
+                <a:cubicBezTo>
+                  <a:pt x="-121" y="1672950"/>
+                  <a:pt x="22927" y="1776835"/>
+                  <a:pt x="67507" y="1872066"/>
+                </a:cubicBezTo>
+                <a:cubicBezTo>
+                  <a:pt x="183202" y="2109633"/>
+                  <a:pt x="418107" y="2266272"/>
+                  <a:pt x="681898" y="2281741"/>
+                </a:cubicBezTo>
+                <a:close/>
+                <a:moveTo>
+                  <a:pt x="219826" y="1195710"/>
+                </a:moveTo>
+                <a:cubicBezTo>
+                  <a:pt x="338650" y="1041376"/>
+                  <a:pt x="521740" y="950122"/>
+                  <a:pt x="716507" y="948169"/>
+                </a:cubicBezTo>
+                <a:cubicBezTo>
+                  <a:pt x="749211" y="948198"/>
+                  <a:pt x="781858" y="950855"/>
+                  <a:pt x="814138" y="956118"/>
+                </a:cubicBezTo>
+                <a:lnTo>
+                  <a:pt x="924776" y="974215"/>
+                </a:lnTo>
+                <a:lnTo>
+                  <a:pt x="924776" y="852591"/>
+                </a:lnTo>
+                <a:cubicBezTo>
+                  <a:pt x="927362" y="432019"/>
+                  <a:pt x="1270400" y="93181"/>
+                  <a:pt x="1690971" y="95767"/>
+                </a:cubicBezTo>
+                <a:cubicBezTo>
+                  <a:pt x="1975112" y="97515"/>
+                  <a:pt x="2234644" y="257311"/>
+                  <a:pt x="2364137" y="510238"/>
+                </a:cubicBezTo>
+                <a:lnTo>
+                  <a:pt x="2401960" y="583909"/>
+                </a:lnTo>
+                <a:lnTo>
+                  <a:pt x="2480170" y="556701"/>
+                </a:lnTo>
+                <a:cubicBezTo>
+                  <a:pt x="2801539" y="441806"/>
+                  <a:pt x="3155197" y="609179"/>
+                  <a:pt x="3270097" y="930548"/>
+                </a:cubicBezTo>
+                <a:cubicBezTo>
+                  <a:pt x="3293948" y="997261"/>
+                  <a:pt x="3306149" y="1067584"/>
+                  <a:pt x="3306169" y="1138436"/>
+                </a:cubicBezTo>
+                <a:lnTo>
+                  <a:pt x="3306169" y="1233686"/>
+                </a:lnTo>
+                <a:lnTo>
+                  <a:pt x="3449044" y="1233686"/>
+                </a:lnTo>
+                <a:cubicBezTo>
+                  <a:pt x="3713191" y="1237572"/>
+                  <a:pt x="3924179" y="1454856"/>
+                  <a:pt x="3920293" y="1719004"/>
+                </a:cubicBezTo>
+                <a:cubicBezTo>
+                  <a:pt x="3916459" y="1979527"/>
+                  <a:pt x="3704833" y="2189062"/>
+                  <a:pt x="3444286" y="2190301"/>
+                </a:cubicBezTo>
+                <a:lnTo>
+                  <a:pt x="771947" y="2190301"/>
+                </a:lnTo>
+                <a:lnTo>
+                  <a:pt x="687070" y="2186629"/>
+                </a:lnTo>
+                <a:cubicBezTo>
+                  <a:pt x="345651" y="2171908"/>
+                  <a:pt x="80810" y="1883200"/>
+                  <a:pt x="95530" y="1541782"/>
+                </a:cubicBezTo>
+                <a:cubicBezTo>
+                  <a:pt x="100932" y="1416495"/>
+                  <a:pt x="144273" y="1295808"/>
+                  <a:pt x="219811" y="1195710"/>
+                </a:cubicBezTo>
+                <a:close/>
+              </a:path>
+            </a:pathLst>
+          </a:custGeom>
+          <a:noFill/>
+          <a:ln w="6350" cap="flat">
+            <a:solidFill>
+              <a:schemeClr val="accent1"/>
+            </a:solidFill>
+            <a:prstDash val="solid"/>
+            <a:miter/>
+          </a:ln>
+        </p:spPr>
+        <p:txBody>
+          <a:bodyPr rtlCol="0" anchor="ctr"/>
+          <a:lstStyle/>
+          <a:p>
+            <a:endParaRPr lang="fr-CA"/>
+          </a:p>
+        </p:txBody>
+      </p:sp>
+      <p:sp>
+        <p:nvSpPr>
+          <p:cNvPr id="45" name="TextBox 44">
+            <a:extLst>
+              <a:ext uri="{FF2B5EF4-FFF2-40B4-BE49-F238E27FC236}">
+                <a16:creationId xmlns:a16="http://schemas.microsoft.com/office/drawing/2014/main" id="{756C023E-323B-46C5-9AFF-85B049CC090D}"/>
+              </a:ext>
+            </a:extLst>
+          </p:cNvPr>
+          <p:cNvSpPr txBox="1"/>
+          <p:nvPr/>
+        </p:nvSpPr>
+        <p:spPr>
+          <a:xfrm>
+            <a:off x="4706826" y="4246936"/>
+            <a:ext cx="895502" cy="369332"/>
+          </a:xfrm>
+          <a:prstGeom prst="rect">
+            <a:avLst/>
+          </a:prstGeom>
+          <a:noFill/>
+        </p:spPr>
+        <p:txBody>
+          <a:bodyPr wrap="none" rtlCol="0">
+            <a:spAutoFit/>
+          </a:bodyPr>
+          <a:lstStyle/>
+          <a:p>
+            <a:r>
+              <a:rPr lang="fr-CA" dirty="0"/>
+              <a:t>owlcms</a:t>
+            </a:r>
+          </a:p>
+        </p:txBody>
+      </p:sp>
+      <p:sp>
+        <p:nvSpPr>
+          <p:cNvPr id="2" name="TextBox 1">
+            <a:extLst>
+              <a:ext uri="{FF2B5EF4-FFF2-40B4-BE49-F238E27FC236}">
+                <a16:creationId xmlns:a16="http://schemas.microsoft.com/office/drawing/2014/main" id="{BB146020-0FB0-498A-B452-29D631A2BAA5}"/>
+              </a:ext>
+            </a:extLst>
+          </p:cNvPr>
+          <p:cNvSpPr txBox="1"/>
+          <p:nvPr/>
+        </p:nvSpPr>
+        <p:spPr>
+          <a:xfrm>
+            <a:off x="5604195" y="3620749"/>
+            <a:ext cx="704873" cy="523220"/>
+          </a:xfrm>
+          <a:prstGeom prst="rect">
+            <a:avLst/>
+          </a:prstGeom>
+          <a:noFill/>
+        </p:spPr>
+        <p:txBody>
+          <a:bodyPr wrap="none" rtlCol="0">
+            <a:spAutoFit/>
+          </a:bodyPr>
+          <a:lstStyle/>
+          <a:p>
+            <a:r>
+              <a:rPr lang="fr-CA" sz="1400" i="1" dirty="0"/>
+              <a:t>Heroku</a:t>
+            </a:r>
+            <a:br>
+              <a:rPr lang="fr-CA" sz="1400" i="1" dirty="0"/>
+            </a:br>
+            <a:r>
+              <a:rPr lang="fr-CA" sz="1400" i="1" dirty="0"/>
+              <a:t>Cloud</a:t>
+            </a:r>
+          </a:p>
+        </p:txBody>
+      </p:sp>
+      <p:pic>
+        <p:nvPicPr>
+          <p:cNvPr id="43" name="Graphic 42" descr="Smart Phone">
+            <a:extLst>
+              <a:ext uri="{FF2B5EF4-FFF2-40B4-BE49-F238E27FC236}">
+                <a16:creationId xmlns:a16="http://schemas.microsoft.com/office/drawing/2014/main" id="{319E2BBE-1EDD-4041-B5DD-61B50FFADDB8}"/>
+              </a:ext>
+            </a:extLst>
+          </p:cNvPr>
+          <p:cNvPicPr>
+            <a:picLocks noChangeAspect="1"/>
+          </p:cNvPicPr>
+          <p:nvPr/>
+        </p:nvPicPr>
+        <p:blipFill>
+          <a:blip r:embed="rId9">
+            <a:extLst>
+              <a:ext uri="{28A0092B-C50C-407E-A947-70E740481C1C}">
+                <a14:useLocalDpi xmlns:a14="http://schemas.microsoft.com/office/drawing/2010/main" val="0"/>
+              </a:ext>
+              <a:ext uri="{96DAC541-7B7A-43D3-8B79-37D633B846F1}">
+                <asvg:svgBlip xmlns:asvg="http://schemas.microsoft.com/office/drawing/2016/SVG/main" r:embed="rId10"/>
+              </a:ext>
+            </a:extLst>
+          </a:blip>
+          <a:stretch>
+            <a:fillRect/>
+          </a:stretch>
+        </p:blipFill>
+        <p:spPr>
+          <a:xfrm>
+            <a:off x="651819" y="2497283"/>
+            <a:ext cx="457200" cy="457200"/>
+          </a:xfrm>
+          <a:prstGeom prst="rect">
+            <a:avLst/>
+          </a:prstGeom>
+        </p:spPr>
+      </p:pic>
+      <p:pic>
+        <p:nvPicPr>
+          <p:cNvPr id="46" name="Graphic 45" descr="Smart Phone">
+            <a:extLst>
+              <a:ext uri="{FF2B5EF4-FFF2-40B4-BE49-F238E27FC236}">
+                <a16:creationId xmlns:a16="http://schemas.microsoft.com/office/drawing/2014/main" id="{B753D965-18C3-4ABA-91A9-C6011F8C0E22}"/>
+              </a:ext>
+            </a:extLst>
+          </p:cNvPr>
+          <p:cNvPicPr>
+            <a:picLocks noChangeAspect="1"/>
+          </p:cNvPicPr>
+          <p:nvPr/>
+        </p:nvPicPr>
+        <p:blipFill>
+          <a:blip r:embed="rId9">
+            <a:extLst>
+              <a:ext uri="{28A0092B-C50C-407E-A947-70E740481C1C}">
+                <a14:useLocalDpi xmlns:a14="http://schemas.microsoft.com/office/drawing/2010/main" val="0"/>
+              </a:ext>
+              <a:ext uri="{96DAC541-7B7A-43D3-8B79-37D633B846F1}">
+                <asvg:svgBlip xmlns:asvg="http://schemas.microsoft.com/office/drawing/2016/SVG/main" r:embed="rId10"/>
+              </a:ext>
+            </a:extLst>
+          </a:blip>
+          <a:stretch>
+            <a:fillRect/>
+          </a:stretch>
+        </p:blipFill>
+        <p:spPr>
+          <a:xfrm>
+            <a:off x="1502632" y="2497283"/>
+            <a:ext cx="457200" cy="457200"/>
+          </a:xfrm>
+          <a:prstGeom prst="rect">
+            <a:avLst/>
+          </a:prstGeom>
+        </p:spPr>
+      </p:pic>
+      <p:pic>
+        <p:nvPicPr>
+          <p:cNvPr id="47" name="Graphic 46" descr="Smart Phone">
+            <a:extLst>
+              <a:ext uri="{FF2B5EF4-FFF2-40B4-BE49-F238E27FC236}">
+                <a16:creationId xmlns:a16="http://schemas.microsoft.com/office/drawing/2014/main" id="{7098CD91-A4DA-4402-A452-B36B0D92673A}"/>
+              </a:ext>
+            </a:extLst>
+          </p:cNvPr>
+          <p:cNvPicPr>
+            <a:picLocks noChangeAspect="1"/>
+          </p:cNvPicPr>
+          <p:nvPr/>
+        </p:nvPicPr>
+        <p:blipFill>
+          <a:blip r:embed="rId9">
+            <a:extLst>
+              <a:ext uri="{28A0092B-C50C-407E-A947-70E740481C1C}">
+                <a14:useLocalDpi xmlns:a14="http://schemas.microsoft.com/office/drawing/2010/main" val="0"/>
+              </a:ext>
+              <a:ext uri="{96DAC541-7B7A-43D3-8B79-37D633B846F1}">
+                <asvg:svgBlip xmlns:asvg="http://schemas.microsoft.com/office/drawing/2016/SVG/main" r:embed="rId10"/>
+              </a:ext>
+            </a:extLst>
+          </a:blip>
+          <a:stretch>
+            <a:fillRect/>
+          </a:stretch>
+        </p:blipFill>
+        <p:spPr>
+          <a:xfrm>
+            <a:off x="2353445" y="2497283"/>
+            <a:ext cx="457200" cy="457200"/>
+          </a:xfrm>
+          <a:prstGeom prst="rect">
+            <a:avLst/>
+          </a:prstGeom>
+        </p:spPr>
+      </p:pic>
+      <p:sp>
+        <p:nvSpPr>
+          <p:cNvPr id="48" name="TextBox 47">
+            <a:extLst>
+              <a:ext uri="{FF2B5EF4-FFF2-40B4-BE49-F238E27FC236}">
+                <a16:creationId xmlns:a16="http://schemas.microsoft.com/office/drawing/2014/main" id="{309B8DF4-CA5A-4AED-B700-F4D63237F2FF}"/>
+              </a:ext>
+            </a:extLst>
+          </p:cNvPr>
+          <p:cNvSpPr txBox="1"/>
+          <p:nvPr/>
+        </p:nvSpPr>
+        <p:spPr>
+          <a:xfrm>
+            <a:off x="2865889" y="2402717"/>
+            <a:ext cx="1444626" cy="646331"/>
+          </a:xfrm>
+          <a:prstGeom prst="rect">
+            <a:avLst/>
+          </a:prstGeom>
+          <a:noFill/>
+        </p:spPr>
+        <p:txBody>
+          <a:bodyPr wrap="none" rtlCol="0">
+            <a:spAutoFit/>
+          </a:bodyPr>
+          <a:lstStyle/>
+          <a:p>
+            <a:r>
+              <a:rPr lang="fr-CA" dirty="0"/>
+              <a:t>Referee</a:t>
+            </a:r>
+            <a:br>
+              <a:rPr lang="fr-CA" dirty="0"/>
+            </a:br>
+            <a:r>
+              <a:rPr lang="fr-CA" dirty="0"/>
+              <a:t>Phone/Tablet</a:t>
+            </a:r>
+          </a:p>
+        </p:txBody>
+      </p:sp>
+      <p:cxnSp>
+        <p:nvCxnSpPr>
+          <p:cNvPr id="49" name="Connector: Curved 48">
+            <a:extLst>
+              <a:ext uri="{FF2B5EF4-FFF2-40B4-BE49-F238E27FC236}">
+                <a16:creationId xmlns:a16="http://schemas.microsoft.com/office/drawing/2014/main" id="{F1D7CC4C-A1DC-4189-B67D-9EEDF2D9541A}"/>
+              </a:ext>
+            </a:extLst>
+          </p:cNvPr>
+          <p:cNvCxnSpPr>
+            <a:cxnSpLocks/>
+            <a:stCxn id="43" idx="2"/>
+          </p:cNvCxnSpPr>
+          <p:nvPr/>
+        </p:nvCxnSpPr>
+        <p:spPr>
+          <a:xfrm rot="16200000" flipH="1">
+            <a:off x="2703606" y="1131295"/>
+            <a:ext cx="606351" cy="4252725"/>
+          </a:xfrm>
+          <a:prstGeom prst="curvedConnector3">
+            <a:avLst>
+              <a:gd name="adj1" fmla="val 50000"/>
+            </a:avLst>
+          </a:prstGeom>
+          <a:ln>
+            <a:headEnd type="triangle"/>
+            <a:tailEnd type="triangle"/>
+          </a:ln>
+        </p:spPr>
+        <p:style>
+          <a:lnRef idx="1">
+            <a:schemeClr val="accent1"/>
+          </a:lnRef>
+          <a:fillRef idx="0">
+            <a:schemeClr val="accent1"/>
+          </a:fillRef>
+          <a:effectRef idx="0">
+            <a:schemeClr val="accent1"/>
+          </a:effectRef>
+          <a:fontRef idx="minor">
+            <a:schemeClr val="tx1"/>
+          </a:fontRef>
+        </p:style>
+      </p:cxnSp>
+      <p:cxnSp>
+        <p:nvCxnSpPr>
+          <p:cNvPr id="50" name="Connector: Curved 49">
+            <a:extLst>
+              <a:ext uri="{FF2B5EF4-FFF2-40B4-BE49-F238E27FC236}">
+                <a16:creationId xmlns:a16="http://schemas.microsoft.com/office/drawing/2014/main" id="{A722E03E-9B36-4342-B211-375E715C7EBD}"/>
+              </a:ext>
+            </a:extLst>
+          </p:cNvPr>
+          <p:cNvCxnSpPr>
+            <a:cxnSpLocks/>
+            <a:stCxn id="46" idx="2"/>
+          </p:cNvCxnSpPr>
+          <p:nvPr/>
+        </p:nvCxnSpPr>
+        <p:spPr>
+          <a:xfrm rot="16200000" flipH="1">
+            <a:off x="3129013" y="1556702"/>
+            <a:ext cx="606351" cy="3401912"/>
+          </a:xfrm>
+          <a:prstGeom prst="curvedConnector3">
+            <a:avLst>
+              <a:gd name="adj1" fmla="val 50000"/>
+            </a:avLst>
+          </a:prstGeom>
+          <a:ln>
+            <a:headEnd type="triangle"/>
+            <a:tailEnd type="triangle"/>
+          </a:ln>
+        </p:spPr>
+        <p:style>
+          <a:lnRef idx="1">
+            <a:schemeClr val="accent1"/>
+          </a:lnRef>
+          <a:fillRef idx="0">
+            <a:schemeClr val="accent1"/>
+          </a:fillRef>
+          <a:effectRef idx="0">
+            <a:schemeClr val="accent1"/>
+          </a:effectRef>
+          <a:fontRef idx="minor">
+            <a:schemeClr val="tx1"/>
+          </a:fontRef>
+        </p:style>
+      </p:cxnSp>
+      <p:cxnSp>
+        <p:nvCxnSpPr>
+          <p:cNvPr id="51" name="Connector: Curved 50">
+            <a:extLst>
+              <a:ext uri="{FF2B5EF4-FFF2-40B4-BE49-F238E27FC236}">
+                <a16:creationId xmlns:a16="http://schemas.microsoft.com/office/drawing/2014/main" id="{7B622ADC-7CBD-485F-AD5C-5F31803D9113}"/>
+              </a:ext>
+            </a:extLst>
+          </p:cNvPr>
+          <p:cNvCxnSpPr>
+            <a:cxnSpLocks/>
+            <a:stCxn id="47" idx="2"/>
+          </p:cNvCxnSpPr>
+          <p:nvPr/>
+        </p:nvCxnSpPr>
+        <p:spPr>
+          <a:xfrm rot="16200000" flipH="1">
+            <a:off x="3554419" y="1982108"/>
+            <a:ext cx="606351" cy="2551099"/>
+          </a:xfrm>
+          <a:prstGeom prst="curvedConnector3">
+            <a:avLst>
+              <a:gd name="adj1" fmla="val 50000"/>
+            </a:avLst>
+          </a:prstGeom>
+          <a:ln>
+            <a:headEnd type="triangle"/>
+            <a:tailEnd type="triangle"/>
+          </a:ln>
+        </p:spPr>
+        <p:style>
+          <a:lnRef idx="1">
+            <a:schemeClr val="accent1"/>
+          </a:lnRef>
+          <a:fillRef idx="0">
+            <a:schemeClr val="accent1"/>
+          </a:fillRef>
+          <a:effectRef idx="0">
+            <a:schemeClr val="accent1"/>
+          </a:effectRef>
+          <a:fontRef idx="minor">
+            <a:schemeClr val="tx1"/>
+          </a:fontRef>
+        </p:style>
+      </p:cxnSp>
+    </p:spTree>
+    <p:extLst>
+      <p:ext uri="{BB962C8B-B14F-4D97-AF65-F5344CB8AC3E}">
+        <p14:creationId xmlns:p14="http://schemas.microsoft.com/office/powerpoint/2010/main" val="1784471900"/>
+      </p:ext>
+    </p:extLst>
+  </p:cSld>
+  <p:clrMapOvr>
+    <a:masterClrMapping/>
+  </p:clrMapOvr>
+</p:sld>
+</file>
+
 <file path=ppt/theme/theme1.xml><?xml version="1.0" encoding="utf-8"?>
 <a:theme xmlns:a="http://schemas.openxmlformats.org/drawingml/2006/main" name="Office Theme">
   <a:themeElements>

--- a/docs/img/PublicResults/CloudExplained.pptx
+++ b/docs/img/PublicResults/CloudExplained.pptx
@@ -14,6 +14,7 @@
     <p:sldId id="264" r:id="rId8"/>
     <p:sldId id="263" r:id="rId9"/>
     <p:sldId id="265" r:id="rId10"/>
+    <p:sldId id="266" r:id="rId11"/>
   </p:sldIdLst>
   <p:sldSz cx="12192000" cy="6858000"/>
   <p:notesSz cx="6858000" cy="9144000"/>
@@ -280,7 +281,7 @@
           <a:p>
             <a:fld id="{DFF2FBC3-E573-4B2D-B1C4-960EEBA08826}" type="datetimeFigureOut">
               <a:rPr lang="fr-CA" smtClean="0"/>
-              <a:t>2020-07-31</a:t>
+              <a:t>2020-08-05</a:t>
             </a:fld>
             <a:endParaRPr lang="fr-CA"/>
           </a:p>
@@ -480,7 +481,7 @@
           <a:p>
             <a:fld id="{DFF2FBC3-E573-4B2D-B1C4-960EEBA08826}" type="datetimeFigureOut">
               <a:rPr lang="fr-CA" smtClean="0"/>
-              <a:t>2020-07-31</a:t>
+              <a:t>2020-08-05</a:t>
             </a:fld>
             <a:endParaRPr lang="fr-CA"/>
           </a:p>
@@ -690,7 +691,7 @@
           <a:p>
             <a:fld id="{DFF2FBC3-E573-4B2D-B1C4-960EEBA08826}" type="datetimeFigureOut">
               <a:rPr lang="fr-CA" smtClean="0"/>
-              <a:t>2020-07-31</a:t>
+              <a:t>2020-08-05</a:t>
             </a:fld>
             <a:endParaRPr lang="fr-CA"/>
           </a:p>
@@ -890,7 +891,7 @@
           <a:p>
             <a:fld id="{DFF2FBC3-E573-4B2D-B1C4-960EEBA08826}" type="datetimeFigureOut">
               <a:rPr lang="fr-CA" smtClean="0"/>
-              <a:t>2020-07-31</a:t>
+              <a:t>2020-08-05</a:t>
             </a:fld>
             <a:endParaRPr lang="fr-CA"/>
           </a:p>
@@ -1166,7 +1167,7 @@
           <a:p>
             <a:fld id="{DFF2FBC3-E573-4B2D-B1C4-960EEBA08826}" type="datetimeFigureOut">
               <a:rPr lang="fr-CA" smtClean="0"/>
-              <a:t>2020-07-31</a:t>
+              <a:t>2020-08-05</a:t>
             </a:fld>
             <a:endParaRPr lang="fr-CA"/>
           </a:p>
@@ -1434,7 +1435,7 @@
           <a:p>
             <a:fld id="{DFF2FBC3-E573-4B2D-B1C4-960EEBA08826}" type="datetimeFigureOut">
               <a:rPr lang="fr-CA" smtClean="0"/>
-              <a:t>2020-07-31</a:t>
+              <a:t>2020-08-05</a:t>
             </a:fld>
             <a:endParaRPr lang="fr-CA"/>
           </a:p>
@@ -1849,7 +1850,7 @@
           <a:p>
             <a:fld id="{DFF2FBC3-E573-4B2D-B1C4-960EEBA08826}" type="datetimeFigureOut">
               <a:rPr lang="fr-CA" smtClean="0"/>
-              <a:t>2020-07-31</a:t>
+              <a:t>2020-08-05</a:t>
             </a:fld>
             <a:endParaRPr lang="fr-CA"/>
           </a:p>
@@ -1991,7 +1992,7 @@
           <a:p>
             <a:fld id="{DFF2FBC3-E573-4B2D-B1C4-960EEBA08826}" type="datetimeFigureOut">
               <a:rPr lang="fr-CA" smtClean="0"/>
-              <a:t>2020-07-31</a:t>
+              <a:t>2020-08-05</a:t>
             </a:fld>
             <a:endParaRPr lang="fr-CA"/>
           </a:p>
@@ -2104,7 +2105,7 @@
           <a:p>
             <a:fld id="{DFF2FBC3-E573-4B2D-B1C4-960EEBA08826}" type="datetimeFigureOut">
               <a:rPr lang="fr-CA" smtClean="0"/>
-              <a:t>2020-07-31</a:t>
+              <a:t>2020-08-05</a:t>
             </a:fld>
             <a:endParaRPr lang="fr-CA"/>
           </a:p>
@@ -2417,7 +2418,7 @@
           <a:p>
             <a:fld id="{DFF2FBC3-E573-4B2D-B1C4-960EEBA08826}" type="datetimeFigureOut">
               <a:rPr lang="fr-CA" smtClean="0"/>
-              <a:t>2020-07-31</a:t>
+              <a:t>2020-08-05</a:t>
             </a:fld>
             <a:endParaRPr lang="fr-CA"/>
           </a:p>
@@ -2706,7 +2707,7 @@
           <a:p>
             <a:fld id="{DFF2FBC3-E573-4B2D-B1C4-960EEBA08826}" type="datetimeFigureOut">
               <a:rPr lang="fr-CA" smtClean="0"/>
-              <a:t>2020-07-31</a:t>
+              <a:t>2020-08-05</a:t>
             </a:fld>
             <a:endParaRPr lang="fr-CA"/>
           </a:p>
@@ -2949,7 +2950,7 @@
           <a:p>
             <a:fld id="{DFF2FBC3-E573-4B2D-B1C4-960EEBA08826}" type="datetimeFigureOut">
               <a:rPr lang="fr-CA" smtClean="0"/>
-              <a:t>2020-07-31</a:t>
+              <a:t>2020-08-05</a:t>
             </a:fld>
             <a:endParaRPr lang="fr-CA"/>
           </a:p>
@@ -4356,6 +4357,1587 @@
 </p:sld>
 </file>
 
+<file path=ppt/slides/slide10.xml><?xml version="1.0" encoding="utf-8"?>
+<p:sld xmlns:a="http://schemas.openxmlformats.org/drawingml/2006/main" xmlns:r="http://schemas.openxmlformats.org/officeDocument/2006/relationships" xmlns:p="http://schemas.openxmlformats.org/presentationml/2006/main">
+  <p:cSld>
+    <p:spTree>
+      <p:nvGrpSpPr>
+        <p:cNvPr id="1" name=""/>
+        <p:cNvGrpSpPr/>
+        <p:nvPr/>
+      </p:nvGrpSpPr>
+      <p:grpSpPr>
+        <a:xfrm>
+          <a:off x="0" y="0"/>
+          <a:ext cx="0" cy="0"/>
+          <a:chOff x="0" y="0"/>
+          <a:chExt cx="0" cy="0"/>
+        </a:xfrm>
+      </p:grpSpPr>
+      <p:pic>
+        <p:nvPicPr>
+          <p:cNvPr id="7" name="Graphic 6" descr="Server">
+            <a:extLst>
+              <a:ext uri="{FF2B5EF4-FFF2-40B4-BE49-F238E27FC236}">
+                <a16:creationId xmlns:a16="http://schemas.microsoft.com/office/drawing/2014/main" id="{7D55334A-D93B-4BAF-8E4F-96CBFF08AB29}"/>
+              </a:ext>
+            </a:extLst>
+          </p:cNvPr>
+          <p:cNvPicPr>
+            <a:picLocks noChangeAspect="1"/>
+          </p:cNvPicPr>
+          <p:nvPr/>
+        </p:nvPicPr>
+        <p:blipFill>
+          <a:blip r:embed="rId2">
+            <a:extLst>
+              <a:ext uri="{28A0092B-C50C-407E-A947-70E740481C1C}">
+                <a14:useLocalDpi xmlns:a14="http://schemas.microsoft.com/office/drawing/2010/main" val="0"/>
+              </a:ext>
+              <a:ext uri="{96DAC541-7B7A-43D3-8B79-37D633B846F1}">
+                <asvg:svgBlip xmlns:asvg="http://schemas.microsoft.com/office/drawing/2016/SVG/main" r:embed="rId3"/>
+              </a:ext>
+            </a:extLst>
+          </a:blip>
+          <a:stretch>
+            <a:fillRect/>
+          </a:stretch>
+        </p:blipFill>
+        <p:spPr>
+          <a:xfrm>
+            <a:off x="7019260" y="3556334"/>
+            <a:ext cx="914400" cy="914400"/>
+          </a:xfrm>
+          <a:prstGeom prst="rect">
+            <a:avLst/>
+          </a:prstGeom>
+        </p:spPr>
+      </p:pic>
+      <p:pic>
+        <p:nvPicPr>
+          <p:cNvPr id="21" name="Graphic 20" descr="Server">
+            <a:extLst>
+              <a:ext uri="{FF2B5EF4-FFF2-40B4-BE49-F238E27FC236}">
+                <a16:creationId xmlns:a16="http://schemas.microsoft.com/office/drawing/2014/main" id="{5177753F-C49E-491E-81CB-B902FC2C3EBE}"/>
+              </a:ext>
+            </a:extLst>
+          </p:cNvPr>
+          <p:cNvPicPr>
+            <a:picLocks noChangeAspect="1"/>
+          </p:cNvPicPr>
+          <p:nvPr/>
+        </p:nvPicPr>
+        <p:blipFill>
+          <a:blip r:embed="rId4">
+            <a:extLst>
+              <a:ext uri="{28A0092B-C50C-407E-A947-70E740481C1C}">
+                <a14:useLocalDpi xmlns:a14="http://schemas.microsoft.com/office/drawing/2010/main" val="0"/>
+              </a:ext>
+              <a:ext uri="{96DAC541-7B7A-43D3-8B79-37D633B846F1}">
+                <asvg:svgBlip xmlns:asvg="http://schemas.microsoft.com/office/drawing/2016/SVG/main" r:embed="rId5"/>
+              </a:ext>
+            </a:extLst>
+          </a:blip>
+          <a:stretch>
+            <a:fillRect/>
+          </a:stretch>
+        </p:blipFill>
+        <p:spPr>
+          <a:xfrm>
+            <a:off x="4745508" y="3556334"/>
+            <a:ext cx="914400" cy="914400"/>
+          </a:xfrm>
+          <a:prstGeom prst="rect">
+            <a:avLst/>
+          </a:prstGeom>
+        </p:spPr>
+      </p:pic>
+      <p:pic>
+        <p:nvPicPr>
+          <p:cNvPr id="37" name="Graphic 36" descr="Laptop">
+            <a:extLst>
+              <a:ext uri="{FF2B5EF4-FFF2-40B4-BE49-F238E27FC236}">
+                <a16:creationId xmlns:a16="http://schemas.microsoft.com/office/drawing/2014/main" id="{B4B10AC0-DA4E-417B-BE77-4DC952874F41}"/>
+              </a:ext>
+            </a:extLst>
+          </p:cNvPr>
+          <p:cNvPicPr>
+            <a:picLocks noChangeAspect="1"/>
+          </p:cNvPicPr>
+          <p:nvPr/>
+        </p:nvPicPr>
+        <p:blipFill>
+          <a:blip r:embed="rId6">
+            <a:extLst>
+              <a:ext uri="{28A0092B-C50C-407E-A947-70E740481C1C}">
+                <a14:useLocalDpi xmlns:a14="http://schemas.microsoft.com/office/drawing/2010/main" val="0"/>
+              </a:ext>
+              <a:ext uri="{96DAC541-7B7A-43D3-8B79-37D633B846F1}">
+                <asvg:svgBlip xmlns:asvg="http://schemas.microsoft.com/office/drawing/2016/SVG/main" r:embed="rId7"/>
+              </a:ext>
+            </a:extLst>
+          </a:blip>
+          <a:stretch>
+            <a:fillRect/>
+          </a:stretch>
+        </p:blipFill>
+        <p:spPr>
+          <a:xfrm>
+            <a:off x="7159690" y="1035372"/>
+            <a:ext cx="914400" cy="914400"/>
+          </a:xfrm>
+          <a:prstGeom prst="rect">
+            <a:avLst/>
+          </a:prstGeom>
+        </p:spPr>
+      </p:pic>
+      <p:pic>
+        <p:nvPicPr>
+          <p:cNvPr id="39" name="Graphic 38" descr="Laptop">
+            <a:extLst>
+              <a:ext uri="{FF2B5EF4-FFF2-40B4-BE49-F238E27FC236}">
+                <a16:creationId xmlns:a16="http://schemas.microsoft.com/office/drawing/2014/main" id="{75167A89-7233-4EE0-8883-B4FD6C2C8082}"/>
+              </a:ext>
+            </a:extLst>
+          </p:cNvPr>
+          <p:cNvPicPr>
+            <a:picLocks noChangeAspect="1"/>
+          </p:cNvPicPr>
+          <p:nvPr/>
+        </p:nvPicPr>
+        <p:blipFill>
+          <a:blip r:embed="rId6">
+            <a:extLst>
+              <a:ext uri="{28A0092B-C50C-407E-A947-70E740481C1C}">
+                <a14:useLocalDpi xmlns:a14="http://schemas.microsoft.com/office/drawing/2010/main" val="0"/>
+              </a:ext>
+              <a:ext uri="{96DAC541-7B7A-43D3-8B79-37D633B846F1}">
+                <asvg:svgBlip xmlns:asvg="http://schemas.microsoft.com/office/drawing/2016/SVG/main" r:embed="rId7"/>
+              </a:ext>
+            </a:extLst>
+          </a:blip>
+          <a:stretch>
+            <a:fillRect/>
+          </a:stretch>
+        </p:blipFill>
+        <p:spPr>
+          <a:xfrm>
+            <a:off x="8777687" y="1056106"/>
+            <a:ext cx="914400" cy="914400"/>
+          </a:xfrm>
+          <a:prstGeom prst="rect">
+            <a:avLst/>
+          </a:prstGeom>
+        </p:spPr>
+      </p:pic>
+      <p:pic>
+        <p:nvPicPr>
+          <p:cNvPr id="40" name="Graphic 39" descr="Laptop">
+            <a:extLst>
+              <a:ext uri="{FF2B5EF4-FFF2-40B4-BE49-F238E27FC236}">
+                <a16:creationId xmlns:a16="http://schemas.microsoft.com/office/drawing/2014/main" id="{2959F963-E321-4DE6-9007-5B95094ED668}"/>
+              </a:ext>
+            </a:extLst>
+          </p:cNvPr>
+          <p:cNvPicPr>
+            <a:picLocks noChangeAspect="1"/>
+          </p:cNvPicPr>
+          <p:nvPr/>
+        </p:nvPicPr>
+        <p:blipFill>
+          <a:blip r:embed="rId6">
+            <a:extLst>
+              <a:ext uri="{28A0092B-C50C-407E-A947-70E740481C1C}">
+                <a14:useLocalDpi xmlns:a14="http://schemas.microsoft.com/office/drawing/2010/main" val="0"/>
+              </a:ext>
+              <a:ext uri="{96DAC541-7B7A-43D3-8B79-37D633B846F1}">
+                <asvg:svgBlip xmlns:asvg="http://schemas.microsoft.com/office/drawing/2016/SVG/main" r:embed="rId7"/>
+              </a:ext>
+            </a:extLst>
+          </a:blip>
+          <a:stretch>
+            <a:fillRect/>
+          </a:stretch>
+        </p:blipFill>
+        <p:spPr>
+          <a:xfrm>
+            <a:off x="10395685" y="1035372"/>
+            <a:ext cx="914400" cy="914400"/>
+          </a:xfrm>
+          <a:prstGeom prst="rect">
+            <a:avLst/>
+          </a:prstGeom>
+        </p:spPr>
+      </p:pic>
+      <p:pic>
+        <p:nvPicPr>
+          <p:cNvPr id="42" name="Graphic 41" descr="Laptop">
+            <a:extLst>
+              <a:ext uri="{FF2B5EF4-FFF2-40B4-BE49-F238E27FC236}">
+                <a16:creationId xmlns:a16="http://schemas.microsoft.com/office/drawing/2014/main" id="{30258E07-778B-4C23-82CB-8374A76FC366}"/>
+              </a:ext>
+            </a:extLst>
+          </p:cNvPr>
+          <p:cNvPicPr>
+            <a:picLocks noChangeAspect="1"/>
+          </p:cNvPicPr>
+          <p:nvPr/>
+        </p:nvPicPr>
+        <p:blipFill>
+          <a:blip r:embed="rId8">
+            <a:extLst>
+              <a:ext uri="{28A0092B-C50C-407E-A947-70E740481C1C}">
+                <a14:useLocalDpi xmlns:a14="http://schemas.microsoft.com/office/drawing/2010/main" val="0"/>
+              </a:ext>
+              <a:ext uri="{96DAC541-7B7A-43D3-8B79-37D633B846F1}">
+                <asvg:svgBlip xmlns:asvg="http://schemas.microsoft.com/office/drawing/2016/SVG/main" r:embed="rId9"/>
+              </a:ext>
+            </a:extLst>
+          </a:blip>
+          <a:stretch>
+            <a:fillRect/>
+          </a:stretch>
+        </p:blipFill>
+        <p:spPr>
+          <a:xfrm>
+            <a:off x="1262975" y="5061201"/>
+            <a:ext cx="914400" cy="914400"/>
+          </a:xfrm>
+          <a:prstGeom prst="rect">
+            <a:avLst/>
+          </a:prstGeom>
+        </p:spPr>
+      </p:pic>
+      <p:sp>
+        <p:nvSpPr>
+          <p:cNvPr id="47" name="Graphic 45" descr="Cloud">
+            <a:extLst>
+              <a:ext uri="{FF2B5EF4-FFF2-40B4-BE49-F238E27FC236}">
+                <a16:creationId xmlns:a16="http://schemas.microsoft.com/office/drawing/2014/main" id="{2C50AF59-EF21-455C-ADD4-67B324FF4541}"/>
+              </a:ext>
+            </a:extLst>
+          </p:cNvPr>
+          <p:cNvSpPr/>
+          <p:nvPr/>
+        </p:nvSpPr>
+        <p:spPr>
+          <a:xfrm>
+            <a:off x="4306574" y="1725836"/>
+            <a:ext cx="5415353" cy="3082249"/>
+          </a:xfrm>
+          <a:custGeom>
+            <a:avLst/>
+            <a:gdLst>
+              <a:gd name="connsiteX0" fmla="*/ 681898 w 4015594"/>
+              <a:gd name="connsiteY0" fmla="*/ 2281741 h 2285550"/>
+              <a:gd name="connsiteX1" fmla="*/ 870545 w 4015594"/>
+              <a:gd name="connsiteY1" fmla="*/ 2285551 h 2285550"/>
+              <a:gd name="connsiteX2" fmla="*/ 3444286 w 4015594"/>
+              <a:gd name="connsiteY2" fmla="*/ 2285551 h 2285550"/>
+              <a:gd name="connsiteX3" fmla="*/ 4015591 w 4015594"/>
+              <a:gd name="connsiteY3" fmla="*/ 1709703 h 2285550"/>
+              <a:gd name="connsiteX4" fmla="*/ 3449048 w 4015594"/>
+              <a:gd name="connsiteY4" fmla="*/ 1138436 h 2285550"/>
+              <a:gd name="connsiteX5" fmla="*/ 3401423 w 4015594"/>
+              <a:gd name="connsiteY5" fmla="*/ 1138436 h 2285550"/>
+              <a:gd name="connsiteX6" fmla="*/ 3101386 w 4015594"/>
+              <a:gd name="connsiteY6" fmla="*/ 557239 h 2285550"/>
+              <a:gd name="connsiteX7" fmla="*/ 2448890 w 4015594"/>
+              <a:gd name="connsiteY7" fmla="*/ 466752 h 2285550"/>
+              <a:gd name="connsiteX8" fmla="*/ 1296117 w 4015594"/>
+              <a:gd name="connsiteY8" fmla="*/ 94148 h 2285550"/>
+              <a:gd name="connsiteX9" fmla="*/ 829559 w 4015594"/>
+              <a:gd name="connsiteY9" fmla="*/ 852610 h 2285550"/>
+              <a:gd name="connsiteX10" fmla="*/ 829559 w 4015594"/>
+              <a:gd name="connsiteY10" fmla="*/ 862135 h 2285550"/>
+              <a:gd name="connsiteX11" fmla="*/ 716535 w 4015594"/>
+              <a:gd name="connsiteY11" fmla="*/ 852929 h 2285550"/>
+              <a:gd name="connsiteX12" fmla="*/ 0 w 4015594"/>
+              <a:gd name="connsiteY12" fmla="*/ 1567799 h 2285550"/>
+              <a:gd name="connsiteX13" fmla="*/ 67507 w 4015594"/>
+              <a:gd name="connsiteY13" fmla="*/ 1872066 h 2285550"/>
+              <a:gd name="connsiteX14" fmla="*/ 681898 w 4015594"/>
+              <a:gd name="connsiteY14" fmla="*/ 2281741 h 2285550"/>
+              <a:gd name="connsiteX15" fmla="*/ 219826 w 4015594"/>
+              <a:gd name="connsiteY15" fmla="*/ 1195710 h 2285550"/>
+              <a:gd name="connsiteX16" fmla="*/ 716507 w 4015594"/>
+              <a:gd name="connsiteY16" fmla="*/ 948169 h 2285550"/>
+              <a:gd name="connsiteX17" fmla="*/ 814138 w 4015594"/>
+              <a:gd name="connsiteY17" fmla="*/ 956118 h 2285550"/>
+              <a:gd name="connsiteX18" fmla="*/ 924776 w 4015594"/>
+              <a:gd name="connsiteY18" fmla="*/ 974215 h 2285550"/>
+              <a:gd name="connsiteX19" fmla="*/ 924776 w 4015594"/>
+              <a:gd name="connsiteY19" fmla="*/ 852591 h 2285550"/>
+              <a:gd name="connsiteX20" fmla="*/ 1690971 w 4015594"/>
+              <a:gd name="connsiteY20" fmla="*/ 95767 h 2285550"/>
+              <a:gd name="connsiteX21" fmla="*/ 2364137 w 4015594"/>
+              <a:gd name="connsiteY21" fmla="*/ 510238 h 2285550"/>
+              <a:gd name="connsiteX22" fmla="*/ 2401960 w 4015594"/>
+              <a:gd name="connsiteY22" fmla="*/ 583909 h 2285550"/>
+              <a:gd name="connsiteX23" fmla="*/ 2480170 w 4015594"/>
+              <a:gd name="connsiteY23" fmla="*/ 556701 h 2285550"/>
+              <a:gd name="connsiteX24" fmla="*/ 3270097 w 4015594"/>
+              <a:gd name="connsiteY24" fmla="*/ 930548 h 2285550"/>
+              <a:gd name="connsiteX25" fmla="*/ 3306169 w 4015594"/>
+              <a:gd name="connsiteY25" fmla="*/ 1138436 h 2285550"/>
+              <a:gd name="connsiteX26" fmla="*/ 3306169 w 4015594"/>
+              <a:gd name="connsiteY26" fmla="*/ 1233686 h 2285550"/>
+              <a:gd name="connsiteX27" fmla="*/ 3449044 w 4015594"/>
+              <a:gd name="connsiteY27" fmla="*/ 1233686 h 2285550"/>
+              <a:gd name="connsiteX28" fmla="*/ 3920293 w 4015594"/>
+              <a:gd name="connsiteY28" fmla="*/ 1719004 h 2285550"/>
+              <a:gd name="connsiteX29" fmla="*/ 3444286 w 4015594"/>
+              <a:gd name="connsiteY29" fmla="*/ 2190301 h 2285550"/>
+              <a:gd name="connsiteX30" fmla="*/ 771947 w 4015594"/>
+              <a:gd name="connsiteY30" fmla="*/ 2190301 h 2285550"/>
+              <a:gd name="connsiteX31" fmla="*/ 687070 w 4015594"/>
+              <a:gd name="connsiteY31" fmla="*/ 2186629 h 2285550"/>
+              <a:gd name="connsiteX32" fmla="*/ 95530 w 4015594"/>
+              <a:gd name="connsiteY32" fmla="*/ 1541782 h 2285550"/>
+              <a:gd name="connsiteX33" fmla="*/ 219811 w 4015594"/>
+              <a:gd name="connsiteY33" fmla="*/ 1195710 h 2285550"/>
+            </a:gdLst>
+            <a:ahLst/>
+            <a:cxnLst>
+              <a:cxn ang="0">
+                <a:pos x="connsiteX0" y="connsiteY0"/>
+              </a:cxn>
+              <a:cxn ang="0">
+                <a:pos x="connsiteX1" y="connsiteY1"/>
+              </a:cxn>
+              <a:cxn ang="0">
+                <a:pos x="connsiteX2" y="connsiteY2"/>
+              </a:cxn>
+              <a:cxn ang="0">
+                <a:pos x="connsiteX3" y="connsiteY3"/>
+              </a:cxn>
+              <a:cxn ang="0">
+                <a:pos x="connsiteX4" y="connsiteY4"/>
+              </a:cxn>
+              <a:cxn ang="0">
+                <a:pos x="connsiteX5" y="connsiteY5"/>
+              </a:cxn>
+              <a:cxn ang="0">
+                <a:pos x="connsiteX6" y="connsiteY6"/>
+              </a:cxn>
+              <a:cxn ang="0">
+                <a:pos x="connsiteX7" y="connsiteY7"/>
+              </a:cxn>
+              <a:cxn ang="0">
+                <a:pos x="connsiteX8" y="connsiteY8"/>
+              </a:cxn>
+              <a:cxn ang="0">
+                <a:pos x="connsiteX9" y="connsiteY9"/>
+              </a:cxn>
+              <a:cxn ang="0">
+                <a:pos x="connsiteX10" y="connsiteY10"/>
+              </a:cxn>
+              <a:cxn ang="0">
+                <a:pos x="connsiteX11" y="connsiteY11"/>
+              </a:cxn>
+              <a:cxn ang="0">
+                <a:pos x="connsiteX12" y="connsiteY12"/>
+              </a:cxn>
+              <a:cxn ang="0">
+                <a:pos x="connsiteX13" y="connsiteY13"/>
+              </a:cxn>
+              <a:cxn ang="0">
+                <a:pos x="connsiteX14" y="connsiteY14"/>
+              </a:cxn>
+              <a:cxn ang="0">
+                <a:pos x="connsiteX15" y="connsiteY15"/>
+              </a:cxn>
+              <a:cxn ang="0">
+                <a:pos x="connsiteX16" y="connsiteY16"/>
+              </a:cxn>
+              <a:cxn ang="0">
+                <a:pos x="connsiteX17" y="connsiteY17"/>
+              </a:cxn>
+              <a:cxn ang="0">
+                <a:pos x="connsiteX18" y="connsiteY18"/>
+              </a:cxn>
+              <a:cxn ang="0">
+                <a:pos x="connsiteX19" y="connsiteY19"/>
+              </a:cxn>
+              <a:cxn ang="0">
+                <a:pos x="connsiteX20" y="connsiteY20"/>
+              </a:cxn>
+              <a:cxn ang="0">
+                <a:pos x="connsiteX21" y="connsiteY21"/>
+              </a:cxn>
+              <a:cxn ang="0">
+                <a:pos x="connsiteX22" y="connsiteY22"/>
+              </a:cxn>
+              <a:cxn ang="0">
+                <a:pos x="connsiteX23" y="connsiteY23"/>
+              </a:cxn>
+              <a:cxn ang="0">
+                <a:pos x="connsiteX24" y="connsiteY24"/>
+              </a:cxn>
+              <a:cxn ang="0">
+                <a:pos x="connsiteX25" y="connsiteY25"/>
+              </a:cxn>
+              <a:cxn ang="0">
+                <a:pos x="connsiteX26" y="connsiteY26"/>
+              </a:cxn>
+              <a:cxn ang="0">
+                <a:pos x="connsiteX27" y="connsiteY27"/>
+              </a:cxn>
+              <a:cxn ang="0">
+                <a:pos x="connsiteX28" y="connsiteY28"/>
+              </a:cxn>
+              <a:cxn ang="0">
+                <a:pos x="connsiteX29" y="connsiteY29"/>
+              </a:cxn>
+              <a:cxn ang="0">
+                <a:pos x="connsiteX30" y="connsiteY30"/>
+              </a:cxn>
+              <a:cxn ang="0">
+                <a:pos x="connsiteX31" y="connsiteY31"/>
+              </a:cxn>
+              <a:cxn ang="0">
+                <a:pos x="connsiteX32" y="connsiteY32"/>
+              </a:cxn>
+              <a:cxn ang="0">
+                <a:pos x="connsiteX33" y="connsiteY33"/>
+              </a:cxn>
+            </a:cxnLst>
+            <a:rect l="l" t="t" r="r" b="b"/>
+            <a:pathLst>
+              <a:path w="4015594" h="2285550">
+                <a:moveTo>
+                  <a:pt x="681898" y="2281741"/>
+                </a:moveTo>
+                <a:cubicBezTo>
+                  <a:pt x="730051" y="2284365"/>
+                  <a:pt x="870545" y="2285551"/>
+                  <a:pt x="870545" y="2285551"/>
+                </a:cubicBezTo>
+                <a:lnTo>
+                  <a:pt x="3444286" y="2285551"/>
+                </a:lnTo>
+                <a:cubicBezTo>
+                  <a:pt x="3761064" y="2284298"/>
+                  <a:pt x="4016848" y="2026480"/>
+                  <a:pt x="4015591" y="1709703"/>
+                </a:cubicBezTo>
+                <a:cubicBezTo>
+                  <a:pt x="4014352" y="1396554"/>
+                  <a:pt x="3762178" y="1142275"/>
+                  <a:pt x="3449048" y="1138436"/>
+                </a:cubicBezTo>
+                <a:lnTo>
+                  <a:pt x="3401423" y="1138436"/>
+                </a:lnTo>
+                <a:cubicBezTo>
+                  <a:pt x="3400980" y="907655"/>
+                  <a:pt x="3289266" y="691256"/>
+                  <a:pt x="3101386" y="557239"/>
+                </a:cubicBezTo>
+                <a:cubicBezTo>
+                  <a:pt x="2911034" y="424056"/>
+                  <a:pt x="2668303" y="390395"/>
+                  <a:pt x="2448890" y="466752"/>
+                </a:cubicBezTo>
+                <a:cubicBezTo>
+                  <a:pt x="2233454" y="45533"/>
+                  <a:pt x="1717337" y="-121288"/>
+                  <a:pt x="1296117" y="94148"/>
+                </a:cubicBezTo>
+                <a:cubicBezTo>
+                  <a:pt x="1011091" y="239928"/>
+                  <a:pt x="831140" y="532470"/>
+                  <a:pt x="829559" y="852610"/>
+                </a:cubicBezTo>
+                <a:lnTo>
+                  <a:pt x="829559" y="862135"/>
+                </a:lnTo>
+                <a:cubicBezTo>
+                  <a:pt x="792192" y="856020"/>
+                  <a:pt x="754397" y="852943"/>
+                  <a:pt x="716535" y="852929"/>
+                </a:cubicBezTo>
+                <a:cubicBezTo>
+                  <a:pt x="321262" y="852472"/>
+                  <a:pt x="460" y="1172531"/>
+                  <a:pt x="0" y="1567799"/>
+                </a:cubicBezTo>
+                <a:cubicBezTo>
+                  <a:pt x="-121" y="1672950"/>
+                  <a:pt x="22927" y="1776835"/>
+                  <a:pt x="67507" y="1872066"/>
+                </a:cubicBezTo>
+                <a:cubicBezTo>
+                  <a:pt x="183202" y="2109633"/>
+                  <a:pt x="418107" y="2266272"/>
+                  <a:pt x="681898" y="2281741"/>
+                </a:cubicBezTo>
+                <a:close/>
+                <a:moveTo>
+                  <a:pt x="219826" y="1195710"/>
+                </a:moveTo>
+                <a:cubicBezTo>
+                  <a:pt x="338650" y="1041376"/>
+                  <a:pt x="521740" y="950122"/>
+                  <a:pt x="716507" y="948169"/>
+                </a:cubicBezTo>
+                <a:cubicBezTo>
+                  <a:pt x="749211" y="948198"/>
+                  <a:pt x="781858" y="950855"/>
+                  <a:pt x="814138" y="956118"/>
+                </a:cubicBezTo>
+                <a:lnTo>
+                  <a:pt x="924776" y="974215"/>
+                </a:lnTo>
+                <a:lnTo>
+                  <a:pt x="924776" y="852591"/>
+                </a:lnTo>
+                <a:cubicBezTo>
+                  <a:pt x="927362" y="432019"/>
+                  <a:pt x="1270400" y="93181"/>
+                  <a:pt x="1690971" y="95767"/>
+                </a:cubicBezTo>
+                <a:cubicBezTo>
+                  <a:pt x="1975112" y="97515"/>
+                  <a:pt x="2234644" y="257311"/>
+                  <a:pt x="2364137" y="510238"/>
+                </a:cubicBezTo>
+                <a:lnTo>
+                  <a:pt x="2401960" y="583909"/>
+                </a:lnTo>
+                <a:lnTo>
+                  <a:pt x="2480170" y="556701"/>
+                </a:lnTo>
+                <a:cubicBezTo>
+                  <a:pt x="2801539" y="441806"/>
+                  <a:pt x="3155197" y="609179"/>
+                  <a:pt x="3270097" y="930548"/>
+                </a:cubicBezTo>
+                <a:cubicBezTo>
+                  <a:pt x="3293948" y="997261"/>
+                  <a:pt x="3306149" y="1067584"/>
+                  <a:pt x="3306169" y="1138436"/>
+                </a:cubicBezTo>
+                <a:lnTo>
+                  <a:pt x="3306169" y="1233686"/>
+                </a:lnTo>
+                <a:lnTo>
+                  <a:pt x="3449044" y="1233686"/>
+                </a:lnTo>
+                <a:cubicBezTo>
+                  <a:pt x="3713191" y="1237572"/>
+                  <a:pt x="3924179" y="1454856"/>
+                  <a:pt x="3920293" y="1719004"/>
+                </a:cubicBezTo>
+                <a:cubicBezTo>
+                  <a:pt x="3916459" y="1979527"/>
+                  <a:pt x="3704833" y="2189062"/>
+                  <a:pt x="3444286" y="2190301"/>
+                </a:cubicBezTo>
+                <a:lnTo>
+                  <a:pt x="771947" y="2190301"/>
+                </a:lnTo>
+                <a:lnTo>
+                  <a:pt x="687070" y="2186629"/>
+                </a:lnTo>
+                <a:cubicBezTo>
+                  <a:pt x="345651" y="2171908"/>
+                  <a:pt x="80810" y="1883200"/>
+                  <a:pt x="95530" y="1541782"/>
+                </a:cubicBezTo>
+                <a:cubicBezTo>
+                  <a:pt x="100932" y="1416495"/>
+                  <a:pt x="144273" y="1295808"/>
+                  <a:pt x="219811" y="1195710"/>
+                </a:cubicBezTo>
+                <a:close/>
+              </a:path>
+            </a:pathLst>
+          </a:custGeom>
+          <a:noFill/>
+          <a:ln w="6350" cap="flat">
+            <a:solidFill>
+              <a:schemeClr val="accent1"/>
+            </a:solidFill>
+            <a:prstDash val="solid"/>
+            <a:miter/>
+          </a:ln>
+        </p:spPr>
+        <p:txBody>
+          <a:bodyPr rtlCol="0" anchor="ctr"/>
+          <a:lstStyle/>
+          <a:p>
+            <a:endParaRPr lang="fr-CA"/>
+          </a:p>
+        </p:txBody>
+      </p:sp>
+      <p:cxnSp>
+        <p:nvCxnSpPr>
+          <p:cNvPr id="67" name="Connector: Curved 66">
+            <a:extLst>
+              <a:ext uri="{FF2B5EF4-FFF2-40B4-BE49-F238E27FC236}">
+                <a16:creationId xmlns:a16="http://schemas.microsoft.com/office/drawing/2014/main" id="{3CC4C0E7-8A33-456E-AB9A-19F7E746862F}"/>
+              </a:ext>
+            </a:extLst>
+          </p:cNvPr>
+          <p:cNvCxnSpPr>
+            <a:cxnSpLocks/>
+          </p:cNvCxnSpPr>
+          <p:nvPr/>
+        </p:nvCxnSpPr>
+        <p:spPr>
+          <a:xfrm rot="16200000" flipH="1">
+            <a:off x="3097219" y="2439308"/>
+            <a:ext cx="1063551" cy="2093899"/>
+          </a:xfrm>
+          <a:prstGeom prst="curvedConnector2">
+            <a:avLst/>
+          </a:prstGeom>
+          <a:ln>
+            <a:headEnd type="triangle"/>
+            <a:tailEnd type="triangle"/>
+          </a:ln>
+        </p:spPr>
+        <p:style>
+          <a:lnRef idx="1">
+            <a:schemeClr val="accent1"/>
+          </a:lnRef>
+          <a:fillRef idx="0">
+            <a:schemeClr val="accent1"/>
+          </a:fillRef>
+          <a:effectRef idx="0">
+            <a:schemeClr val="accent1"/>
+          </a:effectRef>
+          <a:fontRef idx="minor">
+            <a:schemeClr val="tx1"/>
+          </a:fontRef>
+        </p:style>
+      </p:cxnSp>
+      <p:cxnSp>
+        <p:nvCxnSpPr>
+          <p:cNvPr id="69" name="Connector: Curved 68">
+            <a:extLst>
+              <a:ext uri="{FF2B5EF4-FFF2-40B4-BE49-F238E27FC236}">
+                <a16:creationId xmlns:a16="http://schemas.microsoft.com/office/drawing/2014/main" id="{B868B35F-7240-464D-8632-09E3BE0AA964}"/>
+              </a:ext>
+            </a:extLst>
+          </p:cNvPr>
+          <p:cNvCxnSpPr>
+            <a:cxnSpLocks/>
+          </p:cNvCxnSpPr>
+          <p:nvPr/>
+        </p:nvCxnSpPr>
+        <p:spPr>
+          <a:xfrm rot="16200000" flipH="1">
+            <a:off x="2671813" y="2013902"/>
+            <a:ext cx="1063551" cy="2944712"/>
+          </a:xfrm>
+          <a:prstGeom prst="curvedConnector2">
+            <a:avLst/>
+          </a:prstGeom>
+          <a:ln>
+            <a:headEnd type="triangle"/>
+            <a:tailEnd type="triangle"/>
+          </a:ln>
+        </p:spPr>
+        <p:style>
+          <a:lnRef idx="1">
+            <a:schemeClr val="accent1"/>
+          </a:lnRef>
+          <a:fillRef idx="0">
+            <a:schemeClr val="accent1"/>
+          </a:fillRef>
+          <a:effectRef idx="0">
+            <a:schemeClr val="accent1"/>
+          </a:effectRef>
+          <a:fontRef idx="minor">
+            <a:schemeClr val="tx1"/>
+          </a:fontRef>
+        </p:style>
+      </p:cxnSp>
+      <p:cxnSp>
+        <p:nvCxnSpPr>
+          <p:cNvPr id="71" name="Connector: Curved 70">
+            <a:extLst>
+              <a:ext uri="{FF2B5EF4-FFF2-40B4-BE49-F238E27FC236}">
+                <a16:creationId xmlns:a16="http://schemas.microsoft.com/office/drawing/2014/main" id="{F4029B8D-7D2F-4A22-8BE2-A243426A9C77}"/>
+              </a:ext>
+            </a:extLst>
+          </p:cNvPr>
+          <p:cNvCxnSpPr>
+            <a:cxnSpLocks/>
+          </p:cNvCxnSpPr>
+          <p:nvPr/>
+        </p:nvCxnSpPr>
+        <p:spPr>
+          <a:xfrm rot="16200000" flipH="1">
+            <a:off x="2246406" y="1588495"/>
+            <a:ext cx="1063551" cy="3795525"/>
+          </a:xfrm>
+          <a:prstGeom prst="curvedConnector2">
+            <a:avLst/>
+          </a:prstGeom>
+          <a:ln>
+            <a:headEnd type="triangle"/>
+            <a:tailEnd type="triangle"/>
+          </a:ln>
+        </p:spPr>
+        <p:style>
+          <a:lnRef idx="1">
+            <a:schemeClr val="accent1"/>
+          </a:lnRef>
+          <a:fillRef idx="0">
+            <a:schemeClr val="accent1"/>
+          </a:fillRef>
+          <a:effectRef idx="0">
+            <a:schemeClr val="accent1"/>
+          </a:effectRef>
+          <a:fontRef idx="minor">
+            <a:schemeClr val="tx1"/>
+          </a:fontRef>
+        </p:style>
+      </p:cxnSp>
+      <p:cxnSp>
+        <p:nvCxnSpPr>
+          <p:cNvPr id="76" name="Connector: Curved 75">
+            <a:extLst>
+              <a:ext uri="{FF2B5EF4-FFF2-40B4-BE49-F238E27FC236}">
+                <a16:creationId xmlns:a16="http://schemas.microsoft.com/office/drawing/2014/main" id="{B0E96370-52C4-45E3-ABB7-F38BD45E9E71}"/>
+              </a:ext>
+            </a:extLst>
+          </p:cNvPr>
+          <p:cNvCxnSpPr>
+            <a:cxnSpLocks/>
+            <a:stCxn id="42" idx="3"/>
+            <a:endCxn id="138" idx="2"/>
+          </p:cNvCxnSpPr>
+          <p:nvPr/>
+        </p:nvCxnSpPr>
+        <p:spPr>
+          <a:xfrm flipV="1">
+            <a:off x="2177375" y="4616268"/>
+            <a:ext cx="2977202" cy="902133"/>
+          </a:xfrm>
+          <a:prstGeom prst="curvedConnector2">
+            <a:avLst/>
+          </a:prstGeom>
+          <a:ln>
+            <a:headEnd type="triangle"/>
+            <a:tailEnd type="triangle"/>
+          </a:ln>
+        </p:spPr>
+        <p:style>
+          <a:lnRef idx="1">
+            <a:schemeClr val="accent1"/>
+          </a:lnRef>
+          <a:fillRef idx="0">
+            <a:schemeClr val="accent1"/>
+          </a:fillRef>
+          <a:effectRef idx="0">
+            <a:schemeClr val="accent1"/>
+          </a:effectRef>
+          <a:fontRef idx="minor">
+            <a:schemeClr val="tx1"/>
+          </a:fontRef>
+        </p:style>
+      </p:cxnSp>
+      <p:sp>
+        <p:nvSpPr>
+          <p:cNvPr id="128" name="TextBox 127">
+            <a:extLst>
+              <a:ext uri="{FF2B5EF4-FFF2-40B4-BE49-F238E27FC236}">
+                <a16:creationId xmlns:a16="http://schemas.microsoft.com/office/drawing/2014/main" id="{AE1A24CB-D856-4574-A0B7-39AB7B963F94}"/>
+              </a:ext>
+            </a:extLst>
+          </p:cNvPr>
+          <p:cNvSpPr txBox="1"/>
+          <p:nvPr/>
+        </p:nvSpPr>
+        <p:spPr>
+          <a:xfrm>
+            <a:off x="3071166" y="2402717"/>
+            <a:ext cx="920830" cy="646331"/>
+          </a:xfrm>
+          <a:prstGeom prst="rect">
+            <a:avLst/>
+          </a:prstGeom>
+          <a:noFill/>
+        </p:spPr>
+        <p:txBody>
+          <a:bodyPr wrap="none" rtlCol="0">
+            <a:spAutoFit/>
+          </a:bodyPr>
+          <a:lstStyle/>
+          <a:p>
+            <a:r>
+              <a:rPr lang="fr-CA" dirty="0"/>
+              <a:t>Referee</a:t>
+            </a:r>
+            <a:br>
+              <a:rPr lang="fr-CA" dirty="0"/>
+            </a:br>
+            <a:r>
+              <a:rPr lang="fr-CA" dirty="0"/>
+              <a:t>Laptops</a:t>
+            </a:r>
+          </a:p>
+        </p:txBody>
+      </p:sp>
+      <p:sp>
+        <p:nvSpPr>
+          <p:cNvPr id="129" name="TextBox 128">
+            <a:extLst>
+              <a:ext uri="{FF2B5EF4-FFF2-40B4-BE49-F238E27FC236}">
+                <a16:creationId xmlns:a16="http://schemas.microsoft.com/office/drawing/2014/main" id="{BE5E34C6-8717-433B-8843-E4B12A7C146D}"/>
+              </a:ext>
+            </a:extLst>
+          </p:cNvPr>
+          <p:cNvSpPr txBox="1"/>
+          <p:nvPr/>
+        </p:nvSpPr>
+        <p:spPr>
+          <a:xfrm>
+            <a:off x="1257349" y="5790935"/>
+            <a:ext cx="996619" cy="369332"/>
+          </a:xfrm>
+          <a:prstGeom prst="rect">
+            <a:avLst/>
+          </a:prstGeom>
+          <a:noFill/>
+        </p:spPr>
+        <p:txBody>
+          <a:bodyPr wrap="none" rtlCol="0">
+            <a:spAutoFit/>
+          </a:bodyPr>
+          <a:lstStyle/>
+          <a:p>
+            <a:r>
+              <a:rPr lang="fr-CA" dirty="0"/>
+              <a:t>Marshall</a:t>
+            </a:r>
+          </a:p>
+        </p:txBody>
+      </p:sp>
+      <p:sp>
+        <p:nvSpPr>
+          <p:cNvPr id="130" name="TextBox 129">
+            <a:extLst>
+              <a:ext uri="{FF2B5EF4-FFF2-40B4-BE49-F238E27FC236}">
+                <a16:creationId xmlns:a16="http://schemas.microsoft.com/office/drawing/2014/main" id="{51255E3D-D65B-44CD-BE13-9BD3F23D006B}"/>
+              </a:ext>
+            </a:extLst>
+          </p:cNvPr>
+          <p:cNvSpPr txBox="1"/>
+          <p:nvPr/>
+        </p:nvSpPr>
+        <p:spPr>
+          <a:xfrm>
+            <a:off x="3160061" y="5997408"/>
+            <a:ext cx="1220206" cy="369332"/>
+          </a:xfrm>
+          <a:prstGeom prst="rect">
+            <a:avLst/>
+          </a:prstGeom>
+          <a:noFill/>
+        </p:spPr>
+        <p:txBody>
+          <a:bodyPr wrap="none" rtlCol="0">
+            <a:spAutoFit/>
+          </a:bodyPr>
+          <a:lstStyle/>
+          <a:p>
+            <a:r>
+              <a:rPr lang="fr-CA" dirty="0" err="1"/>
+              <a:t>Announcer</a:t>
+            </a:r>
+            <a:endParaRPr lang="fr-CA" dirty="0"/>
+          </a:p>
+        </p:txBody>
+      </p:sp>
+      <p:cxnSp>
+        <p:nvCxnSpPr>
+          <p:cNvPr id="135" name="Straight Arrow Connector 134">
+            <a:extLst>
+              <a:ext uri="{FF2B5EF4-FFF2-40B4-BE49-F238E27FC236}">
+                <a16:creationId xmlns:a16="http://schemas.microsoft.com/office/drawing/2014/main" id="{E3D4809F-46F2-45AB-9212-B21139D1E38C}"/>
+              </a:ext>
+            </a:extLst>
+          </p:cNvPr>
+          <p:cNvCxnSpPr>
+            <a:cxnSpLocks/>
+            <a:endCxn id="7" idx="1"/>
+          </p:cNvCxnSpPr>
+          <p:nvPr/>
+        </p:nvCxnSpPr>
+        <p:spPr>
+          <a:xfrm flipV="1">
+            <a:off x="5590344" y="4013534"/>
+            <a:ext cx="1428916" cy="4500"/>
+          </a:xfrm>
+          <a:prstGeom prst="straightConnector1">
+            <a:avLst/>
+          </a:prstGeom>
+          <a:ln w="53975">
+            <a:tailEnd type="triangle"/>
+          </a:ln>
+        </p:spPr>
+        <p:style>
+          <a:lnRef idx="1">
+            <a:schemeClr val="accent1"/>
+          </a:lnRef>
+          <a:fillRef idx="0">
+            <a:schemeClr val="accent1"/>
+          </a:fillRef>
+          <a:effectRef idx="0">
+            <a:schemeClr val="accent1"/>
+          </a:effectRef>
+          <a:fontRef idx="minor">
+            <a:schemeClr val="tx1"/>
+          </a:fontRef>
+        </p:style>
+      </p:cxnSp>
+      <p:pic>
+        <p:nvPicPr>
+          <p:cNvPr id="137" name="Graphic 136" descr="Laptop">
+            <a:extLst>
+              <a:ext uri="{FF2B5EF4-FFF2-40B4-BE49-F238E27FC236}">
+                <a16:creationId xmlns:a16="http://schemas.microsoft.com/office/drawing/2014/main" id="{1E7CC159-6195-4D7F-8385-60C99F5407AD}"/>
+              </a:ext>
+            </a:extLst>
+          </p:cNvPr>
+          <p:cNvPicPr>
+            <a:picLocks noChangeAspect="1"/>
+          </p:cNvPicPr>
+          <p:nvPr/>
+        </p:nvPicPr>
+        <p:blipFill>
+          <a:blip r:embed="rId8">
+            <a:extLst>
+              <a:ext uri="{28A0092B-C50C-407E-A947-70E740481C1C}">
+                <a14:useLocalDpi xmlns:a14="http://schemas.microsoft.com/office/drawing/2010/main" val="0"/>
+              </a:ext>
+              <a:ext uri="{96DAC541-7B7A-43D3-8B79-37D633B846F1}">
+                <asvg:svgBlip xmlns:asvg="http://schemas.microsoft.com/office/drawing/2016/SVG/main" r:embed="rId9"/>
+              </a:ext>
+            </a:extLst>
+          </a:blip>
+          <a:stretch>
+            <a:fillRect/>
+          </a:stretch>
+        </p:blipFill>
+        <p:spPr>
+          <a:xfrm>
+            <a:off x="3286094" y="5343835"/>
+            <a:ext cx="914400" cy="914400"/>
+          </a:xfrm>
+          <a:prstGeom prst="rect">
+            <a:avLst/>
+          </a:prstGeom>
+        </p:spPr>
+      </p:pic>
+      <p:sp>
+        <p:nvSpPr>
+          <p:cNvPr id="138" name="TextBox 137">
+            <a:extLst>
+              <a:ext uri="{FF2B5EF4-FFF2-40B4-BE49-F238E27FC236}">
+                <a16:creationId xmlns:a16="http://schemas.microsoft.com/office/drawing/2014/main" id="{79F9B87A-2C2D-43BA-8A3D-63A48FBE7D79}"/>
+              </a:ext>
+            </a:extLst>
+          </p:cNvPr>
+          <p:cNvSpPr txBox="1"/>
+          <p:nvPr/>
+        </p:nvSpPr>
+        <p:spPr>
+          <a:xfrm>
+            <a:off x="4706826" y="4246936"/>
+            <a:ext cx="895502" cy="369332"/>
+          </a:xfrm>
+          <a:prstGeom prst="rect">
+            <a:avLst/>
+          </a:prstGeom>
+          <a:noFill/>
+        </p:spPr>
+        <p:txBody>
+          <a:bodyPr wrap="none" rtlCol="0">
+            <a:spAutoFit/>
+          </a:bodyPr>
+          <a:lstStyle/>
+          <a:p>
+            <a:r>
+              <a:rPr lang="fr-CA" dirty="0"/>
+              <a:t>owlcms</a:t>
+            </a:r>
+          </a:p>
+        </p:txBody>
+      </p:sp>
+      <p:cxnSp>
+        <p:nvCxnSpPr>
+          <p:cNvPr id="140" name="Connector: Curved 139">
+            <a:extLst>
+              <a:ext uri="{FF2B5EF4-FFF2-40B4-BE49-F238E27FC236}">
+                <a16:creationId xmlns:a16="http://schemas.microsoft.com/office/drawing/2014/main" id="{0CD263EB-083B-46BB-903A-85F2EB299A85}"/>
+              </a:ext>
+            </a:extLst>
+          </p:cNvPr>
+          <p:cNvCxnSpPr>
+            <a:stCxn id="137" idx="3"/>
+            <a:endCxn id="138" idx="2"/>
+          </p:cNvCxnSpPr>
+          <p:nvPr/>
+        </p:nvCxnSpPr>
+        <p:spPr>
+          <a:xfrm flipV="1">
+            <a:off x="4200494" y="4616268"/>
+            <a:ext cx="954083" cy="1184767"/>
+          </a:xfrm>
+          <a:prstGeom prst="curvedConnector2">
+            <a:avLst/>
+          </a:prstGeom>
+          <a:ln>
+            <a:headEnd type="triangle"/>
+            <a:tailEnd type="triangle"/>
+          </a:ln>
+        </p:spPr>
+        <p:style>
+          <a:lnRef idx="1">
+            <a:schemeClr val="accent1"/>
+          </a:lnRef>
+          <a:fillRef idx="0">
+            <a:schemeClr val="accent1"/>
+          </a:fillRef>
+          <a:effectRef idx="0">
+            <a:schemeClr val="accent1"/>
+          </a:effectRef>
+          <a:fontRef idx="minor">
+            <a:schemeClr val="tx1"/>
+          </a:fontRef>
+        </p:style>
+      </p:cxnSp>
+      <p:sp>
+        <p:nvSpPr>
+          <p:cNvPr id="141" name="TextBox 140">
+            <a:extLst>
+              <a:ext uri="{FF2B5EF4-FFF2-40B4-BE49-F238E27FC236}">
+                <a16:creationId xmlns:a16="http://schemas.microsoft.com/office/drawing/2014/main" id="{FDFA73C4-2863-4475-A7A2-353585C96372}"/>
+              </a:ext>
+            </a:extLst>
+          </p:cNvPr>
+          <p:cNvSpPr txBox="1"/>
+          <p:nvPr/>
+        </p:nvSpPr>
+        <p:spPr>
+          <a:xfrm>
+            <a:off x="6787713" y="4356637"/>
+            <a:ext cx="1377493" cy="369332"/>
+          </a:xfrm>
+          <a:prstGeom prst="rect">
+            <a:avLst/>
+          </a:prstGeom>
+          <a:noFill/>
+        </p:spPr>
+        <p:txBody>
+          <a:bodyPr wrap="none" rtlCol="0">
+            <a:spAutoFit/>
+          </a:bodyPr>
+          <a:lstStyle/>
+          <a:p>
+            <a:r>
+              <a:rPr lang="fr-CA" dirty="0" err="1"/>
+              <a:t>publicresults</a:t>
+            </a:r>
+            <a:endParaRPr lang="fr-CA" dirty="0"/>
+          </a:p>
+        </p:txBody>
+      </p:sp>
+      <p:cxnSp>
+        <p:nvCxnSpPr>
+          <p:cNvPr id="143" name="Connector: Curved 142">
+            <a:extLst>
+              <a:ext uri="{FF2B5EF4-FFF2-40B4-BE49-F238E27FC236}">
+                <a16:creationId xmlns:a16="http://schemas.microsoft.com/office/drawing/2014/main" id="{EA06EC34-A278-408E-A58E-B30BBF510876}"/>
+              </a:ext>
+            </a:extLst>
+          </p:cNvPr>
+          <p:cNvCxnSpPr>
+            <a:stCxn id="7" idx="3"/>
+            <a:endCxn id="37" idx="3"/>
+          </p:cNvCxnSpPr>
+          <p:nvPr/>
+        </p:nvCxnSpPr>
+        <p:spPr>
+          <a:xfrm flipV="1">
+            <a:off x="7933660" y="1492572"/>
+            <a:ext cx="140430" cy="2520962"/>
+          </a:xfrm>
+          <a:prstGeom prst="curvedConnector3">
+            <a:avLst>
+              <a:gd name="adj1" fmla="val 262786"/>
+            </a:avLst>
+          </a:prstGeom>
+          <a:ln>
+            <a:tailEnd type="triangle"/>
+          </a:ln>
+        </p:spPr>
+        <p:style>
+          <a:lnRef idx="1">
+            <a:schemeClr val="accent1"/>
+          </a:lnRef>
+          <a:fillRef idx="0">
+            <a:schemeClr val="accent1"/>
+          </a:fillRef>
+          <a:effectRef idx="0">
+            <a:schemeClr val="accent1"/>
+          </a:effectRef>
+          <a:fontRef idx="minor">
+            <a:schemeClr val="tx1"/>
+          </a:fontRef>
+        </p:style>
+      </p:cxnSp>
+      <p:cxnSp>
+        <p:nvCxnSpPr>
+          <p:cNvPr id="145" name="Connector: Curved 144">
+            <a:extLst>
+              <a:ext uri="{FF2B5EF4-FFF2-40B4-BE49-F238E27FC236}">
+                <a16:creationId xmlns:a16="http://schemas.microsoft.com/office/drawing/2014/main" id="{A484415C-90E6-46A4-AADF-5FA10C8060A9}"/>
+              </a:ext>
+            </a:extLst>
+          </p:cNvPr>
+          <p:cNvCxnSpPr>
+            <a:stCxn id="7" idx="3"/>
+            <a:endCxn id="39" idx="3"/>
+          </p:cNvCxnSpPr>
+          <p:nvPr/>
+        </p:nvCxnSpPr>
+        <p:spPr>
+          <a:xfrm flipV="1">
+            <a:off x="7933660" y="1513306"/>
+            <a:ext cx="1758427" cy="2500228"/>
+          </a:xfrm>
+          <a:prstGeom prst="curvedConnector3">
+            <a:avLst>
+              <a:gd name="adj1" fmla="val 113000"/>
+            </a:avLst>
+          </a:prstGeom>
+          <a:ln>
+            <a:tailEnd type="triangle"/>
+          </a:ln>
+        </p:spPr>
+        <p:style>
+          <a:lnRef idx="1">
+            <a:schemeClr val="accent1"/>
+          </a:lnRef>
+          <a:fillRef idx="0">
+            <a:schemeClr val="accent1"/>
+          </a:fillRef>
+          <a:effectRef idx="0">
+            <a:schemeClr val="accent1"/>
+          </a:effectRef>
+          <a:fontRef idx="minor">
+            <a:schemeClr val="tx1"/>
+          </a:fontRef>
+        </p:style>
+      </p:cxnSp>
+      <p:cxnSp>
+        <p:nvCxnSpPr>
+          <p:cNvPr id="147" name="Connector: Curved 146">
+            <a:extLst>
+              <a:ext uri="{FF2B5EF4-FFF2-40B4-BE49-F238E27FC236}">
+                <a16:creationId xmlns:a16="http://schemas.microsoft.com/office/drawing/2014/main" id="{B989D948-7F2D-448F-A124-1CB1BA2F7C27}"/>
+              </a:ext>
+            </a:extLst>
+          </p:cNvPr>
+          <p:cNvCxnSpPr>
+            <a:stCxn id="7" idx="3"/>
+            <a:endCxn id="40" idx="3"/>
+          </p:cNvCxnSpPr>
+          <p:nvPr/>
+        </p:nvCxnSpPr>
+        <p:spPr>
+          <a:xfrm flipV="1">
+            <a:off x="7933660" y="1492572"/>
+            <a:ext cx="3376425" cy="2520962"/>
+          </a:xfrm>
+          <a:prstGeom prst="curvedConnector3">
+            <a:avLst>
+              <a:gd name="adj1" fmla="val 106770"/>
+            </a:avLst>
+          </a:prstGeom>
+          <a:ln>
+            <a:tailEnd type="triangle"/>
+          </a:ln>
+        </p:spPr>
+        <p:style>
+          <a:lnRef idx="1">
+            <a:schemeClr val="accent1"/>
+          </a:lnRef>
+          <a:fillRef idx="0">
+            <a:schemeClr val="accent1"/>
+          </a:fillRef>
+          <a:effectRef idx="0">
+            <a:schemeClr val="accent1"/>
+          </a:effectRef>
+          <a:fontRef idx="minor">
+            <a:schemeClr val="tx1"/>
+          </a:fontRef>
+        </p:style>
+      </p:cxnSp>
+      <p:sp>
+        <p:nvSpPr>
+          <p:cNvPr id="148" name="TextBox 147">
+            <a:extLst>
+              <a:ext uri="{FF2B5EF4-FFF2-40B4-BE49-F238E27FC236}">
+                <a16:creationId xmlns:a16="http://schemas.microsoft.com/office/drawing/2014/main" id="{5A244197-E699-467A-86C9-DD6E0E07D150}"/>
+              </a:ext>
+            </a:extLst>
+          </p:cNvPr>
+          <p:cNvSpPr txBox="1"/>
+          <p:nvPr/>
+        </p:nvSpPr>
+        <p:spPr>
+          <a:xfrm>
+            <a:off x="7210721" y="769313"/>
+            <a:ext cx="926857" cy="369332"/>
+          </a:xfrm>
+          <a:prstGeom prst="rect">
+            <a:avLst/>
+          </a:prstGeom>
+          <a:noFill/>
+        </p:spPr>
+        <p:txBody>
+          <a:bodyPr wrap="none" rtlCol="0">
+            <a:spAutoFit/>
+          </a:bodyPr>
+          <a:lstStyle/>
+          <a:p>
+            <a:r>
+              <a:rPr lang="fr-CA" i="1" dirty="0"/>
+              <a:t>Coach 1</a:t>
+            </a:r>
+          </a:p>
+        </p:txBody>
+      </p:sp>
+      <p:sp>
+        <p:nvSpPr>
+          <p:cNvPr id="149" name="TextBox 148">
+            <a:extLst>
+              <a:ext uri="{FF2B5EF4-FFF2-40B4-BE49-F238E27FC236}">
+                <a16:creationId xmlns:a16="http://schemas.microsoft.com/office/drawing/2014/main" id="{4FE2E93B-7061-4A86-A914-6E8C6F0BC6D2}"/>
+              </a:ext>
+            </a:extLst>
+          </p:cNvPr>
+          <p:cNvSpPr txBox="1"/>
+          <p:nvPr/>
+        </p:nvSpPr>
+        <p:spPr>
+          <a:xfrm>
+            <a:off x="8812873" y="769313"/>
+            <a:ext cx="926857" cy="369332"/>
+          </a:xfrm>
+          <a:prstGeom prst="rect">
+            <a:avLst/>
+          </a:prstGeom>
+          <a:noFill/>
+        </p:spPr>
+        <p:txBody>
+          <a:bodyPr wrap="none" rtlCol="0">
+            <a:spAutoFit/>
+          </a:bodyPr>
+          <a:lstStyle/>
+          <a:p>
+            <a:r>
+              <a:rPr lang="fr-CA" i="1" dirty="0"/>
+              <a:t>Coach 2</a:t>
+            </a:r>
+          </a:p>
+        </p:txBody>
+      </p:sp>
+      <p:sp>
+        <p:nvSpPr>
+          <p:cNvPr id="150" name="TextBox 149">
+            <a:extLst>
+              <a:ext uri="{FF2B5EF4-FFF2-40B4-BE49-F238E27FC236}">
+                <a16:creationId xmlns:a16="http://schemas.microsoft.com/office/drawing/2014/main" id="{468E77DA-A9D0-4A30-B55D-EB44D4712FA8}"/>
+              </a:ext>
+            </a:extLst>
+          </p:cNvPr>
+          <p:cNvSpPr txBox="1"/>
+          <p:nvPr/>
+        </p:nvSpPr>
+        <p:spPr>
+          <a:xfrm>
+            <a:off x="10430870" y="769313"/>
+            <a:ext cx="926857" cy="369332"/>
+          </a:xfrm>
+          <a:prstGeom prst="rect">
+            <a:avLst/>
+          </a:prstGeom>
+          <a:noFill/>
+        </p:spPr>
+        <p:txBody>
+          <a:bodyPr wrap="none" rtlCol="0">
+            <a:spAutoFit/>
+          </a:bodyPr>
+          <a:lstStyle/>
+          <a:p>
+            <a:r>
+              <a:rPr lang="fr-CA" i="1" dirty="0"/>
+              <a:t>Coach 3</a:t>
+            </a:r>
+          </a:p>
+        </p:txBody>
+      </p:sp>
+      <p:sp>
+        <p:nvSpPr>
+          <p:cNvPr id="41" name="TextBox 40">
+            <a:extLst>
+              <a:ext uri="{FF2B5EF4-FFF2-40B4-BE49-F238E27FC236}">
+                <a16:creationId xmlns:a16="http://schemas.microsoft.com/office/drawing/2014/main" id="{99CE7DB4-91D6-408C-A4F0-801DF23ED704}"/>
+              </a:ext>
+            </a:extLst>
+          </p:cNvPr>
+          <p:cNvSpPr txBox="1"/>
+          <p:nvPr/>
+        </p:nvSpPr>
+        <p:spPr>
+          <a:xfrm>
+            <a:off x="8046704" y="408838"/>
+            <a:ext cx="2314994" cy="369332"/>
+          </a:xfrm>
+          <a:prstGeom prst="rect">
+            <a:avLst/>
+          </a:prstGeom>
+          <a:noFill/>
+        </p:spPr>
+        <p:txBody>
+          <a:bodyPr wrap="none" rtlCol="0">
+            <a:spAutoFit/>
+          </a:bodyPr>
+          <a:lstStyle/>
+          <a:p>
+            <a:pPr algn="ctr"/>
+            <a:r>
+              <a:rPr lang="fr-CA" dirty="0" err="1"/>
+              <a:t>Individual</a:t>
+            </a:r>
+            <a:r>
+              <a:rPr lang="fr-CA" dirty="0"/>
+              <a:t> Scoreboards</a:t>
+            </a:r>
+          </a:p>
+        </p:txBody>
+      </p:sp>
+      <p:sp>
+        <p:nvSpPr>
+          <p:cNvPr id="36" name="TextBox 35">
+            <a:extLst>
+              <a:ext uri="{FF2B5EF4-FFF2-40B4-BE49-F238E27FC236}">
+                <a16:creationId xmlns:a16="http://schemas.microsoft.com/office/drawing/2014/main" id="{8C6D7954-666A-4DF3-9093-7064EA304C86}"/>
+              </a:ext>
+            </a:extLst>
+          </p:cNvPr>
+          <p:cNvSpPr txBox="1"/>
+          <p:nvPr/>
+        </p:nvSpPr>
+        <p:spPr>
+          <a:xfrm>
+            <a:off x="223805" y="438538"/>
+            <a:ext cx="2029530" cy="307777"/>
+          </a:xfrm>
+          <a:prstGeom prst="rect">
+            <a:avLst/>
+          </a:prstGeom>
+          <a:noFill/>
+        </p:spPr>
+        <p:txBody>
+          <a:bodyPr wrap="none" rtlCol="0">
+            <a:spAutoFit/>
+          </a:bodyPr>
+          <a:lstStyle/>
+          <a:p>
+            <a:r>
+              <a:rPr lang="fr-CA" sz="1400" i="1" dirty="0"/>
+              <a:t>Physical </a:t>
+            </a:r>
+            <a:r>
+              <a:rPr lang="fr-CA" sz="1400" i="1" dirty="0" err="1"/>
+              <a:t>Distancing</a:t>
+            </a:r>
+            <a:r>
+              <a:rPr lang="fr-CA" sz="1400" i="1" dirty="0"/>
+              <a:t> Setup</a:t>
+            </a:r>
+          </a:p>
+        </p:txBody>
+      </p:sp>
+      <p:sp>
+        <p:nvSpPr>
+          <p:cNvPr id="38" name="TextBox 37">
+            <a:extLst>
+              <a:ext uri="{FF2B5EF4-FFF2-40B4-BE49-F238E27FC236}">
+                <a16:creationId xmlns:a16="http://schemas.microsoft.com/office/drawing/2014/main" id="{85D3395D-CD82-483E-BCBD-91A39E12C604}"/>
+              </a:ext>
+            </a:extLst>
+          </p:cNvPr>
+          <p:cNvSpPr txBox="1"/>
+          <p:nvPr/>
+        </p:nvSpPr>
+        <p:spPr>
+          <a:xfrm>
+            <a:off x="5939427" y="3722914"/>
+            <a:ext cx="772584" cy="307777"/>
+          </a:xfrm>
+          <a:prstGeom prst="rect">
+            <a:avLst/>
+          </a:prstGeom>
+          <a:noFill/>
+        </p:spPr>
+        <p:txBody>
+          <a:bodyPr wrap="none" rtlCol="0">
+            <a:spAutoFit/>
+          </a:bodyPr>
+          <a:lstStyle/>
+          <a:p>
+            <a:r>
+              <a:rPr lang="fr-CA" sz="1400" dirty="0">
+                <a:solidFill>
+                  <a:schemeClr val="accent1"/>
+                </a:solidFill>
+              </a:rPr>
+              <a:t>updates</a:t>
+            </a:r>
+          </a:p>
+        </p:txBody>
+      </p:sp>
+      <p:pic>
+        <p:nvPicPr>
+          <p:cNvPr id="43" name="Graphic 42" descr="Laptop">
+            <a:extLst>
+              <a:ext uri="{FF2B5EF4-FFF2-40B4-BE49-F238E27FC236}">
+                <a16:creationId xmlns:a16="http://schemas.microsoft.com/office/drawing/2014/main" id="{2ACA3BDD-8AA0-4E6D-BF17-22728542DE3A}"/>
+              </a:ext>
+            </a:extLst>
+          </p:cNvPr>
+          <p:cNvPicPr>
+            <a:picLocks noChangeAspect="1"/>
+          </p:cNvPicPr>
+          <p:nvPr/>
+        </p:nvPicPr>
+        <p:blipFill>
+          <a:blip r:embed="rId8">
+            <a:extLst>
+              <a:ext uri="{28A0092B-C50C-407E-A947-70E740481C1C}">
+                <a14:useLocalDpi xmlns:a14="http://schemas.microsoft.com/office/drawing/2010/main" val="0"/>
+              </a:ext>
+              <a:ext uri="{96DAC541-7B7A-43D3-8B79-37D633B846F1}">
+                <asvg:svgBlip xmlns:asvg="http://schemas.microsoft.com/office/drawing/2016/SVG/main" r:embed="rId9"/>
+              </a:ext>
+            </a:extLst>
+          </a:blip>
+          <a:stretch>
+            <a:fillRect/>
+          </a:stretch>
+        </p:blipFill>
+        <p:spPr>
+          <a:xfrm>
+            <a:off x="429847" y="2134648"/>
+            <a:ext cx="914400" cy="914400"/>
+          </a:xfrm>
+          <a:prstGeom prst="rect">
+            <a:avLst/>
+          </a:prstGeom>
+        </p:spPr>
+      </p:pic>
+      <p:pic>
+        <p:nvPicPr>
+          <p:cNvPr id="45" name="Graphic 44" descr="Laptop">
+            <a:extLst>
+              <a:ext uri="{FF2B5EF4-FFF2-40B4-BE49-F238E27FC236}">
+                <a16:creationId xmlns:a16="http://schemas.microsoft.com/office/drawing/2014/main" id="{E66DC4D4-F79E-4DE2-8440-FFEBC59FBADF}"/>
+              </a:ext>
+            </a:extLst>
+          </p:cNvPr>
+          <p:cNvPicPr>
+            <a:picLocks noChangeAspect="1"/>
+          </p:cNvPicPr>
+          <p:nvPr/>
+        </p:nvPicPr>
+        <p:blipFill>
+          <a:blip r:embed="rId8">
+            <a:extLst>
+              <a:ext uri="{28A0092B-C50C-407E-A947-70E740481C1C}">
+                <a14:useLocalDpi xmlns:a14="http://schemas.microsoft.com/office/drawing/2010/main" val="0"/>
+              </a:ext>
+              <a:ext uri="{96DAC541-7B7A-43D3-8B79-37D633B846F1}">
+                <asvg:svgBlip xmlns:asvg="http://schemas.microsoft.com/office/drawing/2016/SVG/main" r:embed="rId9"/>
+              </a:ext>
+            </a:extLst>
+          </a:blip>
+          <a:stretch>
+            <a:fillRect/>
+          </a:stretch>
+        </p:blipFill>
+        <p:spPr>
+          <a:xfrm>
+            <a:off x="1300797" y="2134648"/>
+            <a:ext cx="914400" cy="914400"/>
+          </a:xfrm>
+          <a:prstGeom prst="rect">
+            <a:avLst/>
+          </a:prstGeom>
+        </p:spPr>
+      </p:pic>
+      <p:pic>
+        <p:nvPicPr>
+          <p:cNvPr id="46" name="Graphic 45" descr="Laptop">
+            <a:extLst>
+              <a:ext uri="{FF2B5EF4-FFF2-40B4-BE49-F238E27FC236}">
+                <a16:creationId xmlns:a16="http://schemas.microsoft.com/office/drawing/2014/main" id="{DBC6A279-F374-473E-9C8E-6201FB80BC62}"/>
+              </a:ext>
+            </a:extLst>
+          </p:cNvPr>
+          <p:cNvPicPr>
+            <a:picLocks noChangeAspect="1"/>
+          </p:cNvPicPr>
+          <p:nvPr/>
+        </p:nvPicPr>
+        <p:blipFill>
+          <a:blip r:embed="rId8">
+            <a:extLst>
+              <a:ext uri="{28A0092B-C50C-407E-A947-70E740481C1C}">
+                <a14:useLocalDpi xmlns:a14="http://schemas.microsoft.com/office/drawing/2010/main" val="0"/>
+              </a:ext>
+              <a:ext uri="{96DAC541-7B7A-43D3-8B79-37D633B846F1}">
+                <asvg:svgBlip xmlns:asvg="http://schemas.microsoft.com/office/drawing/2016/SVG/main" r:embed="rId9"/>
+              </a:ext>
+            </a:extLst>
+          </a:blip>
+          <a:stretch>
+            <a:fillRect/>
+          </a:stretch>
+        </p:blipFill>
+        <p:spPr>
+          <a:xfrm>
+            <a:off x="2171747" y="2134648"/>
+            <a:ext cx="914400" cy="914400"/>
+          </a:xfrm>
+          <a:prstGeom prst="rect">
+            <a:avLst/>
+          </a:prstGeom>
+        </p:spPr>
+      </p:pic>
+    </p:spTree>
+    <p:extLst>
+      <p:ext uri="{BB962C8B-B14F-4D97-AF65-F5344CB8AC3E}">
+        <p14:creationId xmlns:p14="http://schemas.microsoft.com/office/powerpoint/2010/main" val="606038545"/>
+      </p:ext>
+    </p:extLst>
+  </p:cSld>
+  <p:clrMapOvr>
+    <a:masterClrMapping/>
+  </p:clrMapOvr>
+</p:sld>
+</file>
+
 <file path=ppt/slides/slide2.xml><?xml version="1.0" encoding="utf-8"?>
 <p:sld xmlns:a="http://schemas.openxmlformats.org/drawingml/2006/main" xmlns:r="http://schemas.openxmlformats.org/officeDocument/2006/relationships" xmlns:p="http://schemas.openxmlformats.org/presentationml/2006/main">
   <p:cSld>
